--- a/IP/project/doc/Traffic road signs detection.pptx
+++ b/IP/project/doc/Traffic road signs detection.pptx
@@ -2,14 +2,21 @@
 <file path=ppt/presentation.xml><?xml version="1.0" encoding="utf-8"?>
 <p:presentation xmlns:a="http://schemas.openxmlformats.org/drawingml/2006/main" xmlns:r="http://schemas.openxmlformats.org/officeDocument/2006/relationships" xmlns:p="http://schemas.openxmlformats.org/presentationml/2006/main" saveSubsetFonts="1">
   <p:sldMasterIdLst>
-    <p:sldMasterId id="2147483648" r:id="rId1"/>
+    <p:sldMasterId id="2147483660" r:id="rId1"/>
   </p:sldMasterIdLst>
   <p:sldIdLst>
     <p:sldId id="256" r:id="rId2"/>
     <p:sldId id="259" r:id="rId3"/>
     <p:sldId id="260" r:id="rId4"/>
-    <p:sldId id="257" r:id="rId5"/>
-    <p:sldId id="258" r:id="rId6"/>
+    <p:sldId id="261" r:id="rId5"/>
+    <p:sldId id="257" r:id="rId6"/>
+    <p:sldId id="258" r:id="rId7"/>
+    <p:sldId id="262" r:id="rId8"/>
+    <p:sldId id="264" r:id="rId9"/>
+    <p:sldId id="265" r:id="rId10"/>
+    <p:sldId id="263" r:id="rId11"/>
+    <p:sldId id="267" r:id="rId12"/>
+    <p:sldId id="266" r:id="rId13"/>
   </p:sldIdLst>
   <p:sldSz cx="12192000" cy="6858000"/>
   <p:notesSz cx="6858000" cy="9144000"/>
@@ -17,7 +24,7 @@
     <a:defPPr>
       <a:defRPr lang="en-US"/>
     </a:defPPr>
-    <a:lvl1pPr marL="0" algn="l" defTabSz="914400" rtl="0" eaLnBrk="1" latinLnBrk="0" hangingPunct="1">
+    <a:lvl1pPr marL="0" algn="l" defTabSz="457200" rtl="0" eaLnBrk="1" latinLnBrk="0" hangingPunct="1">
       <a:defRPr sz="1800" kern="1200">
         <a:solidFill>
           <a:schemeClr val="tx1"/>
@@ -27,7 +34,7 @@
         <a:cs typeface="+mn-cs"/>
       </a:defRPr>
     </a:lvl1pPr>
-    <a:lvl2pPr marL="457200" algn="l" defTabSz="914400" rtl="0" eaLnBrk="1" latinLnBrk="0" hangingPunct="1">
+    <a:lvl2pPr marL="457200" algn="l" defTabSz="457200" rtl="0" eaLnBrk="1" latinLnBrk="0" hangingPunct="1">
       <a:defRPr sz="1800" kern="1200">
         <a:solidFill>
           <a:schemeClr val="tx1"/>
@@ -37,7 +44,7 @@
         <a:cs typeface="+mn-cs"/>
       </a:defRPr>
     </a:lvl2pPr>
-    <a:lvl3pPr marL="914400" algn="l" defTabSz="914400" rtl="0" eaLnBrk="1" latinLnBrk="0" hangingPunct="1">
+    <a:lvl3pPr marL="914400" algn="l" defTabSz="457200" rtl="0" eaLnBrk="1" latinLnBrk="0" hangingPunct="1">
       <a:defRPr sz="1800" kern="1200">
         <a:solidFill>
           <a:schemeClr val="tx1"/>
@@ -47,7 +54,7 @@
         <a:cs typeface="+mn-cs"/>
       </a:defRPr>
     </a:lvl3pPr>
-    <a:lvl4pPr marL="1371600" algn="l" defTabSz="914400" rtl="0" eaLnBrk="1" latinLnBrk="0" hangingPunct="1">
+    <a:lvl4pPr marL="1371600" algn="l" defTabSz="457200" rtl="0" eaLnBrk="1" latinLnBrk="0" hangingPunct="1">
       <a:defRPr sz="1800" kern="1200">
         <a:solidFill>
           <a:schemeClr val="tx1"/>
@@ -57,7 +64,7 @@
         <a:cs typeface="+mn-cs"/>
       </a:defRPr>
     </a:lvl4pPr>
-    <a:lvl5pPr marL="1828800" algn="l" defTabSz="914400" rtl="0" eaLnBrk="1" latinLnBrk="0" hangingPunct="1">
+    <a:lvl5pPr marL="1828800" algn="l" defTabSz="457200" rtl="0" eaLnBrk="1" latinLnBrk="0" hangingPunct="1">
       <a:defRPr sz="1800" kern="1200">
         <a:solidFill>
           <a:schemeClr val="tx1"/>
@@ -67,7 +74,7 @@
         <a:cs typeface="+mn-cs"/>
       </a:defRPr>
     </a:lvl5pPr>
-    <a:lvl6pPr marL="2286000" algn="l" defTabSz="914400" rtl="0" eaLnBrk="1" latinLnBrk="0" hangingPunct="1">
+    <a:lvl6pPr marL="2286000" algn="l" defTabSz="457200" rtl="0" eaLnBrk="1" latinLnBrk="0" hangingPunct="1">
       <a:defRPr sz="1800" kern="1200">
         <a:solidFill>
           <a:schemeClr val="tx1"/>
@@ -77,7 +84,7 @@
         <a:cs typeface="+mn-cs"/>
       </a:defRPr>
     </a:lvl6pPr>
-    <a:lvl7pPr marL="2743200" algn="l" defTabSz="914400" rtl="0" eaLnBrk="1" latinLnBrk="0" hangingPunct="1">
+    <a:lvl7pPr marL="2743200" algn="l" defTabSz="457200" rtl="0" eaLnBrk="1" latinLnBrk="0" hangingPunct="1">
       <a:defRPr sz="1800" kern="1200">
         <a:solidFill>
           <a:schemeClr val="tx1"/>
@@ -87,7 +94,7 @@
         <a:cs typeface="+mn-cs"/>
       </a:defRPr>
     </a:lvl7pPr>
-    <a:lvl8pPr marL="3200400" algn="l" defTabSz="914400" rtl="0" eaLnBrk="1" latinLnBrk="0" hangingPunct="1">
+    <a:lvl8pPr marL="3200400" algn="l" defTabSz="457200" rtl="0" eaLnBrk="1" latinLnBrk="0" hangingPunct="1">
       <a:defRPr sz="1800" kern="1200">
         <a:solidFill>
           <a:schemeClr val="tx1"/>
@@ -97,7 +104,7 @@
         <a:cs typeface="+mn-cs"/>
       </a:defRPr>
     </a:lvl8pPr>
-    <a:lvl9pPr marL="3657600" algn="l" defTabSz="914400" rtl="0" eaLnBrk="1" latinLnBrk="0" hangingPunct="1">
+    <a:lvl9pPr marL="3657600" algn="l" defTabSz="457200" rtl="0" eaLnBrk="1" latinLnBrk="0" hangingPunct="1">
       <a:defRPr sz="1800" kern="1200">
         <a:solidFill>
           <a:schemeClr val="tx1"/>
@@ -108,6 +115,11 @@
       </a:defRPr>
     </a:lvl9pPr>
   </p:defaultTextStyle>
+  <p:extLst>
+    <p:ext uri="{EFAFB233-063F-42B5-8137-9DF3F51BA10A}">
+      <p15:sldGuideLst xmlns:p15="http://schemas.microsoft.com/office/powerpoint/2012/main"/>
+    </p:ext>
+  </p:extLst>
 </p:presentation>
 </file>
 
@@ -130,13 +142,7 @@
       </p:grpSpPr>
       <p:sp>
         <p:nvSpPr>
-          <p:cNvPr id="2" name="Title 1">
-            <a:extLst>
-              <a:ext uri="{FF2B5EF4-FFF2-40B4-BE49-F238E27FC236}">
-                <a16:creationId xmlns:a16="http://schemas.microsoft.com/office/drawing/2014/main" id="{950D51AA-CD57-43E8-B660-2DA53EC50086}"/>
-              </a:ext>
-            </a:extLst>
-          </p:cNvPr>
+          <p:cNvPr id="2" name="Title 1"/>
           <p:cNvSpPr>
             <a:spLocks noGrp="1"/>
           </p:cNvSpPr>
@@ -146,15 +152,15 @@
         </p:nvSpPr>
         <p:spPr>
           <a:xfrm>
-            <a:off x="1524000" y="1122363"/>
-            <a:ext cx="9144000" cy="2387600"/>
+            <a:off x="1154955" y="1447800"/>
+            <a:ext cx="8825658" cy="3329581"/>
           </a:xfrm>
         </p:spPr>
         <p:txBody>
           <a:bodyPr anchor="b"/>
           <a:lstStyle>
-            <a:lvl1pPr algn="ctr">
-              <a:defRPr sz="6000"/>
+            <a:lvl1pPr>
+              <a:defRPr sz="7200"/>
             </a:lvl1pPr>
           </a:lstStyle>
           <a:p>
@@ -162,19 +168,13 @@
               <a:rPr lang="en-US"/>
               <a:t>Click to edit Master title style</a:t>
             </a:r>
-            <a:endParaRPr lang="en-GB"/>
-          </a:p>
-        </p:txBody>
-      </p:sp>
-      <p:sp>
-        <p:nvSpPr>
-          <p:cNvPr id="3" name="Subtitle 2">
-            <a:extLst>
-              <a:ext uri="{FF2B5EF4-FFF2-40B4-BE49-F238E27FC236}">
-                <a16:creationId xmlns:a16="http://schemas.microsoft.com/office/drawing/2014/main" id="{8DD1679E-E0F9-41D2-B275-7E59D7DE1932}"/>
-              </a:ext>
-            </a:extLst>
-          </p:cNvPr>
+            <a:endParaRPr lang="en-US" dirty="0"/>
+          </a:p>
+        </p:txBody>
+      </p:sp>
+      <p:sp>
+        <p:nvSpPr>
+          <p:cNvPr id="3" name="Subtitle 2"/>
           <p:cNvSpPr>
             <a:spLocks noGrp="1"/>
           </p:cNvSpPr>
@@ -184,48 +184,103 @@
         </p:nvSpPr>
         <p:spPr>
           <a:xfrm>
-            <a:off x="1524000" y="3602038"/>
-            <a:ext cx="9144000" cy="1655762"/>
-          </a:xfrm>
-        </p:spPr>
-        <p:txBody>
-          <a:bodyPr/>
+            <a:off x="1154955" y="4777380"/>
+            <a:ext cx="8825658" cy="861420"/>
+          </a:xfrm>
+        </p:spPr>
+        <p:txBody>
+          <a:bodyPr anchor="t"/>
           <a:lstStyle>
-            <a:lvl1pPr marL="0" indent="0" algn="ctr">
-              <a:buNone/>
-              <a:defRPr sz="2400"/>
+            <a:lvl1pPr marL="0" indent="0" algn="l">
+              <a:buNone/>
+              <a:defRPr cap="all">
+                <a:solidFill>
+                  <a:schemeClr val="bg2">
+                    <a:lumMod val="40000"/>
+                    <a:lumOff val="60000"/>
+                  </a:schemeClr>
+                </a:solidFill>
+              </a:defRPr>
             </a:lvl1pPr>
             <a:lvl2pPr marL="457200" indent="0" algn="ctr">
               <a:buNone/>
-              <a:defRPr sz="2000"/>
+              <a:defRPr>
+                <a:solidFill>
+                  <a:schemeClr val="tx1">
+                    <a:tint val="75000"/>
+                  </a:schemeClr>
+                </a:solidFill>
+              </a:defRPr>
             </a:lvl2pPr>
             <a:lvl3pPr marL="914400" indent="0" algn="ctr">
               <a:buNone/>
-              <a:defRPr sz="1800"/>
+              <a:defRPr>
+                <a:solidFill>
+                  <a:schemeClr val="tx1">
+                    <a:tint val="75000"/>
+                  </a:schemeClr>
+                </a:solidFill>
+              </a:defRPr>
             </a:lvl3pPr>
             <a:lvl4pPr marL="1371600" indent="0" algn="ctr">
               <a:buNone/>
-              <a:defRPr sz="1600"/>
+              <a:defRPr>
+                <a:solidFill>
+                  <a:schemeClr val="tx1">
+                    <a:tint val="75000"/>
+                  </a:schemeClr>
+                </a:solidFill>
+              </a:defRPr>
             </a:lvl4pPr>
             <a:lvl5pPr marL="1828800" indent="0" algn="ctr">
               <a:buNone/>
-              <a:defRPr sz="1600"/>
+              <a:defRPr>
+                <a:solidFill>
+                  <a:schemeClr val="tx1">
+                    <a:tint val="75000"/>
+                  </a:schemeClr>
+                </a:solidFill>
+              </a:defRPr>
             </a:lvl5pPr>
             <a:lvl6pPr marL="2286000" indent="0" algn="ctr">
               <a:buNone/>
-              <a:defRPr sz="1600"/>
+              <a:defRPr>
+                <a:solidFill>
+                  <a:schemeClr val="tx1">
+                    <a:tint val="75000"/>
+                  </a:schemeClr>
+                </a:solidFill>
+              </a:defRPr>
             </a:lvl6pPr>
             <a:lvl7pPr marL="2743200" indent="0" algn="ctr">
               <a:buNone/>
-              <a:defRPr sz="1600"/>
+              <a:defRPr>
+                <a:solidFill>
+                  <a:schemeClr val="tx1">
+                    <a:tint val="75000"/>
+                  </a:schemeClr>
+                </a:solidFill>
+              </a:defRPr>
             </a:lvl7pPr>
             <a:lvl8pPr marL="3200400" indent="0" algn="ctr">
               <a:buNone/>
-              <a:defRPr sz="1600"/>
+              <a:defRPr>
+                <a:solidFill>
+                  <a:schemeClr val="tx1">
+                    <a:tint val="75000"/>
+                  </a:schemeClr>
+                </a:solidFill>
+              </a:defRPr>
             </a:lvl8pPr>
             <a:lvl9pPr marL="3657600" indent="0" algn="ctr">
               <a:buNone/>
-              <a:defRPr sz="1600"/>
+              <a:defRPr>
+                <a:solidFill>
+                  <a:schemeClr val="tx1">
+                    <a:tint val="75000"/>
+                  </a:schemeClr>
+                </a:solidFill>
+              </a:defRPr>
             </a:lvl9pPr>
           </a:lstStyle>
           <a:p>
@@ -233,19 +288,13 @@
               <a:rPr lang="en-US"/>
               <a:t>Click to edit Master subtitle style</a:t>
             </a:r>
-            <a:endParaRPr lang="en-GB"/>
-          </a:p>
-        </p:txBody>
-      </p:sp>
-      <p:sp>
-        <p:nvSpPr>
-          <p:cNvPr id="4" name="Date Placeholder 3">
-            <a:extLst>
-              <a:ext uri="{FF2B5EF4-FFF2-40B4-BE49-F238E27FC236}">
-                <a16:creationId xmlns:a16="http://schemas.microsoft.com/office/drawing/2014/main" id="{2B273C96-A934-4814-B8C2-CC216BDEFC8B}"/>
-              </a:ext>
-            </a:extLst>
-          </p:cNvPr>
+            <a:endParaRPr lang="en-US" dirty="0"/>
+          </a:p>
+        </p:txBody>
+      </p:sp>
+      <p:sp>
+        <p:nvSpPr>
+          <p:cNvPr id="4" name="Date Placeholder 3"/>
           <p:cNvSpPr>
             <a:spLocks noGrp="1"/>
           </p:cNvSpPr>
@@ -260,7 +309,7 @@
           <a:p>
             <a:fld id="{75CBF9E7-8931-4FFA-8C8D-DFC5EDD38F3D}" type="datetimeFigureOut">
               <a:rPr lang="en-GB" smtClean="0"/>
-              <a:t>04/04/2018</a:t>
+              <a:t>22/05/2018</a:t>
             </a:fld>
             <a:endParaRPr lang="en-GB" dirty="0"/>
           </a:p>
@@ -268,13 +317,7 @@
       </p:sp>
       <p:sp>
         <p:nvSpPr>
-          <p:cNvPr id="5" name="Footer Placeholder 4">
-            <a:extLst>
-              <a:ext uri="{FF2B5EF4-FFF2-40B4-BE49-F238E27FC236}">
-                <a16:creationId xmlns:a16="http://schemas.microsoft.com/office/drawing/2014/main" id="{80DC6A10-05EF-4E09-97AA-BE024A815FF4}"/>
-              </a:ext>
-            </a:extLst>
-          </p:cNvPr>
+          <p:cNvPr id="5" name="Footer Placeholder 4"/>
           <p:cNvSpPr>
             <a:spLocks noGrp="1"/>
           </p:cNvSpPr>
@@ -293,13 +336,7 @@
       </p:sp>
       <p:sp>
         <p:nvSpPr>
-          <p:cNvPr id="6" name="Slide Number Placeholder 5">
-            <a:extLst>
-              <a:ext uri="{FF2B5EF4-FFF2-40B4-BE49-F238E27FC236}">
-                <a16:creationId xmlns:a16="http://schemas.microsoft.com/office/drawing/2014/main" id="{D66FE753-B4A3-448D-8BEE-994F71D56365}"/>
-              </a:ext>
-            </a:extLst>
-          </p:cNvPr>
+          <p:cNvPr id="6" name="Slide Number Placeholder 5"/>
           <p:cNvSpPr>
             <a:spLocks noGrp="1"/>
           </p:cNvSpPr>
@@ -323,7 +360,7 @@
     </p:spTree>
     <p:extLst>
       <p:ext uri="{BB962C8B-B14F-4D97-AF65-F5344CB8AC3E}">
-        <p14:creationId xmlns:p14="http://schemas.microsoft.com/office/powerpoint/2010/main" val="1945146628"/>
+        <p14:creationId xmlns:p14="http://schemas.microsoft.com/office/powerpoint/2010/main" val="1781204976"/>
       </p:ext>
     </p:extLst>
   </p:cSld>
@@ -334,6 +371,2572 @@
 </file>
 
 <file path=ppt/slideLayouts/slideLayout10.xml><?xml version="1.0" encoding="utf-8"?>
+<p:sldLayout xmlns:a="http://schemas.openxmlformats.org/drawingml/2006/main" xmlns:r="http://schemas.openxmlformats.org/officeDocument/2006/relationships" xmlns:p="http://schemas.openxmlformats.org/presentationml/2006/main" preserve="1">
+  <p:cSld name="Panoramic Picture with Caption">
+    <p:spTree>
+      <p:nvGrpSpPr>
+        <p:cNvPr id="1" name=""/>
+        <p:cNvGrpSpPr/>
+        <p:nvPr/>
+      </p:nvGrpSpPr>
+      <p:grpSpPr>
+        <a:xfrm>
+          <a:off x="0" y="0"/>
+          <a:ext cx="0" cy="0"/>
+          <a:chOff x="0" y="0"/>
+          <a:chExt cx="0" cy="0"/>
+        </a:xfrm>
+      </p:grpSpPr>
+      <p:sp>
+        <p:nvSpPr>
+          <p:cNvPr id="2" name="Title 1"/>
+          <p:cNvSpPr>
+            <a:spLocks noGrp="1"/>
+          </p:cNvSpPr>
+          <p:nvPr>
+            <p:ph type="title"/>
+          </p:nvPr>
+        </p:nvSpPr>
+        <p:spPr>
+          <a:xfrm>
+            <a:off x="1154956" y="4800587"/>
+            <a:ext cx="8825657" cy="566738"/>
+          </a:xfrm>
+        </p:spPr>
+        <p:txBody>
+          <a:bodyPr anchor="b">
+            <a:normAutofit/>
+          </a:bodyPr>
+          <a:lstStyle>
+            <a:lvl1pPr algn="l">
+              <a:defRPr sz="2400" b="0"/>
+            </a:lvl1pPr>
+          </a:lstStyle>
+          <a:p>
+            <a:r>
+              <a:rPr lang="en-US"/>
+              <a:t>Click to edit Master title style</a:t>
+            </a:r>
+            <a:endParaRPr lang="en-US" dirty="0"/>
+          </a:p>
+        </p:txBody>
+      </p:sp>
+      <p:sp>
+        <p:nvSpPr>
+          <p:cNvPr id="3" name="Picture Placeholder 2"/>
+          <p:cNvSpPr>
+            <a:spLocks noGrp="1" noChangeAspect="1"/>
+          </p:cNvSpPr>
+          <p:nvPr>
+            <p:ph type="pic" idx="1"/>
+          </p:nvPr>
+        </p:nvSpPr>
+        <p:spPr>
+          <a:xfrm>
+            <a:off x="1154955" y="685800"/>
+            <a:ext cx="8825658" cy="3640666"/>
+          </a:xfrm>
+          <a:prstGeom prst="roundRect">
+            <a:avLst>
+              <a:gd name="adj" fmla="val 1858"/>
+            </a:avLst>
+          </a:prstGeom>
+          <a:effectLst>
+            <a:outerShdw blurRad="50800" dist="50800" dir="5400000" algn="tl" rotWithShape="0">
+              <a:srgbClr val="000000">
+                <a:alpha val="43000"/>
+              </a:srgbClr>
+            </a:outerShdw>
+          </a:effectLst>
+        </p:spPr>
+        <p:txBody>
+          <a:bodyPr anchor="t">
+            <a:normAutofit/>
+          </a:bodyPr>
+          <a:lstStyle>
+            <a:lvl1pPr marL="0" indent="0" algn="ctr">
+              <a:buNone/>
+              <a:defRPr sz="1600"/>
+            </a:lvl1pPr>
+            <a:lvl2pPr marL="457200" indent="0">
+              <a:buNone/>
+              <a:defRPr sz="1600"/>
+            </a:lvl2pPr>
+            <a:lvl3pPr marL="914400" indent="0">
+              <a:buNone/>
+              <a:defRPr sz="1600"/>
+            </a:lvl3pPr>
+            <a:lvl4pPr marL="1371600" indent="0">
+              <a:buNone/>
+              <a:defRPr sz="1600"/>
+            </a:lvl4pPr>
+            <a:lvl5pPr marL="1828800" indent="0">
+              <a:buNone/>
+              <a:defRPr sz="1600"/>
+            </a:lvl5pPr>
+            <a:lvl6pPr marL="2286000" indent="0">
+              <a:buNone/>
+              <a:defRPr sz="1600"/>
+            </a:lvl6pPr>
+            <a:lvl7pPr marL="2743200" indent="0">
+              <a:buNone/>
+              <a:defRPr sz="1600"/>
+            </a:lvl7pPr>
+            <a:lvl8pPr marL="3200400" indent="0">
+              <a:buNone/>
+              <a:defRPr sz="1600"/>
+            </a:lvl8pPr>
+            <a:lvl9pPr marL="3657600" indent="0">
+              <a:buNone/>
+              <a:defRPr sz="1600"/>
+            </a:lvl9pPr>
+          </a:lstStyle>
+          <a:p>
+            <a:r>
+              <a:rPr lang="en-US"/>
+              <a:t>Click icon to add picture</a:t>
+            </a:r>
+            <a:endParaRPr lang="en-US" dirty="0"/>
+          </a:p>
+        </p:txBody>
+      </p:sp>
+      <p:sp>
+        <p:nvSpPr>
+          <p:cNvPr id="4" name="Text Placeholder 3"/>
+          <p:cNvSpPr>
+            <a:spLocks noGrp="1"/>
+          </p:cNvSpPr>
+          <p:nvPr>
+            <p:ph type="body" sz="half" idx="2"/>
+          </p:nvPr>
+        </p:nvSpPr>
+        <p:spPr>
+          <a:xfrm>
+            <a:off x="1154956" y="5367325"/>
+            <a:ext cx="8825656" cy="493712"/>
+          </a:xfrm>
+        </p:spPr>
+        <p:txBody>
+          <a:bodyPr>
+            <a:normAutofit/>
+          </a:bodyPr>
+          <a:lstStyle>
+            <a:lvl1pPr marL="0" indent="0">
+              <a:buNone/>
+              <a:defRPr sz="1200"/>
+            </a:lvl1pPr>
+            <a:lvl2pPr marL="457200" indent="0">
+              <a:buNone/>
+              <a:defRPr sz="1200"/>
+            </a:lvl2pPr>
+            <a:lvl3pPr marL="914400" indent="0">
+              <a:buNone/>
+              <a:defRPr sz="1000"/>
+            </a:lvl3pPr>
+            <a:lvl4pPr marL="1371600" indent="0">
+              <a:buNone/>
+              <a:defRPr sz="900"/>
+            </a:lvl4pPr>
+            <a:lvl5pPr marL="1828800" indent="0">
+              <a:buNone/>
+              <a:defRPr sz="900"/>
+            </a:lvl5pPr>
+            <a:lvl6pPr marL="2286000" indent="0">
+              <a:buNone/>
+              <a:defRPr sz="900"/>
+            </a:lvl6pPr>
+            <a:lvl7pPr marL="2743200" indent="0">
+              <a:buNone/>
+              <a:defRPr sz="900"/>
+            </a:lvl7pPr>
+            <a:lvl8pPr marL="3200400" indent="0">
+              <a:buNone/>
+              <a:defRPr sz="900"/>
+            </a:lvl8pPr>
+            <a:lvl9pPr marL="3657600" indent="0">
+              <a:buNone/>
+              <a:defRPr sz="900"/>
+            </a:lvl9pPr>
+          </a:lstStyle>
+          <a:p>
+            <a:pPr lvl="0"/>
+            <a:r>
+              <a:rPr lang="en-US"/>
+              <a:t>Edit Master text styles</a:t>
+            </a:r>
+          </a:p>
+        </p:txBody>
+      </p:sp>
+      <p:sp>
+        <p:nvSpPr>
+          <p:cNvPr id="5" name="Date Placeholder 4"/>
+          <p:cNvSpPr>
+            <a:spLocks noGrp="1"/>
+          </p:cNvSpPr>
+          <p:nvPr>
+            <p:ph type="dt" sz="half" idx="10"/>
+          </p:nvPr>
+        </p:nvSpPr>
+        <p:spPr/>
+        <p:txBody>
+          <a:bodyPr/>
+          <a:lstStyle/>
+          <a:p>
+            <a:fld id="{75CBF9E7-8931-4FFA-8C8D-DFC5EDD38F3D}" type="datetimeFigureOut">
+              <a:rPr lang="en-GB" smtClean="0"/>
+              <a:t>22/05/2018</a:t>
+            </a:fld>
+            <a:endParaRPr lang="en-GB" dirty="0"/>
+          </a:p>
+        </p:txBody>
+      </p:sp>
+      <p:sp>
+        <p:nvSpPr>
+          <p:cNvPr id="6" name="Footer Placeholder 5"/>
+          <p:cNvSpPr>
+            <a:spLocks noGrp="1"/>
+          </p:cNvSpPr>
+          <p:nvPr>
+            <p:ph type="ftr" sz="quarter" idx="11"/>
+          </p:nvPr>
+        </p:nvSpPr>
+        <p:spPr/>
+        <p:txBody>
+          <a:bodyPr/>
+          <a:lstStyle/>
+          <a:p>
+            <a:endParaRPr lang="en-GB" dirty="0"/>
+          </a:p>
+        </p:txBody>
+      </p:sp>
+      <p:sp>
+        <p:nvSpPr>
+          <p:cNvPr id="7" name="Slide Number Placeholder 6"/>
+          <p:cNvSpPr>
+            <a:spLocks noGrp="1"/>
+          </p:cNvSpPr>
+          <p:nvPr>
+            <p:ph type="sldNum" sz="quarter" idx="12"/>
+          </p:nvPr>
+        </p:nvSpPr>
+        <p:spPr/>
+        <p:txBody>
+          <a:bodyPr/>
+          <a:lstStyle/>
+          <a:p>
+            <a:fld id="{DF36E190-966F-428A-AA12-2E3AD8A717B4}" type="slidenum">
+              <a:rPr lang="en-GB" smtClean="0"/>
+              <a:t>‹#›</a:t>
+            </a:fld>
+            <a:endParaRPr lang="en-GB" dirty="0"/>
+          </a:p>
+        </p:txBody>
+      </p:sp>
+    </p:spTree>
+    <p:extLst>
+      <p:ext uri="{BB962C8B-B14F-4D97-AF65-F5344CB8AC3E}">
+        <p14:creationId xmlns:p14="http://schemas.microsoft.com/office/powerpoint/2010/main" val="1826834878"/>
+      </p:ext>
+    </p:extLst>
+  </p:cSld>
+  <p:clrMapOvr>
+    <a:masterClrMapping/>
+  </p:clrMapOvr>
+</p:sldLayout>
+</file>
+
+<file path=ppt/slideLayouts/slideLayout11.xml><?xml version="1.0" encoding="utf-8"?>
+<p:sldLayout xmlns:a="http://schemas.openxmlformats.org/drawingml/2006/main" xmlns:r="http://schemas.openxmlformats.org/officeDocument/2006/relationships" xmlns:p="http://schemas.openxmlformats.org/presentationml/2006/main" preserve="1">
+  <p:cSld name="Title and Caption">
+    <p:spTree>
+      <p:nvGrpSpPr>
+        <p:cNvPr id="1" name=""/>
+        <p:cNvGrpSpPr/>
+        <p:nvPr/>
+      </p:nvGrpSpPr>
+      <p:grpSpPr>
+        <a:xfrm>
+          <a:off x="0" y="0"/>
+          <a:ext cx="0" cy="0"/>
+          <a:chOff x="0" y="0"/>
+          <a:chExt cx="0" cy="0"/>
+        </a:xfrm>
+      </p:grpSpPr>
+      <p:sp>
+        <p:nvSpPr>
+          <p:cNvPr id="2" name="Title 1"/>
+          <p:cNvSpPr>
+            <a:spLocks noGrp="1"/>
+          </p:cNvSpPr>
+          <p:nvPr>
+            <p:ph type="title"/>
+          </p:nvPr>
+        </p:nvSpPr>
+        <p:spPr>
+          <a:xfrm>
+            <a:off x="1154954" y="1447800"/>
+            <a:ext cx="8825659" cy="1981200"/>
+          </a:xfrm>
+        </p:spPr>
+        <p:txBody>
+          <a:bodyPr/>
+          <a:lstStyle>
+            <a:lvl1pPr>
+              <a:defRPr sz="4800"/>
+            </a:lvl1pPr>
+          </a:lstStyle>
+          <a:p>
+            <a:r>
+              <a:rPr lang="en-US"/>
+              <a:t>Click to edit Master title style</a:t>
+            </a:r>
+            <a:endParaRPr lang="en-US" dirty="0"/>
+          </a:p>
+        </p:txBody>
+      </p:sp>
+      <p:sp>
+        <p:nvSpPr>
+          <p:cNvPr id="8" name="Text Placeholder 3"/>
+          <p:cNvSpPr>
+            <a:spLocks noGrp="1"/>
+          </p:cNvSpPr>
+          <p:nvPr>
+            <p:ph type="body" sz="half" idx="2"/>
+          </p:nvPr>
+        </p:nvSpPr>
+        <p:spPr>
+          <a:xfrm>
+            <a:off x="1154954" y="3657600"/>
+            <a:ext cx="8825659" cy="2362200"/>
+          </a:xfrm>
+        </p:spPr>
+        <p:txBody>
+          <a:bodyPr anchor="ctr">
+            <a:normAutofit/>
+          </a:bodyPr>
+          <a:lstStyle>
+            <a:lvl1pPr marL="0" indent="0">
+              <a:buNone/>
+              <a:defRPr sz="1800"/>
+            </a:lvl1pPr>
+            <a:lvl2pPr marL="457200" indent="0">
+              <a:buNone/>
+              <a:defRPr sz="1200"/>
+            </a:lvl2pPr>
+            <a:lvl3pPr marL="914400" indent="0">
+              <a:buNone/>
+              <a:defRPr sz="1000"/>
+            </a:lvl3pPr>
+            <a:lvl4pPr marL="1371600" indent="0">
+              <a:buNone/>
+              <a:defRPr sz="900"/>
+            </a:lvl4pPr>
+            <a:lvl5pPr marL="1828800" indent="0">
+              <a:buNone/>
+              <a:defRPr sz="900"/>
+            </a:lvl5pPr>
+            <a:lvl6pPr marL="2286000" indent="0">
+              <a:buNone/>
+              <a:defRPr sz="900"/>
+            </a:lvl6pPr>
+            <a:lvl7pPr marL="2743200" indent="0">
+              <a:buNone/>
+              <a:defRPr sz="900"/>
+            </a:lvl7pPr>
+            <a:lvl8pPr marL="3200400" indent="0">
+              <a:buNone/>
+              <a:defRPr sz="900"/>
+            </a:lvl8pPr>
+            <a:lvl9pPr marL="3657600" indent="0">
+              <a:buNone/>
+              <a:defRPr sz="900"/>
+            </a:lvl9pPr>
+          </a:lstStyle>
+          <a:p>
+            <a:pPr lvl="0"/>
+            <a:r>
+              <a:rPr lang="en-US"/>
+              <a:t>Edit Master text styles</a:t>
+            </a:r>
+          </a:p>
+        </p:txBody>
+      </p:sp>
+      <p:sp>
+        <p:nvSpPr>
+          <p:cNvPr id="4" name="Date Placeholder 3"/>
+          <p:cNvSpPr>
+            <a:spLocks noGrp="1"/>
+          </p:cNvSpPr>
+          <p:nvPr>
+            <p:ph type="dt" sz="half" idx="10"/>
+          </p:nvPr>
+        </p:nvSpPr>
+        <p:spPr/>
+        <p:txBody>
+          <a:bodyPr/>
+          <a:lstStyle/>
+          <a:p>
+            <a:fld id="{75CBF9E7-8931-4FFA-8C8D-DFC5EDD38F3D}" type="datetimeFigureOut">
+              <a:rPr lang="en-GB" smtClean="0"/>
+              <a:t>22/05/2018</a:t>
+            </a:fld>
+            <a:endParaRPr lang="en-GB" dirty="0"/>
+          </a:p>
+        </p:txBody>
+      </p:sp>
+      <p:sp>
+        <p:nvSpPr>
+          <p:cNvPr id="5" name="Footer Placeholder 4"/>
+          <p:cNvSpPr>
+            <a:spLocks noGrp="1"/>
+          </p:cNvSpPr>
+          <p:nvPr>
+            <p:ph type="ftr" sz="quarter" idx="11"/>
+          </p:nvPr>
+        </p:nvSpPr>
+        <p:spPr/>
+        <p:txBody>
+          <a:bodyPr/>
+          <a:lstStyle/>
+          <a:p>
+            <a:endParaRPr lang="en-GB" dirty="0"/>
+          </a:p>
+        </p:txBody>
+      </p:sp>
+      <p:sp>
+        <p:nvSpPr>
+          <p:cNvPr id="6" name="Slide Number Placeholder 5"/>
+          <p:cNvSpPr>
+            <a:spLocks noGrp="1"/>
+          </p:cNvSpPr>
+          <p:nvPr>
+            <p:ph type="sldNum" sz="quarter" idx="12"/>
+          </p:nvPr>
+        </p:nvSpPr>
+        <p:spPr/>
+        <p:txBody>
+          <a:bodyPr/>
+          <a:lstStyle/>
+          <a:p>
+            <a:fld id="{DF36E190-966F-428A-AA12-2E3AD8A717B4}" type="slidenum">
+              <a:rPr lang="en-GB" smtClean="0"/>
+              <a:t>‹#›</a:t>
+            </a:fld>
+            <a:endParaRPr lang="en-GB" dirty="0"/>
+          </a:p>
+        </p:txBody>
+      </p:sp>
+    </p:spTree>
+    <p:extLst>
+      <p:ext uri="{BB962C8B-B14F-4D97-AF65-F5344CB8AC3E}">
+        <p14:creationId xmlns:p14="http://schemas.microsoft.com/office/powerpoint/2010/main" val="1552191677"/>
+      </p:ext>
+    </p:extLst>
+  </p:cSld>
+  <p:clrMapOvr>
+    <a:masterClrMapping/>
+  </p:clrMapOvr>
+</p:sldLayout>
+</file>
+
+<file path=ppt/slideLayouts/slideLayout12.xml><?xml version="1.0" encoding="utf-8"?>
+<p:sldLayout xmlns:a="http://schemas.openxmlformats.org/drawingml/2006/main" xmlns:r="http://schemas.openxmlformats.org/officeDocument/2006/relationships" xmlns:p="http://schemas.openxmlformats.org/presentationml/2006/main" preserve="1">
+  <p:cSld name="Quote with Caption">
+    <p:spTree>
+      <p:nvGrpSpPr>
+        <p:cNvPr id="1" name=""/>
+        <p:cNvGrpSpPr/>
+        <p:nvPr/>
+      </p:nvGrpSpPr>
+      <p:grpSpPr>
+        <a:xfrm>
+          <a:off x="0" y="0"/>
+          <a:ext cx="0" cy="0"/>
+          <a:chOff x="0" y="0"/>
+          <a:chExt cx="0" cy="0"/>
+        </a:xfrm>
+      </p:grpSpPr>
+      <p:sp>
+        <p:nvSpPr>
+          <p:cNvPr id="2" name="Title 1"/>
+          <p:cNvSpPr>
+            <a:spLocks noGrp="1"/>
+          </p:cNvSpPr>
+          <p:nvPr>
+            <p:ph type="title"/>
+          </p:nvPr>
+        </p:nvSpPr>
+        <p:spPr>
+          <a:xfrm>
+            <a:off x="1574801" y="1447800"/>
+            <a:ext cx="7999315" cy="2323374"/>
+          </a:xfrm>
+        </p:spPr>
+        <p:txBody>
+          <a:bodyPr/>
+          <a:lstStyle>
+            <a:lvl1pPr>
+              <a:defRPr sz="4800"/>
+            </a:lvl1pPr>
+          </a:lstStyle>
+          <a:p>
+            <a:r>
+              <a:rPr lang="en-US"/>
+              <a:t>Click to edit Master title style</a:t>
+            </a:r>
+            <a:endParaRPr lang="en-US" dirty="0"/>
+          </a:p>
+        </p:txBody>
+      </p:sp>
+      <p:sp>
+        <p:nvSpPr>
+          <p:cNvPr id="11" name="Text Placeholder 3"/>
+          <p:cNvSpPr>
+            <a:spLocks noGrp="1"/>
+          </p:cNvSpPr>
+          <p:nvPr>
+            <p:ph type="body" sz="half" idx="14"/>
+          </p:nvPr>
+        </p:nvSpPr>
+        <p:spPr>
+          <a:xfrm>
+            <a:off x="1930400" y="3771174"/>
+            <a:ext cx="7279649" cy="342174"/>
+          </a:xfrm>
+        </p:spPr>
+        <p:txBody>
+          <a:bodyPr vert="horz" lIns="91440" tIns="45720" rIns="91440" bIns="45720" rtlCol="0" anchor="t">
+            <a:normAutofit/>
+          </a:bodyPr>
+          <a:lstStyle>
+            <a:lvl1pPr marL="0" indent="0">
+              <a:buNone/>
+              <a:defRPr lang="en-US" sz="1400" b="0" i="0" kern="1200" cap="small" dirty="0">
+                <a:solidFill>
+                  <a:schemeClr val="bg2">
+                    <a:lumMod val="40000"/>
+                    <a:lumOff val="60000"/>
+                  </a:schemeClr>
+                </a:solidFill>
+                <a:latin typeface="+mj-lt"/>
+                <a:ea typeface="+mj-ea"/>
+                <a:cs typeface="+mj-cs"/>
+              </a:defRPr>
+            </a:lvl1pPr>
+            <a:lvl2pPr marL="457200" indent="0">
+              <a:buNone/>
+              <a:defRPr sz="1200"/>
+            </a:lvl2pPr>
+            <a:lvl3pPr marL="914400" indent="0">
+              <a:buNone/>
+              <a:defRPr sz="1000"/>
+            </a:lvl3pPr>
+            <a:lvl4pPr marL="1371600" indent="0">
+              <a:buNone/>
+              <a:defRPr sz="900"/>
+            </a:lvl4pPr>
+            <a:lvl5pPr marL="1828800" indent="0">
+              <a:buNone/>
+              <a:defRPr sz="900"/>
+            </a:lvl5pPr>
+            <a:lvl6pPr marL="2286000" indent="0">
+              <a:buNone/>
+              <a:defRPr sz="900"/>
+            </a:lvl6pPr>
+            <a:lvl7pPr marL="2743200" indent="0">
+              <a:buNone/>
+              <a:defRPr sz="900"/>
+            </a:lvl7pPr>
+            <a:lvl8pPr marL="3200400" indent="0">
+              <a:buNone/>
+              <a:defRPr sz="900"/>
+            </a:lvl8pPr>
+            <a:lvl9pPr marL="3657600" indent="0">
+              <a:buNone/>
+              <a:defRPr sz="900"/>
+            </a:lvl9pPr>
+          </a:lstStyle>
+          <a:p>
+            <a:pPr marL="0" lvl="0" indent="0">
+              <a:buNone/>
+            </a:pPr>
+            <a:r>
+              <a:rPr lang="en-US"/>
+              <a:t>Edit Master text styles</a:t>
+            </a:r>
+          </a:p>
+        </p:txBody>
+      </p:sp>
+      <p:sp>
+        <p:nvSpPr>
+          <p:cNvPr id="10" name="Text Placeholder 3"/>
+          <p:cNvSpPr>
+            <a:spLocks noGrp="1"/>
+          </p:cNvSpPr>
+          <p:nvPr>
+            <p:ph type="body" sz="half" idx="2"/>
+          </p:nvPr>
+        </p:nvSpPr>
+        <p:spPr>
+          <a:xfrm>
+            <a:off x="1154954" y="4350657"/>
+            <a:ext cx="8825659" cy="1676400"/>
+          </a:xfrm>
+        </p:spPr>
+        <p:txBody>
+          <a:bodyPr anchor="ctr">
+            <a:normAutofit/>
+          </a:bodyPr>
+          <a:lstStyle>
+            <a:lvl1pPr marL="0" indent="0">
+              <a:buNone/>
+              <a:defRPr sz="1800"/>
+            </a:lvl1pPr>
+            <a:lvl2pPr marL="457200" indent="0">
+              <a:buNone/>
+              <a:defRPr sz="1200"/>
+            </a:lvl2pPr>
+            <a:lvl3pPr marL="914400" indent="0">
+              <a:buNone/>
+              <a:defRPr sz="1000"/>
+            </a:lvl3pPr>
+            <a:lvl4pPr marL="1371600" indent="0">
+              <a:buNone/>
+              <a:defRPr sz="900"/>
+            </a:lvl4pPr>
+            <a:lvl5pPr marL="1828800" indent="0">
+              <a:buNone/>
+              <a:defRPr sz="900"/>
+            </a:lvl5pPr>
+            <a:lvl6pPr marL="2286000" indent="0">
+              <a:buNone/>
+              <a:defRPr sz="900"/>
+            </a:lvl6pPr>
+            <a:lvl7pPr marL="2743200" indent="0">
+              <a:buNone/>
+              <a:defRPr sz="900"/>
+            </a:lvl7pPr>
+            <a:lvl8pPr marL="3200400" indent="0">
+              <a:buNone/>
+              <a:defRPr sz="900"/>
+            </a:lvl8pPr>
+            <a:lvl9pPr marL="3657600" indent="0">
+              <a:buNone/>
+              <a:defRPr sz="900"/>
+            </a:lvl9pPr>
+          </a:lstStyle>
+          <a:p>
+            <a:pPr lvl="0"/>
+            <a:r>
+              <a:rPr lang="en-US"/>
+              <a:t>Edit Master text styles</a:t>
+            </a:r>
+          </a:p>
+        </p:txBody>
+      </p:sp>
+      <p:sp>
+        <p:nvSpPr>
+          <p:cNvPr id="4" name="Date Placeholder 3"/>
+          <p:cNvSpPr>
+            <a:spLocks noGrp="1"/>
+          </p:cNvSpPr>
+          <p:nvPr>
+            <p:ph type="dt" sz="half" idx="10"/>
+          </p:nvPr>
+        </p:nvSpPr>
+        <p:spPr/>
+        <p:txBody>
+          <a:bodyPr/>
+          <a:lstStyle/>
+          <a:p>
+            <a:fld id="{75CBF9E7-8931-4FFA-8C8D-DFC5EDD38F3D}" type="datetimeFigureOut">
+              <a:rPr lang="en-GB" smtClean="0"/>
+              <a:t>22/05/2018</a:t>
+            </a:fld>
+            <a:endParaRPr lang="en-GB" dirty="0"/>
+          </a:p>
+        </p:txBody>
+      </p:sp>
+      <p:sp>
+        <p:nvSpPr>
+          <p:cNvPr id="5" name="Footer Placeholder 4"/>
+          <p:cNvSpPr>
+            <a:spLocks noGrp="1"/>
+          </p:cNvSpPr>
+          <p:nvPr>
+            <p:ph type="ftr" sz="quarter" idx="11"/>
+          </p:nvPr>
+        </p:nvSpPr>
+        <p:spPr/>
+        <p:txBody>
+          <a:bodyPr/>
+          <a:lstStyle/>
+          <a:p>
+            <a:endParaRPr lang="en-GB" dirty="0"/>
+          </a:p>
+        </p:txBody>
+      </p:sp>
+      <p:sp>
+        <p:nvSpPr>
+          <p:cNvPr id="6" name="Slide Number Placeholder 5"/>
+          <p:cNvSpPr>
+            <a:spLocks noGrp="1"/>
+          </p:cNvSpPr>
+          <p:nvPr>
+            <p:ph type="sldNum" sz="quarter" idx="12"/>
+          </p:nvPr>
+        </p:nvSpPr>
+        <p:spPr/>
+        <p:txBody>
+          <a:bodyPr/>
+          <a:lstStyle/>
+          <a:p>
+            <a:fld id="{DF36E190-966F-428A-AA12-2E3AD8A717B4}" type="slidenum">
+              <a:rPr lang="en-GB" smtClean="0"/>
+              <a:t>‹#›</a:t>
+            </a:fld>
+            <a:endParaRPr lang="en-GB" dirty="0"/>
+          </a:p>
+        </p:txBody>
+      </p:sp>
+      <p:sp>
+        <p:nvSpPr>
+          <p:cNvPr id="12" name="TextBox 11"/>
+          <p:cNvSpPr txBox="1"/>
+          <p:nvPr/>
+        </p:nvSpPr>
+        <p:spPr>
+          <a:xfrm>
+            <a:off x="898295" y="971253"/>
+            <a:ext cx="801912" cy="1969770"/>
+          </a:xfrm>
+          <a:prstGeom prst="rect">
+            <a:avLst/>
+          </a:prstGeom>
+          <a:noFill/>
+        </p:spPr>
+        <p:txBody>
+          <a:bodyPr wrap="square" rtlCol="0">
+            <a:spAutoFit/>
+          </a:bodyPr>
+          <a:lstStyle>
+            <a:defPPr>
+              <a:defRPr lang="en-US"/>
+            </a:defPPr>
+            <a:lvl1pPr algn="r">
+              <a:defRPr sz="12200" b="0" i="0">
+                <a:solidFill>
+                  <a:schemeClr val="bg2">
+                    <a:lumMod val="40000"/>
+                    <a:lumOff val="60000"/>
+                  </a:schemeClr>
+                </a:solidFill>
+                <a:latin typeface="Arial"/>
+                <a:ea typeface="+mj-ea"/>
+                <a:cs typeface="+mj-cs"/>
+              </a:defRPr>
+            </a:lvl1pPr>
+          </a:lstStyle>
+          <a:p>
+            <a:pPr lvl="0"/>
+            <a:r>
+              <a:rPr lang="en-US" dirty="0"/>
+              <a:t>“</a:t>
+            </a:r>
+          </a:p>
+        </p:txBody>
+      </p:sp>
+      <p:sp>
+        <p:nvSpPr>
+          <p:cNvPr id="15" name="TextBox 14"/>
+          <p:cNvSpPr txBox="1"/>
+          <p:nvPr/>
+        </p:nvSpPr>
+        <p:spPr>
+          <a:xfrm>
+            <a:off x="9330490" y="2613787"/>
+            <a:ext cx="801912" cy="1969770"/>
+          </a:xfrm>
+          <a:prstGeom prst="rect">
+            <a:avLst/>
+          </a:prstGeom>
+          <a:noFill/>
+        </p:spPr>
+        <p:txBody>
+          <a:bodyPr wrap="square" rtlCol="0">
+            <a:spAutoFit/>
+          </a:bodyPr>
+          <a:lstStyle>
+            <a:defPPr>
+              <a:defRPr lang="en-US"/>
+            </a:defPPr>
+            <a:lvl1pPr algn="r">
+              <a:defRPr sz="12200" b="0" i="0">
+                <a:solidFill>
+                  <a:schemeClr val="bg2">
+                    <a:lumMod val="40000"/>
+                    <a:lumOff val="60000"/>
+                  </a:schemeClr>
+                </a:solidFill>
+                <a:latin typeface="Arial"/>
+                <a:ea typeface="+mj-ea"/>
+                <a:cs typeface="+mj-cs"/>
+              </a:defRPr>
+            </a:lvl1pPr>
+          </a:lstStyle>
+          <a:p>
+            <a:pPr lvl="0"/>
+            <a:r>
+              <a:rPr lang="en-US" dirty="0"/>
+              <a:t>”</a:t>
+            </a:r>
+          </a:p>
+        </p:txBody>
+      </p:sp>
+    </p:spTree>
+    <p:extLst>
+      <p:ext uri="{BB962C8B-B14F-4D97-AF65-F5344CB8AC3E}">
+        <p14:creationId xmlns:p14="http://schemas.microsoft.com/office/powerpoint/2010/main" val="3543285896"/>
+      </p:ext>
+    </p:extLst>
+  </p:cSld>
+  <p:clrMapOvr>
+    <a:masterClrMapping/>
+  </p:clrMapOvr>
+</p:sldLayout>
+</file>
+
+<file path=ppt/slideLayouts/slideLayout13.xml><?xml version="1.0" encoding="utf-8"?>
+<p:sldLayout xmlns:a="http://schemas.openxmlformats.org/drawingml/2006/main" xmlns:r="http://schemas.openxmlformats.org/officeDocument/2006/relationships" xmlns:p="http://schemas.openxmlformats.org/presentationml/2006/main" preserve="1">
+  <p:cSld name="Name Card">
+    <p:spTree>
+      <p:nvGrpSpPr>
+        <p:cNvPr id="1" name=""/>
+        <p:cNvGrpSpPr/>
+        <p:nvPr/>
+      </p:nvGrpSpPr>
+      <p:grpSpPr>
+        <a:xfrm>
+          <a:off x="0" y="0"/>
+          <a:ext cx="0" cy="0"/>
+          <a:chOff x="0" y="0"/>
+          <a:chExt cx="0" cy="0"/>
+        </a:xfrm>
+      </p:grpSpPr>
+      <p:sp>
+        <p:nvSpPr>
+          <p:cNvPr id="2" name="Title 1"/>
+          <p:cNvSpPr>
+            <a:spLocks noGrp="1"/>
+          </p:cNvSpPr>
+          <p:nvPr>
+            <p:ph type="title"/>
+          </p:nvPr>
+        </p:nvSpPr>
+        <p:spPr>
+          <a:xfrm>
+            <a:off x="1154954" y="3124201"/>
+            <a:ext cx="8825660" cy="1653180"/>
+          </a:xfrm>
+        </p:spPr>
+        <p:txBody>
+          <a:bodyPr anchor="b"/>
+          <a:lstStyle>
+            <a:lvl1pPr algn="l">
+              <a:defRPr sz="4000" b="0" cap="none"/>
+            </a:lvl1pPr>
+          </a:lstStyle>
+          <a:p>
+            <a:r>
+              <a:rPr lang="en-US"/>
+              <a:t>Click to edit Master title style</a:t>
+            </a:r>
+            <a:endParaRPr lang="en-US" dirty="0"/>
+          </a:p>
+        </p:txBody>
+      </p:sp>
+      <p:sp>
+        <p:nvSpPr>
+          <p:cNvPr id="3" name="Text Placeholder 2"/>
+          <p:cNvSpPr>
+            <a:spLocks noGrp="1"/>
+          </p:cNvSpPr>
+          <p:nvPr>
+            <p:ph type="body" idx="1"/>
+          </p:nvPr>
+        </p:nvSpPr>
+        <p:spPr>
+          <a:xfrm>
+            <a:off x="1154954" y="4777381"/>
+            <a:ext cx="8825659" cy="860400"/>
+          </a:xfrm>
+        </p:spPr>
+        <p:txBody>
+          <a:bodyPr anchor="t"/>
+          <a:lstStyle>
+            <a:lvl1pPr marL="0" indent="0" algn="l">
+              <a:buNone/>
+              <a:defRPr sz="2000" cap="none">
+                <a:solidFill>
+                  <a:schemeClr val="bg2">
+                    <a:lumMod val="40000"/>
+                    <a:lumOff val="60000"/>
+                  </a:schemeClr>
+                </a:solidFill>
+              </a:defRPr>
+            </a:lvl1pPr>
+            <a:lvl2pPr marL="457200" indent="0">
+              <a:buNone/>
+              <a:defRPr sz="1800">
+                <a:solidFill>
+                  <a:schemeClr val="tx1">
+                    <a:tint val="75000"/>
+                  </a:schemeClr>
+                </a:solidFill>
+              </a:defRPr>
+            </a:lvl2pPr>
+            <a:lvl3pPr marL="914400" indent="0">
+              <a:buNone/>
+              <a:defRPr sz="1600">
+                <a:solidFill>
+                  <a:schemeClr val="tx1">
+                    <a:tint val="75000"/>
+                  </a:schemeClr>
+                </a:solidFill>
+              </a:defRPr>
+            </a:lvl3pPr>
+            <a:lvl4pPr marL="1371600" indent="0">
+              <a:buNone/>
+              <a:defRPr sz="1400">
+                <a:solidFill>
+                  <a:schemeClr val="tx1">
+                    <a:tint val="75000"/>
+                  </a:schemeClr>
+                </a:solidFill>
+              </a:defRPr>
+            </a:lvl4pPr>
+            <a:lvl5pPr marL="1828800" indent="0">
+              <a:buNone/>
+              <a:defRPr sz="1400">
+                <a:solidFill>
+                  <a:schemeClr val="tx1">
+                    <a:tint val="75000"/>
+                  </a:schemeClr>
+                </a:solidFill>
+              </a:defRPr>
+            </a:lvl5pPr>
+            <a:lvl6pPr marL="2286000" indent="0">
+              <a:buNone/>
+              <a:defRPr sz="1400">
+                <a:solidFill>
+                  <a:schemeClr val="tx1">
+                    <a:tint val="75000"/>
+                  </a:schemeClr>
+                </a:solidFill>
+              </a:defRPr>
+            </a:lvl6pPr>
+            <a:lvl7pPr marL="2743200" indent="0">
+              <a:buNone/>
+              <a:defRPr sz="1400">
+                <a:solidFill>
+                  <a:schemeClr val="tx1">
+                    <a:tint val="75000"/>
+                  </a:schemeClr>
+                </a:solidFill>
+              </a:defRPr>
+            </a:lvl7pPr>
+            <a:lvl8pPr marL="3200400" indent="0">
+              <a:buNone/>
+              <a:defRPr sz="1400">
+                <a:solidFill>
+                  <a:schemeClr val="tx1">
+                    <a:tint val="75000"/>
+                  </a:schemeClr>
+                </a:solidFill>
+              </a:defRPr>
+            </a:lvl8pPr>
+            <a:lvl9pPr marL="3657600" indent="0">
+              <a:buNone/>
+              <a:defRPr sz="1400">
+                <a:solidFill>
+                  <a:schemeClr val="tx1">
+                    <a:tint val="75000"/>
+                  </a:schemeClr>
+                </a:solidFill>
+              </a:defRPr>
+            </a:lvl9pPr>
+          </a:lstStyle>
+          <a:p>
+            <a:pPr lvl="0"/>
+            <a:r>
+              <a:rPr lang="en-US"/>
+              <a:t>Edit Master text styles</a:t>
+            </a:r>
+          </a:p>
+        </p:txBody>
+      </p:sp>
+      <p:sp>
+        <p:nvSpPr>
+          <p:cNvPr id="4" name="Date Placeholder 3"/>
+          <p:cNvSpPr>
+            <a:spLocks noGrp="1"/>
+          </p:cNvSpPr>
+          <p:nvPr>
+            <p:ph type="dt" sz="half" idx="10"/>
+          </p:nvPr>
+        </p:nvSpPr>
+        <p:spPr/>
+        <p:txBody>
+          <a:bodyPr/>
+          <a:lstStyle/>
+          <a:p>
+            <a:fld id="{75CBF9E7-8931-4FFA-8C8D-DFC5EDD38F3D}" type="datetimeFigureOut">
+              <a:rPr lang="en-GB" smtClean="0"/>
+              <a:t>22/05/2018</a:t>
+            </a:fld>
+            <a:endParaRPr lang="en-GB" dirty="0"/>
+          </a:p>
+        </p:txBody>
+      </p:sp>
+      <p:sp>
+        <p:nvSpPr>
+          <p:cNvPr id="5" name="Footer Placeholder 4"/>
+          <p:cNvSpPr>
+            <a:spLocks noGrp="1"/>
+          </p:cNvSpPr>
+          <p:nvPr>
+            <p:ph type="ftr" sz="quarter" idx="11"/>
+          </p:nvPr>
+        </p:nvSpPr>
+        <p:spPr/>
+        <p:txBody>
+          <a:bodyPr/>
+          <a:lstStyle/>
+          <a:p>
+            <a:endParaRPr lang="en-GB" dirty="0"/>
+          </a:p>
+        </p:txBody>
+      </p:sp>
+      <p:sp>
+        <p:nvSpPr>
+          <p:cNvPr id="6" name="Slide Number Placeholder 5"/>
+          <p:cNvSpPr>
+            <a:spLocks noGrp="1"/>
+          </p:cNvSpPr>
+          <p:nvPr>
+            <p:ph type="sldNum" sz="quarter" idx="12"/>
+          </p:nvPr>
+        </p:nvSpPr>
+        <p:spPr/>
+        <p:txBody>
+          <a:bodyPr/>
+          <a:lstStyle/>
+          <a:p>
+            <a:fld id="{DF36E190-966F-428A-AA12-2E3AD8A717B4}" type="slidenum">
+              <a:rPr lang="en-GB" smtClean="0"/>
+              <a:t>‹#›</a:t>
+            </a:fld>
+            <a:endParaRPr lang="en-GB" dirty="0"/>
+          </a:p>
+        </p:txBody>
+      </p:sp>
+    </p:spTree>
+    <p:extLst>
+      <p:ext uri="{BB962C8B-B14F-4D97-AF65-F5344CB8AC3E}">
+        <p14:creationId xmlns:p14="http://schemas.microsoft.com/office/powerpoint/2010/main" val="1344522658"/>
+      </p:ext>
+    </p:extLst>
+  </p:cSld>
+  <p:clrMapOvr>
+    <a:masterClrMapping/>
+  </p:clrMapOvr>
+</p:sldLayout>
+</file>
+
+<file path=ppt/slideLayouts/slideLayout14.xml><?xml version="1.0" encoding="utf-8"?>
+<p:sldLayout xmlns:a="http://schemas.openxmlformats.org/drawingml/2006/main" xmlns:r="http://schemas.openxmlformats.org/officeDocument/2006/relationships" xmlns:p="http://schemas.openxmlformats.org/presentationml/2006/main" preserve="1">
+  <p:cSld name="3 Column">
+    <p:spTree>
+      <p:nvGrpSpPr>
+        <p:cNvPr id="1" name=""/>
+        <p:cNvGrpSpPr/>
+        <p:nvPr/>
+      </p:nvGrpSpPr>
+      <p:grpSpPr>
+        <a:xfrm>
+          <a:off x="0" y="0"/>
+          <a:ext cx="0" cy="0"/>
+          <a:chOff x="0" y="0"/>
+          <a:chExt cx="0" cy="0"/>
+        </a:xfrm>
+      </p:grpSpPr>
+      <p:sp>
+        <p:nvSpPr>
+          <p:cNvPr id="2" name="Title 1"/>
+          <p:cNvSpPr>
+            <a:spLocks noGrp="1"/>
+          </p:cNvSpPr>
+          <p:nvPr>
+            <p:ph type="title"/>
+          </p:nvPr>
+        </p:nvSpPr>
+        <p:spPr/>
+        <p:txBody>
+          <a:bodyPr/>
+          <a:lstStyle>
+            <a:lvl1pPr>
+              <a:defRPr sz="4200"/>
+            </a:lvl1pPr>
+          </a:lstStyle>
+          <a:p>
+            <a:r>
+              <a:rPr lang="en-US"/>
+              <a:t>Click to edit Master title style</a:t>
+            </a:r>
+            <a:endParaRPr lang="en-US" dirty="0"/>
+          </a:p>
+        </p:txBody>
+      </p:sp>
+      <p:sp>
+        <p:nvSpPr>
+          <p:cNvPr id="3" name="Text Placeholder 2"/>
+          <p:cNvSpPr>
+            <a:spLocks noGrp="1"/>
+          </p:cNvSpPr>
+          <p:nvPr>
+            <p:ph type="body" idx="1"/>
+          </p:nvPr>
+        </p:nvSpPr>
+        <p:spPr>
+          <a:xfrm>
+            <a:off x="632947" y="1981200"/>
+            <a:ext cx="2946866" cy="576262"/>
+          </a:xfrm>
+        </p:spPr>
+        <p:txBody>
+          <a:bodyPr anchor="b">
+            <a:noAutofit/>
+          </a:bodyPr>
+          <a:lstStyle>
+            <a:lvl1pPr marL="0" indent="0">
+              <a:buNone/>
+              <a:defRPr sz="2400" b="0">
+                <a:solidFill>
+                  <a:schemeClr val="bg2">
+                    <a:lumMod val="40000"/>
+                    <a:lumOff val="60000"/>
+                  </a:schemeClr>
+                </a:solidFill>
+              </a:defRPr>
+            </a:lvl1pPr>
+            <a:lvl2pPr marL="457200" indent="0">
+              <a:buNone/>
+              <a:defRPr sz="2000" b="1"/>
+            </a:lvl2pPr>
+            <a:lvl3pPr marL="914400" indent="0">
+              <a:buNone/>
+              <a:defRPr sz="1800" b="1"/>
+            </a:lvl3pPr>
+            <a:lvl4pPr marL="1371600" indent="0">
+              <a:buNone/>
+              <a:defRPr sz="1600" b="1"/>
+            </a:lvl4pPr>
+            <a:lvl5pPr marL="1828800" indent="0">
+              <a:buNone/>
+              <a:defRPr sz="1600" b="1"/>
+            </a:lvl5pPr>
+            <a:lvl6pPr marL="2286000" indent="0">
+              <a:buNone/>
+              <a:defRPr sz="1600" b="1"/>
+            </a:lvl6pPr>
+            <a:lvl7pPr marL="2743200" indent="0">
+              <a:buNone/>
+              <a:defRPr sz="1600" b="1"/>
+            </a:lvl7pPr>
+            <a:lvl8pPr marL="3200400" indent="0">
+              <a:buNone/>
+              <a:defRPr sz="1600" b="1"/>
+            </a:lvl8pPr>
+            <a:lvl9pPr marL="3657600" indent="0">
+              <a:buNone/>
+              <a:defRPr sz="1600" b="1"/>
+            </a:lvl9pPr>
+          </a:lstStyle>
+          <a:p>
+            <a:pPr lvl="0"/>
+            <a:r>
+              <a:rPr lang="en-US"/>
+              <a:t>Edit Master text styles</a:t>
+            </a:r>
+          </a:p>
+        </p:txBody>
+      </p:sp>
+      <p:sp>
+        <p:nvSpPr>
+          <p:cNvPr id="16" name="Text Placeholder 3"/>
+          <p:cNvSpPr>
+            <a:spLocks noGrp="1"/>
+          </p:cNvSpPr>
+          <p:nvPr>
+            <p:ph type="body" sz="half" idx="15"/>
+          </p:nvPr>
+        </p:nvSpPr>
+        <p:spPr>
+          <a:xfrm>
+            <a:off x="652463" y="2667000"/>
+            <a:ext cx="2927350" cy="3589338"/>
+          </a:xfrm>
+        </p:spPr>
+        <p:txBody>
+          <a:bodyPr anchor="t">
+            <a:normAutofit/>
+          </a:bodyPr>
+          <a:lstStyle>
+            <a:lvl1pPr marL="0" indent="0">
+              <a:buNone/>
+              <a:defRPr sz="1400"/>
+            </a:lvl1pPr>
+            <a:lvl2pPr marL="457200" indent="0">
+              <a:buNone/>
+              <a:defRPr sz="1200"/>
+            </a:lvl2pPr>
+            <a:lvl3pPr marL="914400" indent="0">
+              <a:buNone/>
+              <a:defRPr sz="1000"/>
+            </a:lvl3pPr>
+            <a:lvl4pPr marL="1371600" indent="0">
+              <a:buNone/>
+              <a:defRPr sz="900"/>
+            </a:lvl4pPr>
+            <a:lvl5pPr marL="1828800" indent="0">
+              <a:buNone/>
+              <a:defRPr sz="900"/>
+            </a:lvl5pPr>
+            <a:lvl6pPr marL="2286000" indent="0">
+              <a:buNone/>
+              <a:defRPr sz="900"/>
+            </a:lvl6pPr>
+            <a:lvl7pPr marL="2743200" indent="0">
+              <a:buNone/>
+              <a:defRPr sz="900"/>
+            </a:lvl7pPr>
+            <a:lvl8pPr marL="3200400" indent="0">
+              <a:buNone/>
+              <a:defRPr sz="900"/>
+            </a:lvl8pPr>
+            <a:lvl9pPr marL="3657600" indent="0">
+              <a:buNone/>
+              <a:defRPr sz="900"/>
+            </a:lvl9pPr>
+          </a:lstStyle>
+          <a:p>
+            <a:pPr lvl="0"/>
+            <a:r>
+              <a:rPr lang="en-US"/>
+              <a:t>Edit Master text styles</a:t>
+            </a:r>
+          </a:p>
+        </p:txBody>
+      </p:sp>
+      <p:sp>
+        <p:nvSpPr>
+          <p:cNvPr id="5" name="Text Placeholder 4"/>
+          <p:cNvSpPr>
+            <a:spLocks noGrp="1"/>
+          </p:cNvSpPr>
+          <p:nvPr>
+            <p:ph type="body" sz="quarter" idx="3"/>
+          </p:nvPr>
+        </p:nvSpPr>
+        <p:spPr>
+          <a:xfrm>
+            <a:off x="3883659" y="1981200"/>
+            <a:ext cx="2936241" cy="576262"/>
+          </a:xfrm>
+        </p:spPr>
+        <p:txBody>
+          <a:bodyPr anchor="b">
+            <a:noAutofit/>
+          </a:bodyPr>
+          <a:lstStyle>
+            <a:lvl1pPr marL="0" indent="0">
+              <a:buNone/>
+              <a:defRPr sz="2400" b="0">
+                <a:solidFill>
+                  <a:schemeClr val="bg2">
+                    <a:lumMod val="40000"/>
+                    <a:lumOff val="60000"/>
+                  </a:schemeClr>
+                </a:solidFill>
+              </a:defRPr>
+            </a:lvl1pPr>
+            <a:lvl2pPr marL="457200" indent="0">
+              <a:buNone/>
+              <a:defRPr sz="2000" b="1"/>
+            </a:lvl2pPr>
+            <a:lvl3pPr marL="914400" indent="0">
+              <a:buNone/>
+              <a:defRPr sz="1800" b="1"/>
+            </a:lvl3pPr>
+            <a:lvl4pPr marL="1371600" indent="0">
+              <a:buNone/>
+              <a:defRPr sz="1600" b="1"/>
+            </a:lvl4pPr>
+            <a:lvl5pPr marL="1828800" indent="0">
+              <a:buNone/>
+              <a:defRPr sz="1600" b="1"/>
+            </a:lvl5pPr>
+            <a:lvl6pPr marL="2286000" indent="0">
+              <a:buNone/>
+              <a:defRPr sz="1600" b="1"/>
+            </a:lvl6pPr>
+            <a:lvl7pPr marL="2743200" indent="0">
+              <a:buNone/>
+              <a:defRPr sz="1600" b="1"/>
+            </a:lvl7pPr>
+            <a:lvl8pPr marL="3200400" indent="0">
+              <a:buNone/>
+              <a:defRPr sz="1600" b="1"/>
+            </a:lvl8pPr>
+            <a:lvl9pPr marL="3657600" indent="0">
+              <a:buNone/>
+              <a:defRPr sz="1600" b="1"/>
+            </a:lvl9pPr>
+          </a:lstStyle>
+          <a:p>
+            <a:pPr lvl="0"/>
+            <a:r>
+              <a:rPr lang="en-US"/>
+              <a:t>Edit Master text styles</a:t>
+            </a:r>
+          </a:p>
+        </p:txBody>
+      </p:sp>
+      <p:sp>
+        <p:nvSpPr>
+          <p:cNvPr id="19" name="Text Placeholder 3"/>
+          <p:cNvSpPr>
+            <a:spLocks noGrp="1"/>
+          </p:cNvSpPr>
+          <p:nvPr>
+            <p:ph type="body" sz="half" idx="16"/>
+          </p:nvPr>
+        </p:nvSpPr>
+        <p:spPr>
+          <a:xfrm>
+            <a:off x="3873106" y="2667000"/>
+            <a:ext cx="2946794" cy="3589338"/>
+          </a:xfrm>
+        </p:spPr>
+        <p:txBody>
+          <a:bodyPr anchor="t">
+            <a:normAutofit/>
+          </a:bodyPr>
+          <a:lstStyle>
+            <a:lvl1pPr marL="0" indent="0">
+              <a:buNone/>
+              <a:defRPr sz="1400"/>
+            </a:lvl1pPr>
+            <a:lvl2pPr marL="457200" indent="0">
+              <a:buNone/>
+              <a:defRPr sz="1200"/>
+            </a:lvl2pPr>
+            <a:lvl3pPr marL="914400" indent="0">
+              <a:buNone/>
+              <a:defRPr sz="1000"/>
+            </a:lvl3pPr>
+            <a:lvl4pPr marL="1371600" indent="0">
+              <a:buNone/>
+              <a:defRPr sz="900"/>
+            </a:lvl4pPr>
+            <a:lvl5pPr marL="1828800" indent="0">
+              <a:buNone/>
+              <a:defRPr sz="900"/>
+            </a:lvl5pPr>
+            <a:lvl6pPr marL="2286000" indent="0">
+              <a:buNone/>
+              <a:defRPr sz="900"/>
+            </a:lvl6pPr>
+            <a:lvl7pPr marL="2743200" indent="0">
+              <a:buNone/>
+              <a:defRPr sz="900"/>
+            </a:lvl7pPr>
+            <a:lvl8pPr marL="3200400" indent="0">
+              <a:buNone/>
+              <a:defRPr sz="900"/>
+            </a:lvl8pPr>
+            <a:lvl9pPr marL="3657600" indent="0">
+              <a:buNone/>
+              <a:defRPr sz="900"/>
+            </a:lvl9pPr>
+          </a:lstStyle>
+          <a:p>
+            <a:pPr lvl="0"/>
+            <a:r>
+              <a:rPr lang="en-US"/>
+              <a:t>Edit Master text styles</a:t>
+            </a:r>
+          </a:p>
+        </p:txBody>
+      </p:sp>
+      <p:sp>
+        <p:nvSpPr>
+          <p:cNvPr id="14" name="Text Placeholder 4"/>
+          <p:cNvSpPr>
+            <a:spLocks noGrp="1"/>
+          </p:cNvSpPr>
+          <p:nvPr>
+            <p:ph type="body" sz="quarter" idx="13"/>
+          </p:nvPr>
+        </p:nvSpPr>
+        <p:spPr>
+          <a:xfrm>
+            <a:off x="7124700" y="1981200"/>
+            <a:ext cx="2932113" cy="576262"/>
+          </a:xfrm>
+        </p:spPr>
+        <p:txBody>
+          <a:bodyPr anchor="b">
+            <a:noAutofit/>
+          </a:bodyPr>
+          <a:lstStyle>
+            <a:lvl1pPr marL="0" indent="0">
+              <a:buNone/>
+              <a:defRPr sz="2400" b="0">
+                <a:solidFill>
+                  <a:schemeClr val="bg2">
+                    <a:lumMod val="40000"/>
+                    <a:lumOff val="60000"/>
+                  </a:schemeClr>
+                </a:solidFill>
+              </a:defRPr>
+            </a:lvl1pPr>
+            <a:lvl2pPr marL="457200" indent="0">
+              <a:buNone/>
+              <a:defRPr sz="2000" b="1"/>
+            </a:lvl2pPr>
+            <a:lvl3pPr marL="914400" indent="0">
+              <a:buNone/>
+              <a:defRPr sz="1800" b="1"/>
+            </a:lvl3pPr>
+            <a:lvl4pPr marL="1371600" indent="0">
+              <a:buNone/>
+              <a:defRPr sz="1600" b="1"/>
+            </a:lvl4pPr>
+            <a:lvl5pPr marL="1828800" indent="0">
+              <a:buNone/>
+              <a:defRPr sz="1600" b="1"/>
+            </a:lvl5pPr>
+            <a:lvl6pPr marL="2286000" indent="0">
+              <a:buNone/>
+              <a:defRPr sz="1600" b="1"/>
+            </a:lvl6pPr>
+            <a:lvl7pPr marL="2743200" indent="0">
+              <a:buNone/>
+              <a:defRPr sz="1600" b="1"/>
+            </a:lvl7pPr>
+            <a:lvl8pPr marL="3200400" indent="0">
+              <a:buNone/>
+              <a:defRPr sz="1600" b="1"/>
+            </a:lvl8pPr>
+            <a:lvl9pPr marL="3657600" indent="0">
+              <a:buNone/>
+              <a:defRPr sz="1600" b="1"/>
+            </a:lvl9pPr>
+          </a:lstStyle>
+          <a:p>
+            <a:pPr lvl="0"/>
+            <a:r>
+              <a:rPr lang="en-US"/>
+              <a:t>Edit Master text styles</a:t>
+            </a:r>
+          </a:p>
+        </p:txBody>
+      </p:sp>
+      <p:sp>
+        <p:nvSpPr>
+          <p:cNvPr id="20" name="Text Placeholder 3"/>
+          <p:cNvSpPr>
+            <a:spLocks noGrp="1"/>
+          </p:cNvSpPr>
+          <p:nvPr>
+            <p:ph type="body" sz="half" idx="17"/>
+          </p:nvPr>
+        </p:nvSpPr>
+        <p:spPr>
+          <a:xfrm>
+            <a:off x="7124700" y="2667000"/>
+            <a:ext cx="2932113" cy="3589338"/>
+          </a:xfrm>
+        </p:spPr>
+        <p:txBody>
+          <a:bodyPr anchor="t">
+            <a:normAutofit/>
+          </a:bodyPr>
+          <a:lstStyle>
+            <a:lvl1pPr marL="0" indent="0">
+              <a:buNone/>
+              <a:defRPr sz="1400"/>
+            </a:lvl1pPr>
+            <a:lvl2pPr marL="457200" indent="0">
+              <a:buNone/>
+              <a:defRPr sz="1200"/>
+            </a:lvl2pPr>
+            <a:lvl3pPr marL="914400" indent="0">
+              <a:buNone/>
+              <a:defRPr sz="1000"/>
+            </a:lvl3pPr>
+            <a:lvl4pPr marL="1371600" indent="0">
+              <a:buNone/>
+              <a:defRPr sz="900"/>
+            </a:lvl4pPr>
+            <a:lvl5pPr marL="1828800" indent="0">
+              <a:buNone/>
+              <a:defRPr sz="900"/>
+            </a:lvl5pPr>
+            <a:lvl6pPr marL="2286000" indent="0">
+              <a:buNone/>
+              <a:defRPr sz="900"/>
+            </a:lvl6pPr>
+            <a:lvl7pPr marL="2743200" indent="0">
+              <a:buNone/>
+              <a:defRPr sz="900"/>
+            </a:lvl7pPr>
+            <a:lvl8pPr marL="3200400" indent="0">
+              <a:buNone/>
+              <a:defRPr sz="900"/>
+            </a:lvl8pPr>
+            <a:lvl9pPr marL="3657600" indent="0">
+              <a:buNone/>
+              <a:defRPr sz="900"/>
+            </a:lvl9pPr>
+          </a:lstStyle>
+          <a:p>
+            <a:pPr lvl="0"/>
+            <a:r>
+              <a:rPr lang="en-US"/>
+              <a:t>Edit Master text styles</a:t>
+            </a:r>
+          </a:p>
+        </p:txBody>
+      </p:sp>
+      <p:cxnSp>
+        <p:nvCxnSpPr>
+          <p:cNvPr id="17" name="Straight Connector 16"/>
+          <p:cNvCxnSpPr/>
+          <p:nvPr/>
+        </p:nvCxnSpPr>
+        <p:spPr>
+          <a:xfrm>
+            <a:off x="3726142" y="2133600"/>
+            <a:ext cx="0" cy="3962400"/>
+          </a:xfrm>
+          <a:prstGeom prst="line">
+            <a:avLst/>
+          </a:prstGeom>
+          <a:ln w="12700" cmpd="sng">
+            <a:solidFill>
+              <a:schemeClr val="bg2">
+                <a:lumMod val="40000"/>
+                <a:lumOff val="60000"/>
+                <a:alpha val="40000"/>
+              </a:schemeClr>
+            </a:solidFill>
+          </a:ln>
+        </p:spPr>
+        <p:style>
+          <a:lnRef idx="2">
+            <a:schemeClr val="accent1"/>
+          </a:lnRef>
+          <a:fillRef idx="0">
+            <a:schemeClr val="accent1"/>
+          </a:fillRef>
+          <a:effectRef idx="1">
+            <a:schemeClr val="accent1"/>
+          </a:effectRef>
+          <a:fontRef idx="minor">
+            <a:schemeClr val="tx1"/>
+          </a:fontRef>
+        </p:style>
+      </p:cxnSp>
+      <p:cxnSp>
+        <p:nvCxnSpPr>
+          <p:cNvPr id="18" name="Straight Connector 17"/>
+          <p:cNvCxnSpPr/>
+          <p:nvPr/>
+        </p:nvCxnSpPr>
+        <p:spPr>
+          <a:xfrm>
+            <a:off x="6962227" y="2133600"/>
+            <a:ext cx="0" cy="3966882"/>
+          </a:xfrm>
+          <a:prstGeom prst="line">
+            <a:avLst/>
+          </a:prstGeom>
+          <a:ln w="12700" cmpd="sng">
+            <a:solidFill>
+              <a:schemeClr val="bg2">
+                <a:lumMod val="40000"/>
+                <a:lumOff val="60000"/>
+                <a:alpha val="40000"/>
+              </a:schemeClr>
+            </a:solidFill>
+          </a:ln>
+        </p:spPr>
+        <p:style>
+          <a:lnRef idx="2">
+            <a:schemeClr val="accent1"/>
+          </a:lnRef>
+          <a:fillRef idx="0">
+            <a:schemeClr val="accent1"/>
+          </a:fillRef>
+          <a:effectRef idx="1">
+            <a:schemeClr val="accent1"/>
+          </a:effectRef>
+          <a:fontRef idx="minor">
+            <a:schemeClr val="tx1"/>
+          </a:fontRef>
+        </p:style>
+      </p:cxnSp>
+      <p:sp>
+        <p:nvSpPr>
+          <p:cNvPr id="7" name="Date Placeholder 3"/>
+          <p:cNvSpPr>
+            <a:spLocks noGrp="1"/>
+          </p:cNvSpPr>
+          <p:nvPr>
+            <p:ph type="dt" sz="half" idx="10"/>
+          </p:nvPr>
+        </p:nvSpPr>
+        <p:spPr/>
+        <p:txBody>
+          <a:bodyPr/>
+          <a:lstStyle/>
+          <a:p>
+            <a:fld id="{75CBF9E7-8931-4FFA-8C8D-DFC5EDD38F3D}" type="datetimeFigureOut">
+              <a:rPr lang="en-GB" smtClean="0"/>
+              <a:t>22/05/2018</a:t>
+            </a:fld>
+            <a:endParaRPr lang="en-GB" dirty="0"/>
+          </a:p>
+        </p:txBody>
+      </p:sp>
+      <p:sp>
+        <p:nvSpPr>
+          <p:cNvPr id="4" name="Footer Placeholder 4"/>
+          <p:cNvSpPr>
+            <a:spLocks noGrp="1"/>
+          </p:cNvSpPr>
+          <p:nvPr>
+            <p:ph type="ftr" sz="quarter" idx="11"/>
+          </p:nvPr>
+        </p:nvSpPr>
+        <p:spPr/>
+        <p:txBody>
+          <a:bodyPr/>
+          <a:lstStyle/>
+          <a:p>
+            <a:endParaRPr lang="en-GB" dirty="0"/>
+          </a:p>
+        </p:txBody>
+      </p:sp>
+      <p:sp>
+        <p:nvSpPr>
+          <p:cNvPr id="6" name="Slide Number Placeholder 5"/>
+          <p:cNvSpPr>
+            <a:spLocks noGrp="1"/>
+          </p:cNvSpPr>
+          <p:nvPr>
+            <p:ph type="sldNum" sz="quarter" idx="12"/>
+          </p:nvPr>
+        </p:nvSpPr>
+        <p:spPr/>
+        <p:txBody>
+          <a:bodyPr/>
+          <a:lstStyle/>
+          <a:p>
+            <a:fld id="{DF36E190-966F-428A-AA12-2E3AD8A717B4}" type="slidenum">
+              <a:rPr lang="en-GB" smtClean="0"/>
+              <a:t>‹#›</a:t>
+            </a:fld>
+            <a:endParaRPr lang="en-GB" dirty="0"/>
+          </a:p>
+        </p:txBody>
+      </p:sp>
+    </p:spTree>
+    <p:extLst>
+      <p:ext uri="{BB962C8B-B14F-4D97-AF65-F5344CB8AC3E}">
+        <p14:creationId xmlns:p14="http://schemas.microsoft.com/office/powerpoint/2010/main" val="2962542889"/>
+      </p:ext>
+    </p:extLst>
+  </p:cSld>
+  <p:clrMapOvr>
+    <a:masterClrMapping/>
+  </p:clrMapOvr>
+</p:sldLayout>
+</file>
+
+<file path=ppt/slideLayouts/slideLayout15.xml><?xml version="1.0" encoding="utf-8"?>
+<p:sldLayout xmlns:a="http://schemas.openxmlformats.org/drawingml/2006/main" xmlns:r="http://schemas.openxmlformats.org/officeDocument/2006/relationships" xmlns:p="http://schemas.openxmlformats.org/presentationml/2006/main" preserve="1">
+  <p:cSld name="3 Picture Column">
+    <p:spTree>
+      <p:nvGrpSpPr>
+        <p:cNvPr id="1" name=""/>
+        <p:cNvGrpSpPr/>
+        <p:nvPr/>
+      </p:nvGrpSpPr>
+      <p:grpSpPr>
+        <a:xfrm>
+          <a:off x="0" y="0"/>
+          <a:ext cx="0" cy="0"/>
+          <a:chOff x="0" y="0"/>
+          <a:chExt cx="0" cy="0"/>
+        </a:xfrm>
+      </p:grpSpPr>
+      <p:sp>
+        <p:nvSpPr>
+          <p:cNvPr id="2" name="Title 1"/>
+          <p:cNvSpPr>
+            <a:spLocks noGrp="1"/>
+          </p:cNvSpPr>
+          <p:nvPr>
+            <p:ph type="title"/>
+          </p:nvPr>
+        </p:nvSpPr>
+        <p:spPr/>
+        <p:txBody>
+          <a:bodyPr/>
+          <a:lstStyle>
+            <a:lvl1pPr>
+              <a:defRPr sz="4200"/>
+            </a:lvl1pPr>
+          </a:lstStyle>
+          <a:p>
+            <a:r>
+              <a:rPr lang="en-US"/>
+              <a:t>Click to edit Master title style</a:t>
+            </a:r>
+            <a:endParaRPr lang="en-US" dirty="0"/>
+          </a:p>
+        </p:txBody>
+      </p:sp>
+      <p:sp>
+        <p:nvSpPr>
+          <p:cNvPr id="3" name="Text Placeholder 2"/>
+          <p:cNvSpPr>
+            <a:spLocks noGrp="1"/>
+          </p:cNvSpPr>
+          <p:nvPr>
+            <p:ph type="body" idx="1"/>
+          </p:nvPr>
+        </p:nvSpPr>
+        <p:spPr>
+          <a:xfrm>
+            <a:off x="652463" y="4250949"/>
+            <a:ext cx="2940050" cy="576262"/>
+          </a:xfrm>
+        </p:spPr>
+        <p:txBody>
+          <a:bodyPr anchor="b">
+            <a:noAutofit/>
+          </a:bodyPr>
+          <a:lstStyle>
+            <a:lvl1pPr marL="0" indent="0">
+              <a:buNone/>
+              <a:defRPr sz="2400" b="0">
+                <a:solidFill>
+                  <a:schemeClr val="bg2">
+                    <a:lumMod val="40000"/>
+                    <a:lumOff val="60000"/>
+                  </a:schemeClr>
+                </a:solidFill>
+              </a:defRPr>
+            </a:lvl1pPr>
+            <a:lvl2pPr marL="457200" indent="0">
+              <a:buNone/>
+              <a:defRPr sz="2000" b="1"/>
+            </a:lvl2pPr>
+            <a:lvl3pPr marL="914400" indent="0">
+              <a:buNone/>
+              <a:defRPr sz="1800" b="1"/>
+            </a:lvl3pPr>
+            <a:lvl4pPr marL="1371600" indent="0">
+              <a:buNone/>
+              <a:defRPr sz="1600" b="1"/>
+            </a:lvl4pPr>
+            <a:lvl5pPr marL="1828800" indent="0">
+              <a:buNone/>
+              <a:defRPr sz="1600" b="1"/>
+            </a:lvl5pPr>
+            <a:lvl6pPr marL="2286000" indent="0">
+              <a:buNone/>
+              <a:defRPr sz="1600" b="1"/>
+            </a:lvl6pPr>
+            <a:lvl7pPr marL="2743200" indent="0">
+              <a:buNone/>
+              <a:defRPr sz="1600" b="1"/>
+            </a:lvl7pPr>
+            <a:lvl8pPr marL="3200400" indent="0">
+              <a:buNone/>
+              <a:defRPr sz="1600" b="1"/>
+            </a:lvl8pPr>
+            <a:lvl9pPr marL="3657600" indent="0">
+              <a:buNone/>
+              <a:defRPr sz="1600" b="1"/>
+            </a:lvl9pPr>
+          </a:lstStyle>
+          <a:p>
+            <a:pPr lvl="0"/>
+            <a:r>
+              <a:rPr lang="en-US"/>
+              <a:t>Edit Master text styles</a:t>
+            </a:r>
+          </a:p>
+        </p:txBody>
+      </p:sp>
+      <p:sp>
+        <p:nvSpPr>
+          <p:cNvPr id="29" name="Picture Placeholder 2"/>
+          <p:cNvSpPr>
+            <a:spLocks noGrp="1" noChangeAspect="1"/>
+          </p:cNvSpPr>
+          <p:nvPr>
+            <p:ph type="pic" idx="15"/>
+          </p:nvPr>
+        </p:nvSpPr>
+        <p:spPr>
+          <a:xfrm>
+            <a:off x="652463" y="2209800"/>
+            <a:ext cx="2940050" cy="1524000"/>
+          </a:xfrm>
+          <a:prstGeom prst="roundRect">
+            <a:avLst>
+              <a:gd name="adj" fmla="val 1858"/>
+            </a:avLst>
+          </a:prstGeom>
+          <a:effectLst>
+            <a:outerShdw blurRad="50800" dist="50800" dir="5400000" algn="tl" rotWithShape="0">
+              <a:srgbClr val="000000">
+                <a:alpha val="43000"/>
+              </a:srgbClr>
+            </a:outerShdw>
+          </a:effectLst>
+        </p:spPr>
+        <p:txBody>
+          <a:bodyPr anchor="t">
+            <a:normAutofit/>
+          </a:bodyPr>
+          <a:lstStyle>
+            <a:lvl1pPr marL="0" indent="0" algn="ctr">
+              <a:buNone/>
+              <a:defRPr sz="1600"/>
+            </a:lvl1pPr>
+            <a:lvl2pPr marL="457200" indent="0">
+              <a:buNone/>
+              <a:defRPr sz="1600"/>
+            </a:lvl2pPr>
+            <a:lvl3pPr marL="914400" indent="0">
+              <a:buNone/>
+              <a:defRPr sz="1600"/>
+            </a:lvl3pPr>
+            <a:lvl4pPr marL="1371600" indent="0">
+              <a:buNone/>
+              <a:defRPr sz="1600"/>
+            </a:lvl4pPr>
+            <a:lvl5pPr marL="1828800" indent="0">
+              <a:buNone/>
+              <a:defRPr sz="1600"/>
+            </a:lvl5pPr>
+            <a:lvl6pPr marL="2286000" indent="0">
+              <a:buNone/>
+              <a:defRPr sz="1600"/>
+            </a:lvl6pPr>
+            <a:lvl7pPr marL="2743200" indent="0">
+              <a:buNone/>
+              <a:defRPr sz="1600"/>
+            </a:lvl7pPr>
+            <a:lvl8pPr marL="3200400" indent="0">
+              <a:buNone/>
+              <a:defRPr sz="1600"/>
+            </a:lvl8pPr>
+            <a:lvl9pPr marL="3657600" indent="0">
+              <a:buNone/>
+              <a:defRPr sz="1600"/>
+            </a:lvl9pPr>
+          </a:lstStyle>
+          <a:p>
+            <a:r>
+              <a:rPr lang="en-US"/>
+              <a:t>Click icon to add picture</a:t>
+            </a:r>
+            <a:endParaRPr lang="en-US" dirty="0"/>
+          </a:p>
+        </p:txBody>
+      </p:sp>
+      <p:sp>
+        <p:nvSpPr>
+          <p:cNvPr id="22" name="Text Placeholder 3"/>
+          <p:cNvSpPr>
+            <a:spLocks noGrp="1"/>
+          </p:cNvSpPr>
+          <p:nvPr>
+            <p:ph type="body" sz="half" idx="18"/>
+          </p:nvPr>
+        </p:nvSpPr>
+        <p:spPr>
+          <a:xfrm>
+            <a:off x="652463" y="4827211"/>
+            <a:ext cx="2940050" cy="659189"/>
+          </a:xfrm>
+        </p:spPr>
+        <p:txBody>
+          <a:bodyPr anchor="t">
+            <a:normAutofit/>
+          </a:bodyPr>
+          <a:lstStyle>
+            <a:lvl1pPr marL="0" indent="0">
+              <a:buNone/>
+              <a:defRPr sz="1400"/>
+            </a:lvl1pPr>
+            <a:lvl2pPr marL="457200" indent="0">
+              <a:buNone/>
+              <a:defRPr sz="1200"/>
+            </a:lvl2pPr>
+            <a:lvl3pPr marL="914400" indent="0">
+              <a:buNone/>
+              <a:defRPr sz="1000"/>
+            </a:lvl3pPr>
+            <a:lvl4pPr marL="1371600" indent="0">
+              <a:buNone/>
+              <a:defRPr sz="900"/>
+            </a:lvl4pPr>
+            <a:lvl5pPr marL="1828800" indent="0">
+              <a:buNone/>
+              <a:defRPr sz="900"/>
+            </a:lvl5pPr>
+            <a:lvl6pPr marL="2286000" indent="0">
+              <a:buNone/>
+              <a:defRPr sz="900"/>
+            </a:lvl6pPr>
+            <a:lvl7pPr marL="2743200" indent="0">
+              <a:buNone/>
+              <a:defRPr sz="900"/>
+            </a:lvl7pPr>
+            <a:lvl8pPr marL="3200400" indent="0">
+              <a:buNone/>
+              <a:defRPr sz="900"/>
+            </a:lvl8pPr>
+            <a:lvl9pPr marL="3657600" indent="0">
+              <a:buNone/>
+              <a:defRPr sz="900"/>
+            </a:lvl9pPr>
+          </a:lstStyle>
+          <a:p>
+            <a:pPr lvl="0"/>
+            <a:r>
+              <a:rPr lang="en-US"/>
+              <a:t>Edit Master text styles</a:t>
+            </a:r>
+          </a:p>
+        </p:txBody>
+      </p:sp>
+      <p:sp>
+        <p:nvSpPr>
+          <p:cNvPr id="5" name="Text Placeholder 4"/>
+          <p:cNvSpPr>
+            <a:spLocks noGrp="1"/>
+          </p:cNvSpPr>
+          <p:nvPr>
+            <p:ph type="body" sz="quarter" idx="3"/>
+          </p:nvPr>
+        </p:nvSpPr>
+        <p:spPr>
+          <a:xfrm>
+            <a:off x="3889375" y="4250949"/>
+            <a:ext cx="2930525" cy="576262"/>
+          </a:xfrm>
+        </p:spPr>
+        <p:txBody>
+          <a:bodyPr anchor="b">
+            <a:noAutofit/>
+          </a:bodyPr>
+          <a:lstStyle>
+            <a:lvl1pPr marL="0" indent="0">
+              <a:buNone/>
+              <a:defRPr sz="2400" b="0">
+                <a:solidFill>
+                  <a:schemeClr val="bg2">
+                    <a:lumMod val="40000"/>
+                    <a:lumOff val="60000"/>
+                  </a:schemeClr>
+                </a:solidFill>
+              </a:defRPr>
+            </a:lvl1pPr>
+            <a:lvl2pPr marL="457200" indent="0">
+              <a:buNone/>
+              <a:defRPr sz="2000" b="1"/>
+            </a:lvl2pPr>
+            <a:lvl3pPr marL="914400" indent="0">
+              <a:buNone/>
+              <a:defRPr sz="1800" b="1"/>
+            </a:lvl3pPr>
+            <a:lvl4pPr marL="1371600" indent="0">
+              <a:buNone/>
+              <a:defRPr sz="1600" b="1"/>
+            </a:lvl4pPr>
+            <a:lvl5pPr marL="1828800" indent="0">
+              <a:buNone/>
+              <a:defRPr sz="1600" b="1"/>
+            </a:lvl5pPr>
+            <a:lvl6pPr marL="2286000" indent="0">
+              <a:buNone/>
+              <a:defRPr sz="1600" b="1"/>
+            </a:lvl6pPr>
+            <a:lvl7pPr marL="2743200" indent="0">
+              <a:buNone/>
+              <a:defRPr sz="1600" b="1"/>
+            </a:lvl7pPr>
+            <a:lvl8pPr marL="3200400" indent="0">
+              <a:buNone/>
+              <a:defRPr sz="1600" b="1"/>
+            </a:lvl8pPr>
+            <a:lvl9pPr marL="3657600" indent="0">
+              <a:buNone/>
+              <a:defRPr sz="1600" b="1"/>
+            </a:lvl9pPr>
+          </a:lstStyle>
+          <a:p>
+            <a:pPr lvl="0"/>
+            <a:r>
+              <a:rPr lang="en-US"/>
+              <a:t>Edit Master text styles</a:t>
+            </a:r>
+          </a:p>
+        </p:txBody>
+      </p:sp>
+      <p:sp>
+        <p:nvSpPr>
+          <p:cNvPr id="30" name="Picture Placeholder 2"/>
+          <p:cNvSpPr>
+            <a:spLocks noGrp="1" noChangeAspect="1"/>
+          </p:cNvSpPr>
+          <p:nvPr>
+            <p:ph type="pic" idx="21"/>
+          </p:nvPr>
+        </p:nvSpPr>
+        <p:spPr>
+          <a:xfrm>
+            <a:off x="3889374" y="2209800"/>
+            <a:ext cx="2930525" cy="1524000"/>
+          </a:xfrm>
+          <a:prstGeom prst="roundRect">
+            <a:avLst>
+              <a:gd name="adj" fmla="val 1858"/>
+            </a:avLst>
+          </a:prstGeom>
+          <a:effectLst>
+            <a:outerShdw blurRad="50800" dist="50800" dir="5400000" algn="tl" rotWithShape="0">
+              <a:srgbClr val="000000">
+                <a:alpha val="43000"/>
+              </a:srgbClr>
+            </a:outerShdw>
+          </a:effectLst>
+        </p:spPr>
+        <p:txBody>
+          <a:bodyPr anchor="t">
+            <a:normAutofit/>
+          </a:bodyPr>
+          <a:lstStyle>
+            <a:lvl1pPr marL="0" indent="0" algn="ctr">
+              <a:buNone/>
+              <a:defRPr sz="1600"/>
+            </a:lvl1pPr>
+            <a:lvl2pPr marL="457200" indent="0">
+              <a:buNone/>
+              <a:defRPr sz="1600"/>
+            </a:lvl2pPr>
+            <a:lvl3pPr marL="914400" indent="0">
+              <a:buNone/>
+              <a:defRPr sz="1600"/>
+            </a:lvl3pPr>
+            <a:lvl4pPr marL="1371600" indent="0">
+              <a:buNone/>
+              <a:defRPr sz="1600"/>
+            </a:lvl4pPr>
+            <a:lvl5pPr marL="1828800" indent="0">
+              <a:buNone/>
+              <a:defRPr sz="1600"/>
+            </a:lvl5pPr>
+            <a:lvl6pPr marL="2286000" indent="0">
+              <a:buNone/>
+              <a:defRPr sz="1600"/>
+            </a:lvl6pPr>
+            <a:lvl7pPr marL="2743200" indent="0">
+              <a:buNone/>
+              <a:defRPr sz="1600"/>
+            </a:lvl7pPr>
+            <a:lvl8pPr marL="3200400" indent="0">
+              <a:buNone/>
+              <a:defRPr sz="1600"/>
+            </a:lvl8pPr>
+            <a:lvl9pPr marL="3657600" indent="0">
+              <a:buNone/>
+              <a:defRPr sz="1600"/>
+            </a:lvl9pPr>
+          </a:lstStyle>
+          <a:p>
+            <a:r>
+              <a:rPr lang="en-US"/>
+              <a:t>Click icon to add picture</a:t>
+            </a:r>
+            <a:endParaRPr lang="en-US" dirty="0"/>
+          </a:p>
+        </p:txBody>
+      </p:sp>
+      <p:sp>
+        <p:nvSpPr>
+          <p:cNvPr id="23" name="Text Placeholder 3"/>
+          <p:cNvSpPr>
+            <a:spLocks noGrp="1"/>
+          </p:cNvSpPr>
+          <p:nvPr>
+            <p:ph type="body" sz="half" idx="19"/>
+          </p:nvPr>
+        </p:nvSpPr>
+        <p:spPr>
+          <a:xfrm>
+            <a:off x="3888022" y="4827210"/>
+            <a:ext cx="2934406" cy="659189"/>
+          </a:xfrm>
+        </p:spPr>
+        <p:txBody>
+          <a:bodyPr anchor="t">
+            <a:normAutofit/>
+          </a:bodyPr>
+          <a:lstStyle>
+            <a:lvl1pPr marL="0" indent="0">
+              <a:buNone/>
+              <a:defRPr sz="1400"/>
+            </a:lvl1pPr>
+            <a:lvl2pPr marL="457200" indent="0">
+              <a:buNone/>
+              <a:defRPr sz="1200"/>
+            </a:lvl2pPr>
+            <a:lvl3pPr marL="914400" indent="0">
+              <a:buNone/>
+              <a:defRPr sz="1000"/>
+            </a:lvl3pPr>
+            <a:lvl4pPr marL="1371600" indent="0">
+              <a:buNone/>
+              <a:defRPr sz="900"/>
+            </a:lvl4pPr>
+            <a:lvl5pPr marL="1828800" indent="0">
+              <a:buNone/>
+              <a:defRPr sz="900"/>
+            </a:lvl5pPr>
+            <a:lvl6pPr marL="2286000" indent="0">
+              <a:buNone/>
+              <a:defRPr sz="900"/>
+            </a:lvl6pPr>
+            <a:lvl7pPr marL="2743200" indent="0">
+              <a:buNone/>
+              <a:defRPr sz="900"/>
+            </a:lvl7pPr>
+            <a:lvl8pPr marL="3200400" indent="0">
+              <a:buNone/>
+              <a:defRPr sz="900"/>
+            </a:lvl8pPr>
+            <a:lvl9pPr marL="3657600" indent="0">
+              <a:buNone/>
+              <a:defRPr sz="900"/>
+            </a:lvl9pPr>
+          </a:lstStyle>
+          <a:p>
+            <a:pPr lvl="0"/>
+            <a:r>
+              <a:rPr lang="en-US"/>
+              <a:t>Edit Master text styles</a:t>
+            </a:r>
+          </a:p>
+        </p:txBody>
+      </p:sp>
+      <p:sp>
+        <p:nvSpPr>
+          <p:cNvPr id="14" name="Text Placeholder 4"/>
+          <p:cNvSpPr>
+            <a:spLocks noGrp="1"/>
+          </p:cNvSpPr>
+          <p:nvPr>
+            <p:ph type="body" sz="quarter" idx="13"/>
+          </p:nvPr>
+        </p:nvSpPr>
+        <p:spPr>
+          <a:xfrm>
+            <a:off x="7124700" y="4250949"/>
+            <a:ext cx="2932113" cy="576262"/>
+          </a:xfrm>
+        </p:spPr>
+        <p:txBody>
+          <a:bodyPr anchor="b">
+            <a:noAutofit/>
+          </a:bodyPr>
+          <a:lstStyle>
+            <a:lvl1pPr marL="0" indent="0">
+              <a:buNone/>
+              <a:defRPr sz="2400" b="0">
+                <a:solidFill>
+                  <a:schemeClr val="bg2">
+                    <a:lumMod val="40000"/>
+                    <a:lumOff val="60000"/>
+                  </a:schemeClr>
+                </a:solidFill>
+              </a:defRPr>
+            </a:lvl1pPr>
+            <a:lvl2pPr marL="457200" indent="0">
+              <a:buNone/>
+              <a:defRPr sz="2000" b="1"/>
+            </a:lvl2pPr>
+            <a:lvl3pPr marL="914400" indent="0">
+              <a:buNone/>
+              <a:defRPr sz="1800" b="1"/>
+            </a:lvl3pPr>
+            <a:lvl4pPr marL="1371600" indent="0">
+              <a:buNone/>
+              <a:defRPr sz="1600" b="1"/>
+            </a:lvl4pPr>
+            <a:lvl5pPr marL="1828800" indent="0">
+              <a:buNone/>
+              <a:defRPr sz="1600" b="1"/>
+            </a:lvl5pPr>
+            <a:lvl6pPr marL="2286000" indent="0">
+              <a:buNone/>
+              <a:defRPr sz="1600" b="1"/>
+            </a:lvl6pPr>
+            <a:lvl7pPr marL="2743200" indent="0">
+              <a:buNone/>
+              <a:defRPr sz="1600" b="1"/>
+            </a:lvl7pPr>
+            <a:lvl8pPr marL="3200400" indent="0">
+              <a:buNone/>
+              <a:defRPr sz="1600" b="1"/>
+            </a:lvl8pPr>
+            <a:lvl9pPr marL="3657600" indent="0">
+              <a:buNone/>
+              <a:defRPr sz="1600" b="1"/>
+            </a:lvl9pPr>
+          </a:lstStyle>
+          <a:p>
+            <a:pPr lvl="0"/>
+            <a:r>
+              <a:rPr lang="en-US"/>
+              <a:t>Edit Master text styles</a:t>
+            </a:r>
+          </a:p>
+        </p:txBody>
+      </p:sp>
+      <p:sp>
+        <p:nvSpPr>
+          <p:cNvPr id="31" name="Picture Placeholder 2"/>
+          <p:cNvSpPr>
+            <a:spLocks noGrp="1" noChangeAspect="1"/>
+          </p:cNvSpPr>
+          <p:nvPr>
+            <p:ph type="pic" idx="22"/>
+          </p:nvPr>
+        </p:nvSpPr>
+        <p:spPr>
+          <a:xfrm>
+            <a:off x="7124699" y="2209800"/>
+            <a:ext cx="2932113" cy="1524000"/>
+          </a:xfrm>
+          <a:prstGeom prst="roundRect">
+            <a:avLst>
+              <a:gd name="adj" fmla="val 1858"/>
+            </a:avLst>
+          </a:prstGeom>
+          <a:effectLst>
+            <a:outerShdw blurRad="50800" dist="50800" dir="5400000" algn="tl" rotWithShape="0">
+              <a:srgbClr val="000000">
+                <a:alpha val="43000"/>
+              </a:srgbClr>
+            </a:outerShdw>
+          </a:effectLst>
+        </p:spPr>
+        <p:txBody>
+          <a:bodyPr anchor="t">
+            <a:normAutofit/>
+          </a:bodyPr>
+          <a:lstStyle>
+            <a:lvl1pPr marL="0" indent="0" algn="ctr">
+              <a:buNone/>
+              <a:defRPr sz="1600"/>
+            </a:lvl1pPr>
+            <a:lvl2pPr marL="457200" indent="0">
+              <a:buNone/>
+              <a:defRPr sz="1600"/>
+            </a:lvl2pPr>
+            <a:lvl3pPr marL="914400" indent="0">
+              <a:buNone/>
+              <a:defRPr sz="1600"/>
+            </a:lvl3pPr>
+            <a:lvl4pPr marL="1371600" indent="0">
+              <a:buNone/>
+              <a:defRPr sz="1600"/>
+            </a:lvl4pPr>
+            <a:lvl5pPr marL="1828800" indent="0">
+              <a:buNone/>
+              <a:defRPr sz="1600"/>
+            </a:lvl5pPr>
+            <a:lvl6pPr marL="2286000" indent="0">
+              <a:buNone/>
+              <a:defRPr sz="1600"/>
+            </a:lvl6pPr>
+            <a:lvl7pPr marL="2743200" indent="0">
+              <a:buNone/>
+              <a:defRPr sz="1600"/>
+            </a:lvl7pPr>
+            <a:lvl8pPr marL="3200400" indent="0">
+              <a:buNone/>
+              <a:defRPr sz="1600"/>
+            </a:lvl8pPr>
+            <a:lvl9pPr marL="3657600" indent="0">
+              <a:buNone/>
+              <a:defRPr sz="1600"/>
+            </a:lvl9pPr>
+          </a:lstStyle>
+          <a:p>
+            <a:r>
+              <a:rPr lang="en-US"/>
+              <a:t>Click icon to add picture</a:t>
+            </a:r>
+            <a:endParaRPr lang="en-US" dirty="0"/>
+          </a:p>
+        </p:txBody>
+      </p:sp>
+      <p:sp>
+        <p:nvSpPr>
+          <p:cNvPr id="24" name="Text Placeholder 3"/>
+          <p:cNvSpPr>
+            <a:spLocks noGrp="1"/>
+          </p:cNvSpPr>
+          <p:nvPr>
+            <p:ph type="body" sz="half" idx="20"/>
+          </p:nvPr>
+        </p:nvSpPr>
+        <p:spPr>
+          <a:xfrm>
+            <a:off x="7124575" y="4827208"/>
+            <a:ext cx="2935997" cy="659189"/>
+          </a:xfrm>
+        </p:spPr>
+        <p:txBody>
+          <a:bodyPr anchor="t">
+            <a:normAutofit/>
+          </a:bodyPr>
+          <a:lstStyle>
+            <a:lvl1pPr marL="0" indent="0">
+              <a:buNone/>
+              <a:defRPr sz="1400"/>
+            </a:lvl1pPr>
+            <a:lvl2pPr marL="457200" indent="0">
+              <a:buNone/>
+              <a:defRPr sz="1200"/>
+            </a:lvl2pPr>
+            <a:lvl3pPr marL="914400" indent="0">
+              <a:buNone/>
+              <a:defRPr sz="1000"/>
+            </a:lvl3pPr>
+            <a:lvl4pPr marL="1371600" indent="0">
+              <a:buNone/>
+              <a:defRPr sz="900"/>
+            </a:lvl4pPr>
+            <a:lvl5pPr marL="1828800" indent="0">
+              <a:buNone/>
+              <a:defRPr sz="900"/>
+            </a:lvl5pPr>
+            <a:lvl6pPr marL="2286000" indent="0">
+              <a:buNone/>
+              <a:defRPr sz="900"/>
+            </a:lvl6pPr>
+            <a:lvl7pPr marL="2743200" indent="0">
+              <a:buNone/>
+              <a:defRPr sz="900"/>
+            </a:lvl7pPr>
+            <a:lvl8pPr marL="3200400" indent="0">
+              <a:buNone/>
+              <a:defRPr sz="900"/>
+            </a:lvl8pPr>
+            <a:lvl9pPr marL="3657600" indent="0">
+              <a:buNone/>
+              <a:defRPr sz="900"/>
+            </a:lvl9pPr>
+          </a:lstStyle>
+          <a:p>
+            <a:pPr lvl="0"/>
+            <a:r>
+              <a:rPr lang="en-US"/>
+              <a:t>Edit Master text styles</a:t>
+            </a:r>
+          </a:p>
+        </p:txBody>
+      </p:sp>
+      <p:cxnSp>
+        <p:nvCxnSpPr>
+          <p:cNvPr id="19" name="Straight Connector 18"/>
+          <p:cNvCxnSpPr/>
+          <p:nvPr/>
+        </p:nvCxnSpPr>
+        <p:spPr>
+          <a:xfrm>
+            <a:off x="3726142" y="2133600"/>
+            <a:ext cx="0" cy="3962400"/>
+          </a:xfrm>
+          <a:prstGeom prst="line">
+            <a:avLst/>
+          </a:prstGeom>
+          <a:ln w="12700" cmpd="sng">
+            <a:solidFill>
+              <a:schemeClr val="bg2">
+                <a:lumMod val="40000"/>
+                <a:lumOff val="60000"/>
+                <a:alpha val="40000"/>
+              </a:schemeClr>
+            </a:solidFill>
+          </a:ln>
+        </p:spPr>
+        <p:style>
+          <a:lnRef idx="2">
+            <a:schemeClr val="accent1"/>
+          </a:lnRef>
+          <a:fillRef idx="0">
+            <a:schemeClr val="accent1"/>
+          </a:fillRef>
+          <a:effectRef idx="1">
+            <a:schemeClr val="accent1"/>
+          </a:effectRef>
+          <a:fontRef idx="minor">
+            <a:schemeClr val="tx1"/>
+          </a:fontRef>
+        </p:style>
+      </p:cxnSp>
+      <p:cxnSp>
+        <p:nvCxnSpPr>
+          <p:cNvPr id="20" name="Straight Connector 19"/>
+          <p:cNvCxnSpPr/>
+          <p:nvPr/>
+        </p:nvCxnSpPr>
+        <p:spPr>
+          <a:xfrm>
+            <a:off x="6962227" y="2133600"/>
+            <a:ext cx="0" cy="3966882"/>
+          </a:xfrm>
+          <a:prstGeom prst="line">
+            <a:avLst/>
+          </a:prstGeom>
+          <a:ln w="12700" cmpd="sng">
+            <a:solidFill>
+              <a:schemeClr val="bg2">
+                <a:lumMod val="40000"/>
+                <a:lumOff val="60000"/>
+                <a:alpha val="40000"/>
+              </a:schemeClr>
+            </a:solidFill>
+          </a:ln>
+        </p:spPr>
+        <p:style>
+          <a:lnRef idx="2">
+            <a:schemeClr val="accent1"/>
+          </a:lnRef>
+          <a:fillRef idx="0">
+            <a:schemeClr val="accent1"/>
+          </a:fillRef>
+          <a:effectRef idx="1">
+            <a:schemeClr val="accent1"/>
+          </a:effectRef>
+          <a:fontRef idx="minor">
+            <a:schemeClr val="tx1"/>
+          </a:fontRef>
+        </p:style>
+      </p:cxnSp>
+      <p:sp>
+        <p:nvSpPr>
+          <p:cNvPr id="7" name="Date Placeholder 3"/>
+          <p:cNvSpPr>
+            <a:spLocks noGrp="1"/>
+          </p:cNvSpPr>
+          <p:nvPr>
+            <p:ph type="dt" sz="half" idx="10"/>
+          </p:nvPr>
+        </p:nvSpPr>
+        <p:spPr/>
+        <p:txBody>
+          <a:bodyPr/>
+          <a:lstStyle/>
+          <a:p>
+            <a:fld id="{75CBF9E7-8931-4FFA-8C8D-DFC5EDD38F3D}" type="datetimeFigureOut">
+              <a:rPr lang="en-GB" smtClean="0"/>
+              <a:t>22/05/2018</a:t>
+            </a:fld>
+            <a:endParaRPr lang="en-GB" dirty="0"/>
+          </a:p>
+        </p:txBody>
+      </p:sp>
+      <p:sp>
+        <p:nvSpPr>
+          <p:cNvPr id="4" name="Footer Placeholder 4"/>
+          <p:cNvSpPr>
+            <a:spLocks noGrp="1"/>
+          </p:cNvSpPr>
+          <p:nvPr>
+            <p:ph type="ftr" sz="quarter" idx="11"/>
+          </p:nvPr>
+        </p:nvSpPr>
+        <p:spPr/>
+        <p:txBody>
+          <a:bodyPr/>
+          <a:lstStyle/>
+          <a:p>
+            <a:endParaRPr lang="en-GB" dirty="0"/>
+          </a:p>
+        </p:txBody>
+      </p:sp>
+      <p:sp>
+        <p:nvSpPr>
+          <p:cNvPr id="6" name="Slide Number Placeholder 5"/>
+          <p:cNvSpPr>
+            <a:spLocks noGrp="1"/>
+          </p:cNvSpPr>
+          <p:nvPr>
+            <p:ph type="sldNum" sz="quarter" idx="12"/>
+          </p:nvPr>
+        </p:nvSpPr>
+        <p:spPr/>
+        <p:txBody>
+          <a:bodyPr/>
+          <a:lstStyle/>
+          <a:p>
+            <a:fld id="{DF36E190-966F-428A-AA12-2E3AD8A717B4}" type="slidenum">
+              <a:rPr lang="en-GB" smtClean="0"/>
+              <a:t>‹#›</a:t>
+            </a:fld>
+            <a:endParaRPr lang="en-GB" dirty="0"/>
+          </a:p>
+        </p:txBody>
+      </p:sp>
+    </p:spTree>
+    <p:extLst>
+      <p:ext uri="{BB962C8B-B14F-4D97-AF65-F5344CB8AC3E}">
+        <p14:creationId xmlns:p14="http://schemas.microsoft.com/office/powerpoint/2010/main" val="1965276782"/>
+      </p:ext>
+    </p:extLst>
+  </p:cSld>
+  <p:clrMapOvr>
+    <a:masterClrMapping/>
+  </p:clrMapOvr>
+</p:sldLayout>
+</file>
+
+<file path=ppt/slideLayouts/slideLayout16.xml><?xml version="1.0" encoding="utf-8"?>
 <p:sldLayout xmlns:a="http://schemas.openxmlformats.org/drawingml/2006/main" xmlns:r="http://schemas.openxmlformats.org/officeDocument/2006/relationships" xmlns:p="http://schemas.openxmlformats.org/presentationml/2006/main" type="vertTx" preserve="1">
   <p:cSld name="Title and Vertical Text">
     <p:spTree>
@@ -352,13 +2955,7 @@
       </p:grpSpPr>
       <p:sp>
         <p:nvSpPr>
-          <p:cNvPr id="2" name="Title 1">
-            <a:extLst>
-              <a:ext uri="{FF2B5EF4-FFF2-40B4-BE49-F238E27FC236}">
-                <a16:creationId xmlns:a16="http://schemas.microsoft.com/office/drawing/2014/main" id="{1E6F8A33-002A-4B53-BD22-6A153F281FDB}"/>
-              </a:ext>
-            </a:extLst>
-          </p:cNvPr>
+          <p:cNvPr id="2" name="Title 1"/>
           <p:cNvSpPr>
             <a:spLocks noGrp="1"/>
           </p:cNvSpPr>
@@ -375,19 +2972,13 @@
               <a:rPr lang="en-US"/>
               <a:t>Click to edit Master title style</a:t>
             </a:r>
-            <a:endParaRPr lang="en-GB"/>
-          </a:p>
-        </p:txBody>
-      </p:sp>
-      <p:sp>
-        <p:nvSpPr>
-          <p:cNvPr id="3" name="Vertical Text Placeholder 2">
-            <a:extLst>
-              <a:ext uri="{FF2B5EF4-FFF2-40B4-BE49-F238E27FC236}">
-                <a16:creationId xmlns:a16="http://schemas.microsoft.com/office/drawing/2014/main" id="{16B45EE5-0FE0-4817-A1AE-A4C9D4639962}"/>
-              </a:ext>
-            </a:extLst>
-          </p:cNvPr>
+            <a:endParaRPr lang="en-US" dirty="0"/>
+          </a:p>
+        </p:txBody>
+      </p:sp>
+      <p:sp>
+        <p:nvSpPr>
+          <p:cNvPr id="3" name="Vertical Text Placeholder 2"/>
           <p:cNvSpPr>
             <a:spLocks noGrp="1"/>
           </p:cNvSpPr>
@@ -397,7 +2988,7 @@
         </p:nvSpPr>
         <p:spPr/>
         <p:txBody>
-          <a:bodyPr vert="eaVert"/>
+          <a:bodyPr vert="eaVert" anchor="t" anchorCtr="0"/>
           <a:lstStyle/>
           <a:p>
             <a:pPr lvl="0"/>
@@ -433,19 +3024,13 @@
               <a:rPr lang="en-US"/>
               <a:t>Fifth level</a:t>
             </a:r>
-            <a:endParaRPr lang="en-GB"/>
-          </a:p>
-        </p:txBody>
-      </p:sp>
-      <p:sp>
-        <p:nvSpPr>
-          <p:cNvPr id="4" name="Date Placeholder 3">
-            <a:extLst>
-              <a:ext uri="{FF2B5EF4-FFF2-40B4-BE49-F238E27FC236}">
-                <a16:creationId xmlns:a16="http://schemas.microsoft.com/office/drawing/2014/main" id="{35F2A5FF-F4C7-4212-8776-DCF519C0DE3B}"/>
-              </a:ext>
-            </a:extLst>
-          </p:cNvPr>
+            <a:endParaRPr lang="en-US" dirty="0"/>
+          </a:p>
+        </p:txBody>
+      </p:sp>
+      <p:sp>
+        <p:nvSpPr>
+          <p:cNvPr id="4" name="Date Placeholder 3"/>
           <p:cNvSpPr>
             <a:spLocks noGrp="1"/>
           </p:cNvSpPr>
@@ -460,7 +3045,7 @@
           <a:p>
             <a:fld id="{75CBF9E7-8931-4FFA-8C8D-DFC5EDD38F3D}" type="datetimeFigureOut">
               <a:rPr lang="en-GB" smtClean="0"/>
-              <a:t>04/04/2018</a:t>
+              <a:t>22/05/2018</a:t>
             </a:fld>
             <a:endParaRPr lang="en-GB" dirty="0"/>
           </a:p>
@@ -468,13 +3053,7 @@
       </p:sp>
       <p:sp>
         <p:nvSpPr>
-          <p:cNvPr id="5" name="Footer Placeholder 4">
-            <a:extLst>
-              <a:ext uri="{FF2B5EF4-FFF2-40B4-BE49-F238E27FC236}">
-                <a16:creationId xmlns:a16="http://schemas.microsoft.com/office/drawing/2014/main" id="{E6CFE83B-FCA5-4318-9E25-419452205099}"/>
-              </a:ext>
-            </a:extLst>
-          </p:cNvPr>
+          <p:cNvPr id="5" name="Footer Placeholder 4"/>
           <p:cNvSpPr>
             <a:spLocks noGrp="1"/>
           </p:cNvSpPr>
@@ -493,13 +3072,7 @@
       </p:sp>
       <p:sp>
         <p:nvSpPr>
-          <p:cNvPr id="6" name="Slide Number Placeholder 5">
-            <a:extLst>
-              <a:ext uri="{FF2B5EF4-FFF2-40B4-BE49-F238E27FC236}">
-                <a16:creationId xmlns:a16="http://schemas.microsoft.com/office/drawing/2014/main" id="{DCCDA19E-76EA-479F-9077-88425A4ACA1C}"/>
-              </a:ext>
-            </a:extLst>
-          </p:cNvPr>
+          <p:cNvPr id="6" name="Slide Number Placeholder 5"/>
           <p:cNvSpPr>
             <a:spLocks noGrp="1"/>
           </p:cNvSpPr>
@@ -523,7 +3096,7 @@
     </p:spTree>
     <p:extLst>
       <p:ext uri="{BB962C8B-B14F-4D97-AF65-F5344CB8AC3E}">
-        <p14:creationId xmlns:p14="http://schemas.microsoft.com/office/powerpoint/2010/main" val="4289228214"/>
+        <p14:creationId xmlns:p14="http://schemas.microsoft.com/office/powerpoint/2010/main" val="3931965316"/>
       </p:ext>
     </p:extLst>
   </p:cSld>
@@ -533,7 +3106,7 @@
 </p:sldLayout>
 </file>
 
-<file path=ppt/slideLayouts/slideLayout11.xml><?xml version="1.0" encoding="utf-8"?>
+<file path=ppt/slideLayouts/slideLayout17.xml><?xml version="1.0" encoding="utf-8"?>
 <p:sldLayout xmlns:a="http://schemas.openxmlformats.org/drawingml/2006/main" xmlns:r="http://schemas.openxmlformats.org/officeDocument/2006/relationships" xmlns:p="http://schemas.openxmlformats.org/presentationml/2006/main" type="vertTitleAndTx" preserve="1">
   <p:cSld name="Vertical Title and Text">
     <p:spTree>
@@ -552,13 +3125,7 @@
       </p:grpSpPr>
       <p:sp>
         <p:nvSpPr>
-          <p:cNvPr id="2" name="Vertical Title 1">
-            <a:extLst>
-              <a:ext uri="{FF2B5EF4-FFF2-40B4-BE49-F238E27FC236}">
-                <a16:creationId xmlns:a16="http://schemas.microsoft.com/office/drawing/2014/main" id="{1A526929-8EB9-4282-BA81-40E591D1F895}"/>
-              </a:ext>
-            </a:extLst>
-          </p:cNvPr>
+          <p:cNvPr id="2" name="Vertical Title 1"/>
           <p:cNvSpPr>
             <a:spLocks noGrp="1"/>
           </p:cNvSpPr>
@@ -568,48 +3135,42 @@
         </p:nvSpPr>
         <p:spPr>
           <a:xfrm>
-            <a:off x="8724900" y="365125"/>
-            <a:ext cx="2628900" cy="5811838"/>
+            <a:off x="8304212" y="430213"/>
+            <a:ext cx="1752601" cy="5826125"/>
+          </a:xfrm>
+        </p:spPr>
+        <p:txBody>
+          <a:bodyPr vert="eaVert" anchor="b" anchorCtr="0"/>
+          <a:lstStyle/>
+          <a:p>
+            <a:r>
+              <a:rPr lang="en-US"/>
+              <a:t>Click to edit Master title style</a:t>
+            </a:r>
+            <a:endParaRPr lang="en-US" dirty="0"/>
+          </a:p>
+        </p:txBody>
+      </p:sp>
+      <p:sp>
+        <p:nvSpPr>
+          <p:cNvPr id="3" name="Vertical Text Placeholder 2"/>
+          <p:cNvSpPr>
+            <a:spLocks noGrp="1"/>
+          </p:cNvSpPr>
+          <p:nvPr>
+            <p:ph type="body" orient="vert" idx="1"/>
+          </p:nvPr>
+        </p:nvSpPr>
+        <p:spPr>
+          <a:xfrm>
+            <a:off x="652463" y="887414"/>
+            <a:ext cx="7423149" cy="5368924"/>
           </a:xfrm>
         </p:spPr>
         <p:txBody>
           <a:bodyPr vert="eaVert"/>
           <a:lstStyle/>
           <a:p>
-            <a:r>
-              <a:rPr lang="en-US"/>
-              <a:t>Click to edit Master title style</a:t>
-            </a:r>
-            <a:endParaRPr lang="en-GB"/>
-          </a:p>
-        </p:txBody>
-      </p:sp>
-      <p:sp>
-        <p:nvSpPr>
-          <p:cNvPr id="3" name="Vertical Text Placeholder 2">
-            <a:extLst>
-              <a:ext uri="{FF2B5EF4-FFF2-40B4-BE49-F238E27FC236}">
-                <a16:creationId xmlns:a16="http://schemas.microsoft.com/office/drawing/2014/main" id="{3887A29F-C07E-4B6D-9CDE-CC124E4598CF}"/>
-              </a:ext>
-            </a:extLst>
-          </p:cNvPr>
-          <p:cNvSpPr>
-            <a:spLocks noGrp="1"/>
-          </p:cNvSpPr>
-          <p:nvPr>
-            <p:ph type="body" orient="vert" idx="1"/>
-          </p:nvPr>
-        </p:nvSpPr>
-        <p:spPr>
-          <a:xfrm>
-            <a:off x="838200" y="365125"/>
-            <a:ext cx="7734300" cy="5811838"/>
-          </a:xfrm>
-        </p:spPr>
-        <p:txBody>
-          <a:bodyPr vert="eaVert"/>
-          <a:lstStyle/>
-          <a:p>
             <a:pPr lvl="0"/>
             <a:r>
               <a:rPr lang="en-US"/>
@@ -643,19 +3204,13 @@
               <a:rPr lang="en-US"/>
               <a:t>Fifth level</a:t>
             </a:r>
-            <a:endParaRPr lang="en-GB"/>
-          </a:p>
-        </p:txBody>
-      </p:sp>
-      <p:sp>
-        <p:nvSpPr>
-          <p:cNvPr id="4" name="Date Placeholder 3">
-            <a:extLst>
-              <a:ext uri="{FF2B5EF4-FFF2-40B4-BE49-F238E27FC236}">
-                <a16:creationId xmlns:a16="http://schemas.microsoft.com/office/drawing/2014/main" id="{72562C30-6580-40E2-A30E-CF1DAFE8F719}"/>
-              </a:ext>
-            </a:extLst>
-          </p:cNvPr>
+            <a:endParaRPr lang="en-US" dirty="0"/>
+          </a:p>
+        </p:txBody>
+      </p:sp>
+      <p:sp>
+        <p:nvSpPr>
+          <p:cNvPr id="4" name="Date Placeholder 3"/>
           <p:cNvSpPr>
             <a:spLocks noGrp="1"/>
           </p:cNvSpPr>
@@ -670,7 +3225,7 @@
           <a:p>
             <a:fld id="{75CBF9E7-8931-4FFA-8C8D-DFC5EDD38F3D}" type="datetimeFigureOut">
               <a:rPr lang="en-GB" smtClean="0"/>
-              <a:t>04/04/2018</a:t>
+              <a:t>22/05/2018</a:t>
             </a:fld>
             <a:endParaRPr lang="en-GB" dirty="0"/>
           </a:p>
@@ -678,13 +3233,7 @@
       </p:sp>
       <p:sp>
         <p:nvSpPr>
-          <p:cNvPr id="5" name="Footer Placeholder 4">
-            <a:extLst>
-              <a:ext uri="{FF2B5EF4-FFF2-40B4-BE49-F238E27FC236}">
-                <a16:creationId xmlns:a16="http://schemas.microsoft.com/office/drawing/2014/main" id="{8D30C88E-73CC-45DB-8E43-F1E077CA753E}"/>
-              </a:ext>
-            </a:extLst>
-          </p:cNvPr>
+          <p:cNvPr id="5" name="Footer Placeholder 4"/>
           <p:cNvSpPr>
             <a:spLocks noGrp="1"/>
           </p:cNvSpPr>
@@ -703,13 +3252,7 @@
       </p:sp>
       <p:sp>
         <p:nvSpPr>
-          <p:cNvPr id="6" name="Slide Number Placeholder 5">
-            <a:extLst>
-              <a:ext uri="{FF2B5EF4-FFF2-40B4-BE49-F238E27FC236}">
-                <a16:creationId xmlns:a16="http://schemas.microsoft.com/office/drawing/2014/main" id="{9A055220-9604-4488-9649-D0BD6CE9F395}"/>
-              </a:ext>
-            </a:extLst>
-          </p:cNvPr>
+          <p:cNvPr id="6" name="Slide Number Placeholder 5"/>
           <p:cNvSpPr>
             <a:spLocks noGrp="1"/>
           </p:cNvSpPr>
@@ -733,7 +3276,7 @@
     </p:spTree>
     <p:extLst>
       <p:ext uri="{BB962C8B-B14F-4D97-AF65-F5344CB8AC3E}">
-        <p14:creationId xmlns:p14="http://schemas.microsoft.com/office/powerpoint/2010/main" val="998281567"/>
+        <p14:creationId xmlns:p14="http://schemas.microsoft.com/office/powerpoint/2010/main" val="496983417"/>
       </p:ext>
     </p:extLst>
   </p:cSld>
@@ -762,13 +3305,7 @@
       </p:grpSpPr>
       <p:sp>
         <p:nvSpPr>
-          <p:cNvPr id="2" name="Title 1">
-            <a:extLst>
-              <a:ext uri="{FF2B5EF4-FFF2-40B4-BE49-F238E27FC236}">
-                <a16:creationId xmlns:a16="http://schemas.microsoft.com/office/drawing/2014/main" id="{8D0F89B4-C3A5-45A5-83E9-BDB9842F009A}"/>
-              </a:ext>
-            </a:extLst>
-          </p:cNvPr>
+          <p:cNvPr id="2" name="Title 1"/>
           <p:cNvSpPr>
             <a:spLocks noGrp="1"/>
           </p:cNvSpPr>
@@ -785,19 +3322,13 @@
               <a:rPr lang="en-US"/>
               <a:t>Click to edit Master title style</a:t>
             </a:r>
-            <a:endParaRPr lang="en-GB"/>
-          </a:p>
-        </p:txBody>
-      </p:sp>
-      <p:sp>
-        <p:nvSpPr>
-          <p:cNvPr id="3" name="Content Placeholder 2">
-            <a:extLst>
-              <a:ext uri="{FF2B5EF4-FFF2-40B4-BE49-F238E27FC236}">
-                <a16:creationId xmlns:a16="http://schemas.microsoft.com/office/drawing/2014/main" id="{816B50DC-7AED-43FF-A8B4-608B9F5BC8BC}"/>
-              </a:ext>
-            </a:extLst>
-          </p:cNvPr>
+            <a:endParaRPr lang="en-US" dirty="0"/>
+          </a:p>
+        </p:txBody>
+      </p:sp>
+      <p:sp>
+        <p:nvSpPr>
+          <p:cNvPr id="3" name="Content Placeholder 2"/>
           <p:cNvSpPr>
             <a:spLocks noGrp="1"/>
           </p:cNvSpPr>
@@ -843,19 +3374,13 @@
               <a:rPr lang="en-US"/>
               <a:t>Fifth level</a:t>
             </a:r>
-            <a:endParaRPr lang="en-GB"/>
-          </a:p>
-        </p:txBody>
-      </p:sp>
-      <p:sp>
-        <p:nvSpPr>
-          <p:cNvPr id="4" name="Date Placeholder 3">
-            <a:extLst>
-              <a:ext uri="{FF2B5EF4-FFF2-40B4-BE49-F238E27FC236}">
-                <a16:creationId xmlns:a16="http://schemas.microsoft.com/office/drawing/2014/main" id="{934D0362-E23C-46D1-86B6-F2ADAC5FD653}"/>
-              </a:ext>
-            </a:extLst>
-          </p:cNvPr>
+            <a:endParaRPr lang="en-US" dirty="0"/>
+          </a:p>
+        </p:txBody>
+      </p:sp>
+      <p:sp>
+        <p:nvSpPr>
+          <p:cNvPr id="7" name="Date Placeholder 3"/>
           <p:cNvSpPr>
             <a:spLocks noGrp="1"/>
           </p:cNvSpPr>
@@ -870,7 +3395,7 @@
           <a:p>
             <a:fld id="{75CBF9E7-8931-4FFA-8C8D-DFC5EDD38F3D}" type="datetimeFigureOut">
               <a:rPr lang="en-GB" smtClean="0"/>
-              <a:t>04/04/2018</a:t>
+              <a:t>22/05/2018</a:t>
             </a:fld>
             <a:endParaRPr lang="en-GB" dirty="0"/>
           </a:p>
@@ -878,13 +3403,7 @@
       </p:sp>
       <p:sp>
         <p:nvSpPr>
-          <p:cNvPr id="5" name="Footer Placeholder 4">
-            <a:extLst>
-              <a:ext uri="{FF2B5EF4-FFF2-40B4-BE49-F238E27FC236}">
-                <a16:creationId xmlns:a16="http://schemas.microsoft.com/office/drawing/2014/main" id="{8B451D73-89B2-43DE-B8F6-C58D1B8F8F29}"/>
-              </a:ext>
-            </a:extLst>
-          </p:cNvPr>
+          <p:cNvPr id="5" name="Footer Placeholder 4"/>
           <p:cNvSpPr>
             <a:spLocks noGrp="1"/>
           </p:cNvSpPr>
@@ -903,13 +3422,7 @@
       </p:sp>
       <p:sp>
         <p:nvSpPr>
-          <p:cNvPr id="6" name="Slide Number Placeholder 5">
-            <a:extLst>
-              <a:ext uri="{FF2B5EF4-FFF2-40B4-BE49-F238E27FC236}">
-                <a16:creationId xmlns:a16="http://schemas.microsoft.com/office/drawing/2014/main" id="{4BBEC0BB-4F48-4991-B632-F22D919F00E0}"/>
-              </a:ext>
-            </a:extLst>
-          </p:cNvPr>
+          <p:cNvPr id="6" name="Slide Number Placeholder 5"/>
           <p:cNvSpPr>
             <a:spLocks noGrp="1"/>
           </p:cNvSpPr>
@@ -933,7 +3446,7 @@
     </p:spTree>
     <p:extLst>
       <p:ext uri="{BB962C8B-B14F-4D97-AF65-F5344CB8AC3E}">
-        <p14:creationId xmlns:p14="http://schemas.microsoft.com/office/powerpoint/2010/main" val="1249721915"/>
+        <p14:creationId xmlns:p14="http://schemas.microsoft.com/office/powerpoint/2010/main" val="3326293680"/>
       </p:ext>
     </p:extLst>
   </p:cSld>
@@ -962,13 +3475,7 @@
       </p:grpSpPr>
       <p:sp>
         <p:nvSpPr>
-          <p:cNvPr id="2" name="Title 1">
-            <a:extLst>
-              <a:ext uri="{FF2B5EF4-FFF2-40B4-BE49-F238E27FC236}">
-                <a16:creationId xmlns:a16="http://schemas.microsoft.com/office/drawing/2014/main" id="{C20B065F-9F2A-45BC-A320-828EA483020A}"/>
-              </a:ext>
-            </a:extLst>
-          </p:cNvPr>
+          <p:cNvPr id="2" name="Title 1"/>
           <p:cNvSpPr>
             <a:spLocks noGrp="1"/>
           </p:cNvSpPr>
@@ -978,15 +3485,15 @@
         </p:nvSpPr>
         <p:spPr>
           <a:xfrm>
-            <a:off x="831850" y="1709738"/>
-            <a:ext cx="10515600" cy="2852737"/>
+            <a:off x="1154956" y="2861733"/>
+            <a:ext cx="8825657" cy="1915647"/>
           </a:xfrm>
         </p:spPr>
         <p:txBody>
           <a:bodyPr anchor="b"/>
           <a:lstStyle>
-            <a:lvl1pPr>
-              <a:defRPr sz="6000"/>
+            <a:lvl1pPr algn="l">
+              <a:defRPr sz="4000" b="0" cap="none"/>
             </a:lvl1pPr>
           </a:lstStyle>
           <a:p>
@@ -994,19 +3501,13 @@
               <a:rPr lang="en-US"/>
               <a:t>Click to edit Master title style</a:t>
             </a:r>
-            <a:endParaRPr lang="en-GB"/>
-          </a:p>
-        </p:txBody>
-      </p:sp>
-      <p:sp>
-        <p:nvSpPr>
-          <p:cNvPr id="3" name="Text Placeholder 2">
-            <a:extLst>
-              <a:ext uri="{FF2B5EF4-FFF2-40B4-BE49-F238E27FC236}">
-                <a16:creationId xmlns:a16="http://schemas.microsoft.com/office/drawing/2014/main" id="{59F1A052-7535-42AD-9D03-9A42F6872A3B}"/>
-              </a:ext>
-            </a:extLst>
-          </p:cNvPr>
+            <a:endParaRPr lang="en-US" dirty="0"/>
+          </a:p>
+        </p:txBody>
+      </p:sp>
+      <p:sp>
+        <p:nvSpPr>
+          <p:cNvPr id="3" name="Text Placeholder 2"/>
           <p:cNvSpPr>
             <a:spLocks noGrp="1"/>
           </p:cNvSpPr>
@@ -1016,26 +3517,27 @@
         </p:nvSpPr>
         <p:spPr>
           <a:xfrm>
-            <a:off x="831850" y="4589463"/>
-            <a:ext cx="10515600" cy="1500187"/>
-          </a:xfrm>
-        </p:spPr>
-        <p:txBody>
-          <a:bodyPr/>
+            <a:off x="1154955" y="4777381"/>
+            <a:ext cx="8825658" cy="860400"/>
+          </a:xfrm>
+        </p:spPr>
+        <p:txBody>
+          <a:bodyPr anchor="t"/>
           <a:lstStyle>
-            <a:lvl1pPr marL="0" indent="0">
-              <a:buNone/>
-              <a:defRPr sz="2400">
+            <a:lvl1pPr marL="0" indent="0" algn="l">
+              <a:buNone/>
+              <a:defRPr sz="2000" cap="all">
                 <a:solidFill>
-                  <a:schemeClr val="tx1">
-                    <a:tint val="75000"/>
+                  <a:schemeClr val="bg2">
+                    <a:lumMod val="40000"/>
+                    <a:lumOff val="60000"/>
                   </a:schemeClr>
                 </a:solidFill>
               </a:defRPr>
             </a:lvl1pPr>
             <a:lvl2pPr marL="457200" indent="0">
               <a:buNone/>
-              <a:defRPr sz="2000">
+              <a:defRPr sz="1800">
                 <a:solidFill>
                   <a:schemeClr val="tx1">
                     <a:tint val="75000"/>
@@ -1045,7 +3547,7 @@
             </a:lvl2pPr>
             <a:lvl3pPr marL="914400" indent="0">
               <a:buNone/>
-              <a:defRPr sz="1800">
+              <a:defRPr sz="1600">
                 <a:solidFill>
                   <a:schemeClr val="tx1">
                     <a:tint val="75000"/>
@@ -1055,7 +3557,7 @@
             </a:lvl3pPr>
             <a:lvl4pPr marL="1371600" indent="0">
               <a:buNone/>
-              <a:defRPr sz="1600">
+              <a:defRPr sz="1400">
                 <a:solidFill>
                   <a:schemeClr val="tx1">
                     <a:tint val="75000"/>
@@ -1065,7 +3567,7 @@
             </a:lvl4pPr>
             <a:lvl5pPr marL="1828800" indent="0">
               <a:buNone/>
-              <a:defRPr sz="1600">
+              <a:defRPr sz="1400">
                 <a:solidFill>
                   <a:schemeClr val="tx1">
                     <a:tint val="75000"/>
@@ -1075,7 +3577,7 @@
             </a:lvl5pPr>
             <a:lvl6pPr marL="2286000" indent="0">
               <a:buNone/>
-              <a:defRPr sz="1600">
+              <a:defRPr sz="1400">
                 <a:solidFill>
                   <a:schemeClr val="tx1">
                     <a:tint val="75000"/>
@@ -1085,7 +3587,7 @@
             </a:lvl6pPr>
             <a:lvl7pPr marL="2743200" indent="0">
               <a:buNone/>
-              <a:defRPr sz="1600">
+              <a:defRPr sz="1400">
                 <a:solidFill>
                   <a:schemeClr val="tx1">
                     <a:tint val="75000"/>
@@ -1095,7 +3597,7 @@
             </a:lvl7pPr>
             <a:lvl8pPr marL="3200400" indent="0">
               <a:buNone/>
-              <a:defRPr sz="1600">
+              <a:defRPr sz="1400">
                 <a:solidFill>
                   <a:schemeClr val="tx1">
                     <a:tint val="75000"/>
@@ -1105,7 +3607,7 @@
             </a:lvl8pPr>
             <a:lvl9pPr marL="3657600" indent="0">
               <a:buNone/>
-              <a:defRPr sz="1600">
+              <a:defRPr sz="1400">
                 <a:solidFill>
                   <a:schemeClr val="tx1">
                     <a:tint val="75000"/>
@@ -1125,13 +3627,7 @@
       </p:sp>
       <p:sp>
         <p:nvSpPr>
-          <p:cNvPr id="4" name="Date Placeholder 3">
-            <a:extLst>
-              <a:ext uri="{FF2B5EF4-FFF2-40B4-BE49-F238E27FC236}">
-                <a16:creationId xmlns:a16="http://schemas.microsoft.com/office/drawing/2014/main" id="{4A695004-B741-4502-AC25-518DCA9B2F62}"/>
-              </a:ext>
-            </a:extLst>
-          </p:cNvPr>
+          <p:cNvPr id="4" name="Date Placeholder 3"/>
           <p:cNvSpPr>
             <a:spLocks noGrp="1"/>
           </p:cNvSpPr>
@@ -1146,7 +3642,7 @@
           <a:p>
             <a:fld id="{75CBF9E7-8931-4FFA-8C8D-DFC5EDD38F3D}" type="datetimeFigureOut">
               <a:rPr lang="en-GB" smtClean="0"/>
-              <a:t>04/04/2018</a:t>
+              <a:t>22/05/2018</a:t>
             </a:fld>
             <a:endParaRPr lang="en-GB" dirty="0"/>
           </a:p>
@@ -1154,13 +3650,7 @@
       </p:sp>
       <p:sp>
         <p:nvSpPr>
-          <p:cNvPr id="5" name="Footer Placeholder 4">
-            <a:extLst>
-              <a:ext uri="{FF2B5EF4-FFF2-40B4-BE49-F238E27FC236}">
-                <a16:creationId xmlns:a16="http://schemas.microsoft.com/office/drawing/2014/main" id="{ABE73D3D-1F2D-440C-8196-D0B5E2023E2D}"/>
-              </a:ext>
-            </a:extLst>
-          </p:cNvPr>
+          <p:cNvPr id="5" name="Footer Placeholder 4"/>
           <p:cNvSpPr>
             <a:spLocks noGrp="1"/>
           </p:cNvSpPr>
@@ -1179,13 +3669,7 @@
       </p:sp>
       <p:sp>
         <p:nvSpPr>
-          <p:cNvPr id="6" name="Slide Number Placeholder 5">
-            <a:extLst>
-              <a:ext uri="{FF2B5EF4-FFF2-40B4-BE49-F238E27FC236}">
-                <a16:creationId xmlns:a16="http://schemas.microsoft.com/office/drawing/2014/main" id="{F937D947-23B9-483B-A9CA-3395A1A714AC}"/>
-              </a:ext>
-            </a:extLst>
-          </p:cNvPr>
+          <p:cNvPr id="6" name="Slide Number Placeholder 5"/>
           <p:cNvSpPr>
             <a:spLocks noGrp="1"/>
           </p:cNvSpPr>
@@ -1209,7 +3693,7 @@
     </p:spTree>
     <p:extLst>
       <p:ext uri="{BB962C8B-B14F-4D97-AF65-F5344CB8AC3E}">
-        <p14:creationId xmlns:p14="http://schemas.microsoft.com/office/powerpoint/2010/main" val="2577855292"/>
+        <p14:creationId xmlns:p14="http://schemas.microsoft.com/office/powerpoint/2010/main" val="712788696"/>
       </p:ext>
     </p:extLst>
   </p:cSld>
@@ -1238,13 +3722,7 @@
       </p:grpSpPr>
       <p:sp>
         <p:nvSpPr>
-          <p:cNvPr id="2" name="Title 1">
-            <a:extLst>
-              <a:ext uri="{FF2B5EF4-FFF2-40B4-BE49-F238E27FC236}">
-                <a16:creationId xmlns:a16="http://schemas.microsoft.com/office/drawing/2014/main" id="{2C365EFE-0C89-4BCF-942F-5AD6EEF08287}"/>
-              </a:ext>
-            </a:extLst>
-          </p:cNvPr>
+          <p:cNvPr id="2" name="Title 1"/>
           <p:cNvSpPr>
             <a:spLocks noGrp="1"/>
           </p:cNvSpPr>
@@ -1261,19 +3739,13 @@
               <a:rPr lang="en-US"/>
               <a:t>Click to edit Master title style</a:t>
             </a:r>
-            <a:endParaRPr lang="en-GB"/>
-          </a:p>
-        </p:txBody>
-      </p:sp>
-      <p:sp>
-        <p:nvSpPr>
-          <p:cNvPr id="3" name="Content Placeholder 2">
-            <a:extLst>
-              <a:ext uri="{FF2B5EF4-FFF2-40B4-BE49-F238E27FC236}">
-                <a16:creationId xmlns:a16="http://schemas.microsoft.com/office/drawing/2014/main" id="{90496916-5C21-46F9-857C-E19F6068D85E}"/>
-              </a:ext>
-            </a:extLst>
-          </p:cNvPr>
+            <a:endParaRPr lang="en-US" dirty="0"/>
+          </a:p>
+        </p:txBody>
+      </p:sp>
+      <p:sp>
+        <p:nvSpPr>
+          <p:cNvPr id="3" name="Content Placeholder 2"/>
           <p:cNvSpPr>
             <a:spLocks noGrp="1"/>
           </p:cNvSpPr>
@@ -1283,13 +3755,43 @@
         </p:nvSpPr>
         <p:spPr>
           <a:xfrm>
-            <a:off x="838200" y="1825625"/>
-            <a:ext cx="5181600" cy="4351338"/>
-          </a:xfrm>
-        </p:spPr>
-        <p:txBody>
-          <a:bodyPr/>
-          <a:lstStyle/>
+            <a:off x="1103312" y="2060575"/>
+            <a:ext cx="4396339" cy="4195763"/>
+          </a:xfrm>
+        </p:spPr>
+        <p:txBody>
+          <a:bodyPr>
+            <a:normAutofit/>
+          </a:bodyPr>
+          <a:lstStyle>
+            <a:lvl1pPr>
+              <a:defRPr sz="1800"/>
+            </a:lvl1pPr>
+            <a:lvl2pPr>
+              <a:defRPr sz="1600"/>
+            </a:lvl2pPr>
+            <a:lvl3pPr>
+              <a:defRPr sz="1400"/>
+            </a:lvl3pPr>
+            <a:lvl4pPr>
+              <a:defRPr sz="1200"/>
+            </a:lvl4pPr>
+            <a:lvl5pPr>
+              <a:defRPr sz="1200"/>
+            </a:lvl5pPr>
+            <a:lvl6pPr>
+              <a:defRPr sz="1200"/>
+            </a:lvl6pPr>
+            <a:lvl7pPr>
+              <a:defRPr sz="1200"/>
+            </a:lvl7pPr>
+            <a:lvl8pPr>
+              <a:defRPr sz="1200"/>
+            </a:lvl8pPr>
+            <a:lvl9pPr>
+              <a:defRPr sz="1200"/>
+            </a:lvl9pPr>
+          </a:lstStyle>
           <a:p>
             <a:pPr lvl="0"/>
             <a:r>
@@ -1324,19 +3826,13 @@
               <a:rPr lang="en-US"/>
               <a:t>Fifth level</a:t>
             </a:r>
-            <a:endParaRPr lang="en-GB"/>
-          </a:p>
-        </p:txBody>
-      </p:sp>
-      <p:sp>
-        <p:nvSpPr>
-          <p:cNvPr id="4" name="Content Placeholder 3">
-            <a:extLst>
-              <a:ext uri="{FF2B5EF4-FFF2-40B4-BE49-F238E27FC236}">
-                <a16:creationId xmlns:a16="http://schemas.microsoft.com/office/drawing/2014/main" id="{0A740084-417C-4526-AF64-F5A150EDC329}"/>
-              </a:ext>
-            </a:extLst>
-          </p:cNvPr>
+            <a:endParaRPr lang="en-US" dirty="0"/>
+          </a:p>
+        </p:txBody>
+      </p:sp>
+      <p:sp>
+        <p:nvSpPr>
+          <p:cNvPr id="4" name="Content Placeholder 3"/>
           <p:cNvSpPr>
             <a:spLocks noGrp="1"/>
           </p:cNvSpPr>
@@ -1346,13 +3842,43 @@
         </p:nvSpPr>
         <p:spPr>
           <a:xfrm>
-            <a:off x="6172200" y="1825625"/>
-            <a:ext cx="5181600" cy="4351338"/>
-          </a:xfrm>
-        </p:spPr>
-        <p:txBody>
-          <a:bodyPr/>
-          <a:lstStyle/>
+            <a:off x="5654493" y="2056092"/>
+            <a:ext cx="4396341" cy="4200245"/>
+          </a:xfrm>
+        </p:spPr>
+        <p:txBody>
+          <a:bodyPr>
+            <a:normAutofit/>
+          </a:bodyPr>
+          <a:lstStyle>
+            <a:lvl1pPr>
+              <a:defRPr sz="1800"/>
+            </a:lvl1pPr>
+            <a:lvl2pPr>
+              <a:defRPr sz="1600"/>
+            </a:lvl2pPr>
+            <a:lvl3pPr>
+              <a:defRPr sz="1400"/>
+            </a:lvl3pPr>
+            <a:lvl4pPr>
+              <a:defRPr sz="1200"/>
+            </a:lvl4pPr>
+            <a:lvl5pPr>
+              <a:defRPr sz="1200"/>
+            </a:lvl5pPr>
+            <a:lvl6pPr>
+              <a:defRPr sz="1200"/>
+            </a:lvl6pPr>
+            <a:lvl7pPr>
+              <a:defRPr sz="1200"/>
+            </a:lvl7pPr>
+            <a:lvl8pPr>
+              <a:defRPr sz="1200"/>
+            </a:lvl8pPr>
+            <a:lvl9pPr>
+              <a:defRPr sz="1200"/>
+            </a:lvl9pPr>
+          </a:lstStyle>
           <a:p>
             <a:pPr lvl="0"/>
             <a:r>
@@ -1387,19 +3913,13 @@
               <a:rPr lang="en-US"/>
               <a:t>Fifth level</a:t>
             </a:r>
-            <a:endParaRPr lang="en-GB"/>
-          </a:p>
-        </p:txBody>
-      </p:sp>
-      <p:sp>
-        <p:nvSpPr>
-          <p:cNvPr id="5" name="Date Placeholder 4">
-            <a:extLst>
-              <a:ext uri="{FF2B5EF4-FFF2-40B4-BE49-F238E27FC236}">
-                <a16:creationId xmlns:a16="http://schemas.microsoft.com/office/drawing/2014/main" id="{5F15A0D7-63B5-477F-8A9D-75BFA63D260B}"/>
-              </a:ext>
-            </a:extLst>
-          </p:cNvPr>
+            <a:endParaRPr lang="en-US" dirty="0"/>
+          </a:p>
+        </p:txBody>
+      </p:sp>
+      <p:sp>
+        <p:nvSpPr>
+          <p:cNvPr id="5" name="Date Placeholder 4"/>
           <p:cNvSpPr>
             <a:spLocks noGrp="1"/>
           </p:cNvSpPr>
@@ -1414,7 +3934,7 @@
           <a:p>
             <a:fld id="{75CBF9E7-8931-4FFA-8C8D-DFC5EDD38F3D}" type="datetimeFigureOut">
               <a:rPr lang="en-GB" smtClean="0"/>
-              <a:t>04/04/2018</a:t>
+              <a:t>22/05/2018</a:t>
             </a:fld>
             <a:endParaRPr lang="en-GB" dirty="0"/>
           </a:p>
@@ -1422,13 +3942,7 @@
       </p:sp>
       <p:sp>
         <p:nvSpPr>
-          <p:cNvPr id="6" name="Footer Placeholder 5">
-            <a:extLst>
-              <a:ext uri="{FF2B5EF4-FFF2-40B4-BE49-F238E27FC236}">
-                <a16:creationId xmlns:a16="http://schemas.microsoft.com/office/drawing/2014/main" id="{A1BCE96D-2E43-4B30-998E-101D18315C16}"/>
-              </a:ext>
-            </a:extLst>
-          </p:cNvPr>
+          <p:cNvPr id="6" name="Footer Placeholder 5"/>
           <p:cNvSpPr>
             <a:spLocks noGrp="1"/>
           </p:cNvSpPr>
@@ -1447,13 +3961,7 @@
       </p:sp>
       <p:sp>
         <p:nvSpPr>
-          <p:cNvPr id="7" name="Slide Number Placeholder 6">
-            <a:extLst>
-              <a:ext uri="{FF2B5EF4-FFF2-40B4-BE49-F238E27FC236}">
-                <a16:creationId xmlns:a16="http://schemas.microsoft.com/office/drawing/2014/main" id="{6460D535-40AA-4829-A0A4-04A8F24572D4}"/>
-              </a:ext>
-            </a:extLst>
-          </p:cNvPr>
+          <p:cNvPr id="7" name="Slide Number Placeholder 6"/>
           <p:cNvSpPr>
             <a:spLocks noGrp="1"/>
           </p:cNvSpPr>
@@ -1477,7 +3985,7 @@
     </p:spTree>
     <p:extLst>
       <p:ext uri="{BB962C8B-B14F-4D97-AF65-F5344CB8AC3E}">
-        <p14:creationId xmlns:p14="http://schemas.microsoft.com/office/powerpoint/2010/main" val="1353158696"/>
+        <p14:creationId xmlns:p14="http://schemas.microsoft.com/office/powerpoint/2010/main" val="3205135667"/>
       </p:ext>
     </p:extLst>
   </p:cSld>
@@ -1506,13 +4014,7 @@
       </p:grpSpPr>
       <p:sp>
         <p:nvSpPr>
-          <p:cNvPr id="2" name="Title 1">
-            <a:extLst>
-              <a:ext uri="{FF2B5EF4-FFF2-40B4-BE49-F238E27FC236}">
-                <a16:creationId xmlns:a16="http://schemas.microsoft.com/office/drawing/2014/main" id="{C8168A69-80FA-43D9-A08F-0DCEA108ECC2}"/>
-              </a:ext>
-            </a:extLst>
-          </p:cNvPr>
+          <p:cNvPr id="2" name="Title 1"/>
           <p:cNvSpPr>
             <a:spLocks noGrp="1"/>
           </p:cNvSpPr>
@@ -1520,33 +4022,26 @@
             <p:ph type="title"/>
           </p:nvPr>
         </p:nvSpPr>
-        <p:spPr>
-          <a:xfrm>
-            <a:off x="839788" y="365125"/>
-            <a:ext cx="10515600" cy="1325563"/>
-          </a:xfrm>
-        </p:spPr>
+        <p:spPr/>
         <p:txBody>
           <a:bodyPr/>
-          <a:lstStyle/>
+          <a:lstStyle>
+            <a:lvl1pPr>
+              <a:defRPr/>
+            </a:lvl1pPr>
+          </a:lstStyle>
           <a:p>
             <a:r>
               <a:rPr lang="en-US"/>
               <a:t>Click to edit Master title style</a:t>
             </a:r>
-            <a:endParaRPr lang="en-GB"/>
-          </a:p>
-        </p:txBody>
-      </p:sp>
-      <p:sp>
-        <p:nvSpPr>
-          <p:cNvPr id="3" name="Text Placeholder 2">
-            <a:extLst>
-              <a:ext uri="{FF2B5EF4-FFF2-40B4-BE49-F238E27FC236}">
-                <a16:creationId xmlns:a16="http://schemas.microsoft.com/office/drawing/2014/main" id="{55622ED7-C911-46AE-8331-CF61AB110CA4}"/>
-              </a:ext>
-            </a:extLst>
-          </p:cNvPr>
+            <a:endParaRPr lang="en-US" dirty="0"/>
+          </a:p>
+        </p:txBody>
+      </p:sp>
+      <p:sp>
+        <p:nvSpPr>
+          <p:cNvPr id="3" name="Text Placeholder 2"/>
           <p:cNvSpPr>
             <a:spLocks noGrp="1"/>
           </p:cNvSpPr>
@@ -1556,16 +4051,25 @@
         </p:nvSpPr>
         <p:spPr>
           <a:xfrm>
-            <a:off x="839788" y="1681163"/>
-            <a:ext cx="5157787" cy="823912"/>
-          </a:xfrm>
-        </p:spPr>
-        <p:txBody>
-          <a:bodyPr anchor="b"/>
+            <a:off x="1103313" y="1905000"/>
+            <a:ext cx="4396338" cy="576262"/>
+          </a:xfrm>
+        </p:spPr>
+        <p:txBody>
+          <a:bodyPr anchor="b">
+            <a:noAutofit/>
+          </a:bodyPr>
           <a:lstStyle>
             <a:lvl1pPr marL="0" indent="0">
               <a:buNone/>
-              <a:defRPr sz="2400" b="1"/>
+              <a:defRPr sz="2400" b="0">
+                <a:solidFill>
+                  <a:schemeClr val="bg2">
+                    <a:lumMod val="40000"/>
+                    <a:lumOff val="60000"/>
+                  </a:schemeClr>
+                </a:solidFill>
+              </a:defRPr>
             </a:lvl1pPr>
             <a:lvl2pPr marL="457200" indent="0">
               <a:buNone/>
@@ -1611,13 +4115,7 @@
       </p:sp>
       <p:sp>
         <p:nvSpPr>
-          <p:cNvPr id="4" name="Content Placeholder 3">
-            <a:extLst>
-              <a:ext uri="{FF2B5EF4-FFF2-40B4-BE49-F238E27FC236}">
-                <a16:creationId xmlns:a16="http://schemas.microsoft.com/office/drawing/2014/main" id="{F73D526F-118F-40A6-A676-8644953938F3}"/>
-              </a:ext>
-            </a:extLst>
-          </p:cNvPr>
+          <p:cNvPr id="4" name="Content Placeholder 3"/>
           <p:cNvSpPr>
             <a:spLocks noGrp="1"/>
           </p:cNvSpPr>
@@ -1627,13 +4125,43 @@
         </p:nvSpPr>
         <p:spPr>
           <a:xfrm>
-            <a:off x="839788" y="2505075"/>
-            <a:ext cx="5157787" cy="3684588"/>
-          </a:xfrm>
-        </p:spPr>
-        <p:txBody>
-          <a:bodyPr/>
-          <a:lstStyle/>
+            <a:off x="1103312" y="2514600"/>
+            <a:ext cx="4396339" cy="3741738"/>
+          </a:xfrm>
+        </p:spPr>
+        <p:txBody>
+          <a:bodyPr>
+            <a:normAutofit/>
+          </a:bodyPr>
+          <a:lstStyle>
+            <a:lvl1pPr>
+              <a:defRPr sz="1800"/>
+            </a:lvl1pPr>
+            <a:lvl2pPr>
+              <a:defRPr sz="1600"/>
+            </a:lvl2pPr>
+            <a:lvl3pPr>
+              <a:defRPr sz="1400"/>
+            </a:lvl3pPr>
+            <a:lvl4pPr>
+              <a:defRPr sz="1200"/>
+            </a:lvl4pPr>
+            <a:lvl5pPr>
+              <a:defRPr sz="1200"/>
+            </a:lvl5pPr>
+            <a:lvl6pPr>
+              <a:defRPr sz="1200"/>
+            </a:lvl6pPr>
+            <a:lvl7pPr>
+              <a:defRPr sz="1200"/>
+            </a:lvl7pPr>
+            <a:lvl8pPr>
+              <a:defRPr sz="1200"/>
+            </a:lvl8pPr>
+            <a:lvl9pPr>
+              <a:defRPr sz="1200"/>
+            </a:lvl9pPr>
+          </a:lstStyle>
           <a:p>
             <a:pPr lvl="0"/>
             <a:r>
@@ -1668,19 +4196,13 @@
               <a:rPr lang="en-US"/>
               <a:t>Fifth level</a:t>
             </a:r>
-            <a:endParaRPr lang="en-GB"/>
-          </a:p>
-        </p:txBody>
-      </p:sp>
-      <p:sp>
-        <p:nvSpPr>
-          <p:cNvPr id="5" name="Text Placeholder 4">
-            <a:extLst>
-              <a:ext uri="{FF2B5EF4-FFF2-40B4-BE49-F238E27FC236}">
-                <a16:creationId xmlns:a16="http://schemas.microsoft.com/office/drawing/2014/main" id="{0F6AEDC7-6884-4715-B3DF-84031C1A31A0}"/>
-              </a:ext>
-            </a:extLst>
-          </p:cNvPr>
+            <a:endParaRPr lang="en-US" dirty="0"/>
+          </a:p>
+        </p:txBody>
+      </p:sp>
+      <p:sp>
+        <p:nvSpPr>
+          <p:cNvPr id="5" name="Text Placeholder 4"/>
           <p:cNvSpPr>
             <a:spLocks noGrp="1"/>
           </p:cNvSpPr>
@@ -1690,16 +4212,25 @@
         </p:nvSpPr>
         <p:spPr>
           <a:xfrm>
-            <a:off x="6172200" y="1681163"/>
-            <a:ext cx="5183188" cy="823912"/>
-          </a:xfrm>
-        </p:spPr>
-        <p:txBody>
-          <a:bodyPr anchor="b"/>
+            <a:off x="5654495" y="1905000"/>
+            <a:ext cx="4396339" cy="576262"/>
+          </a:xfrm>
+        </p:spPr>
+        <p:txBody>
+          <a:bodyPr anchor="b">
+            <a:noAutofit/>
+          </a:bodyPr>
           <a:lstStyle>
             <a:lvl1pPr marL="0" indent="0">
               <a:buNone/>
-              <a:defRPr sz="2400" b="1"/>
+              <a:defRPr sz="2400" b="0">
+                <a:solidFill>
+                  <a:schemeClr val="bg2">
+                    <a:lumMod val="40000"/>
+                    <a:lumOff val="60000"/>
+                  </a:schemeClr>
+                </a:solidFill>
+              </a:defRPr>
             </a:lvl1pPr>
             <a:lvl2pPr marL="457200" indent="0">
               <a:buNone/>
@@ -1745,13 +4276,7 @@
       </p:sp>
       <p:sp>
         <p:nvSpPr>
-          <p:cNvPr id="6" name="Content Placeholder 5">
-            <a:extLst>
-              <a:ext uri="{FF2B5EF4-FFF2-40B4-BE49-F238E27FC236}">
-                <a16:creationId xmlns:a16="http://schemas.microsoft.com/office/drawing/2014/main" id="{D0FA86AC-C357-4DCE-86CC-58624356ACE4}"/>
-              </a:ext>
-            </a:extLst>
-          </p:cNvPr>
+          <p:cNvPr id="6" name="Content Placeholder 5"/>
           <p:cNvSpPr>
             <a:spLocks noGrp="1"/>
           </p:cNvSpPr>
@@ -1761,13 +4286,43 @@
         </p:nvSpPr>
         <p:spPr>
           <a:xfrm>
-            <a:off x="6172200" y="2505075"/>
-            <a:ext cx="5183188" cy="3684588"/>
-          </a:xfrm>
-        </p:spPr>
-        <p:txBody>
-          <a:bodyPr/>
-          <a:lstStyle/>
+            <a:off x="5654495" y="2514600"/>
+            <a:ext cx="4396339" cy="3741738"/>
+          </a:xfrm>
+        </p:spPr>
+        <p:txBody>
+          <a:bodyPr>
+            <a:normAutofit/>
+          </a:bodyPr>
+          <a:lstStyle>
+            <a:lvl1pPr>
+              <a:defRPr sz="1800"/>
+            </a:lvl1pPr>
+            <a:lvl2pPr>
+              <a:defRPr sz="1600"/>
+            </a:lvl2pPr>
+            <a:lvl3pPr>
+              <a:defRPr sz="1400"/>
+            </a:lvl3pPr>
+            <a:lvl4pPr>
+              <a:defRPr sz="1200"/>
+            </a:lvl4pPr>
+            <a:lvl5pPr>
+              <a:defRPr sz="1200"/>
+            </a:lvl5pPr>
+            <a:lvl6pPr>
+              <a:defRPr sz="1200"/>
+            </a:lvl6pPr>
+            <a:lvl7pPr>
+              <a:defRPr sz="1200"/>
+            </a:lvl7pPr>
+            <a:lvl8pPr>
+              <a:defRPr sz="1200"/>
+            </a:lvl8pPr>
+            <a:lvl9pPr>
+              <a:defRPr sz="1200"/>
+            </a:lvl9pPr>
+          </a:lstStyle>
           <a:p>
             <a:pPr lvl="0"/>
             <a:r>
@@ -1802,19 +4357,13 @@
               <a:rPr lang="en-US"/>
               <a:t>Fifth level</a:t>
             </a:r>
-            <a:endParaRPr lang="en-GB"/>
-          </a:p>
-        </p:txBody>
-      </p:sp>
-      <p:sp>
-        <p:nvSpPr>
-          <p:cNvPr id="7" name="Date Placeholder 6">
-            <a:extLst>
-              <a:ext uri="{FF2B5EF4-FFF2-40B4-BE49-F238E27FC236}">
-                <a16:creationId xmlns:a16="http://schemas.microsoft.com/office/drawing/2014/main" id="{F628938F-7AF8-4287-8C73-FC5D3D8EC7E2}"/>
-              </a:ext>
-            </a:extLst>
-          </p:cNvPr>
+            <a:endParaRPr lang="en-US" dirty="0"/>
+          </a:p>
+        </p:txBody>
+      </p:sp>
+      <p:sp>
+        <p:nvSpPr>
+          <p:cNvPr id="7" name="Date Placeholder 6"/>
           <p:cNvSpPr>
             <a:spLocks noGrp="1"/>
           </p:cNvSpPr>
@@ -1829,7 +4378,7 @@
           <a:p>
             <a:fld id="{75CBF9E7-8931-4FFA-8C8D-DFC5EDD38F3D}" type="datetimeFigureOut">
               <a:rPr lang="en-GB" smtClean="0"/>
-              <a:t>04/04/2018</a:t>
+              <a:t>22/05/2018</a:t>
             </a:fld>
             <a:endParaRPr lang="en-GB" dirty="0"/>
           </a:p>
@@ -1837,13 +4386,7 @@
       </p:sp>
       <p:sp>
         <p:nvSpPr>
-          <p:cNvPr id="8" name="Footer Placeholder 7">
-            <a:extLst>
-              <a:ext uri="{FF2B5EF4-FFF2-40B4-BE49-F238E27FC236}">
-                <a16:creationId xmlns:a16="http://schemas.microsoft.com/office/drawing/2014/main" id="{9AD76D6E-28B5-447E-85EA-0DA818BE1DF9}"/>
-              </a:ext>
-            </a:extLst>
-          </p:cNvPr>
+          <p:cNvPr id="8" name="Footer Placeholder 7"/>
           <p:cNvSpPr>
             <a:spLocks noGrp="1"/>
           </p:cNvSpPr>
@@ -1862,13 +4405,7 @@
       </p:sp>
       <p:sp>
         <p:nvSpPr>
-          <p:cNvPr id="9" name="Slide Number Placeholder 8">
-            <a:extLst>
-              <a:ext uri="{FF2B5EF4-FFF2-40B4-BE49-F238E27FC236}">
-                <a16:creationId xmlns:a16="http://schemas.microsoft.com/office/drawing/2014/main" id="{86E68563-B77E-4D6E-ACBB-16A5E521B42D}"/>
-              </a:ext>
-            </a:extLst>
-          </p:cNvPr>
+          <p:cNvPr id="9" name="Slide Number Placeholder 8"/>
           <p:cNvSpPr>
             <a:spLocks noGrp="1"/>
           </p:cNvSpPr>
@@ -1892,7 +4429,7 @@
     </p:spTree>
     <p:extLst>
       <p:ext uri="{BB962C8B-B14F-4D97-AF65-F5344CB8AC3E}">
-        <p14:creationId xmlns:p14="http://schemas.microsoft.com/office/powerpoint/2010/main" val="3964873919"/>
+        <p14:creationId xmlns:p14="http://schemas.microsoft.com/office/powerpoint/2010/main" val="1342955648"/>
       </p:ext>
     </p:extLst>
   </p:cSld>
@@ -1921,13 +4458,7 @@
       </p:grpSpPr>
       <p:sp>
         <p:nvSpPr>
-          <p:cNvPr id="2" name="Title 1">
-            <a:extLst>
-              <a:ext uri="{FF2B5EF4-FFF2-40B4-BE49-F238E27FC236}">
-                <a16:creationId xmlns:a16="http://schemas.microsoft.com/office/drawing/2014/main" id="{05F7DA21-7019-49FA-BC64-EEBDF51FF42A}"/>
-              </a:ext>
-            </a:extLst>
-          </p:cNvPr>
+          <p:cNvPr id="2" name="Title 1"/>
           <p:cNvSpPr>
             <a:spLocks noGrp="1"/>
           </p:cNvSpPr>
@@ -1944,19 +4475,13 @@
               <a:rPr lang="en-US"/>
               <a:t>Click to edit Master title style</a:t>
             </a:r>
-            <a:endParaRPr lang="en-GB"/>
-          </a:p>
-        </p:txBody>
-      </p:sp>
-      <p:sp>
-        <p:nvSpPr>
-          <p:cNvPr id="3" name="Date Placeholder 2">
-            <a:extLst>
-              <a:ext uri="{FF2B5EF4-FFF2-40B4-BE49-F238E27FC236}">
-                <a16:creationId xmlns:a16="http://schemas.microsoft.com/office/drawing/2014/main" id="{52C78B7F-A0C8-49EE-B2BE-A85EBC81ED3C}"/>
-              </a:ext>
-            </a:extLst>
-          </p:cNvPr>
+            <a:endParaRPr lang="en-US" dirty="0"/>
+          </a:p>
+        </p:txBody>
+      </p:sp>
+      <p:sp>
+        <p:nvSpPr>
+          <p:cNvPr id="7" name="Date Placeholder 2"/>
           <p:cNvSpPr>
             <a:spLocks noGrp="1"/>
           </p:cNvSpPr>
@@ -1971,7 +4496,7 @@
           <a:p>
             <a:fld id="{75CBF9E7-8931-4FFA-8C8D-DFC5EDD38F3D}" type="datetimeFigureOut">
               <a:rPr lang="en-GB" smtClean="0"/>
-              <a:t>04/04/2018</a:t>
+              <a:t>22/05/2018</a:t>
             </a:fld>
             <a:endParaRPr lang="en-GB" dirty="0"/>
           </a:p>
@@ -1979,13 +4504,7 @@
       </p:sp>
       <p:sp>
         <p:nvSpPr>
-          <p:cNvPr id="4" name="Footer Placeholder 3">
-            <a:extLst>
-              <a:ext uri="{FF2B5EF4-FFF2-40B4-BE49-F238E27FC236}">
-                <a16:creationId xmlns:a16="http://schemas.microsoft.com/office/drawing/2014/main" id="{9A40D503-C360-4FCB-96F4-6F16EE57F6B4}"/>
-              </a:ext>
-            </a:extLst>
-          </p:cNvPr>
+          <p:cNvPr id="5" name="Footer Placeholder 3"/>
           <p:cNvSpPr>
             <a:spLocks noGrp="1"/>
           </p:cNvSpPr>
@@ -2004,13 +4523,7 @@
       </p:sp>
       <p:sp>
         <p:nvSpPr>
-          <p:cNvPr id="5" name="Slide Number Placeholder 4">
-            <a:extLst>
-              <a:ext uri="{FF2B5EF4-FFF2-40B4-BE49-F238E27FC236}">
-                <a16:creationId xmlns:a16="http://schemas.microsoft.com/office/drawing/2014/main" id="{F6222698-2AFE-4436-B272-02711B67344D}"/>
-              </a:ext>
-            </a:extLst>
-          </p:cNvPr>
+          <p:cNvPr id="6" name="Slide Number Placeholder 4"/>
           <p:cNvSpPr>
             <a:spLocks noGrp="1"/>
           </p:cNvSpPr>
@@ -2034,7 +4547,7 @@
     </p:spTree>
     <p:extLst>
       <p:ext uri="{BB962C8B-B14F-4D97-AF65-F5344CB8AC3E}">
-        <p14:creationId xmlns:p14="http://schemas.microsoft.com/office/powerpoint/2010/main" val="2944892632"/>
+        <p14:creationId xmlns:p14="http://schemas.microsoft.com/office/powerpoint/2010/main" val="3384824121"/>
       </p:ext>
     </p:extLst>
   </p:cSld>
@@ -2063,13 +4576,7 @@
       </p:grpSpPr>
       <p:sp>
         <p:nvSpPr>
-          <p:cNvPr id="2" name="Date Placeholder 1">
-            <a:extLst>
-              <a:ext uri="{FF2B5EF4-FFF2-40B4-BE49-F238E27FC236}">
-                <a16:creationId xmlns:a16="http://schemas.microsoft.com/office/drawing/2014/main" id="{7AE7B3D5-A92C-4B66-8C5D-8DDEBEC9458E}"/>
-              </a:ext>
-            </a:extLst>
-          </p:cNvPr>
+          <p:cNvPr id="7" name="Date Placeholder 1"/>
           <p:cNvSpPr>
             <a:spLocks noGrp="1"/>
           </p:cNvSpPr>
@@ -2084,7 +4591,7 @@
           <a:p>
             <a:fld id="{75CBF9E7-8931-4FFA-8C8D-DFC5EDD38F3D}" type="datetimeFigureOut">
               <a:rPr lang="en-GB" smtClean="0"/>
-              <a:t>04/04/2018</a:t>
+              <a:t>22/05/2018</a:t>
             </a:fld>
             <a:endParaRPr lang="en-GB" dirty="0"/>
           </a:p>
@@ -2092,13 +4599,7 @@
       </p:sp>
       <p:sp>
         <p:nvSpPr>
-          <p:cNvPr id="3" name="Footer Placeholder 2">
-            <a:extLst>
-              <a:ext uri="{FF2B5EF4-FFF2-40B4-BE49-F238E27FC236}">
-                <a16:creationId xmlns:a16="http://schemas.microsoft.com/office/drawing/2014/main" id="{D7F08032-D9CF-496F-85BB-0AED474F7D19}"/>
-              </a:ext>
-            </a:extLst>
-          </p:cNvPr>
+          <p:cNvPr id="5" name="Footer Placeholder 2"/>
           <p:cNvSpPr>
             <a:spLocks noGrp="1"/>
           </p:cNvSpPr>
@@ -2117,13 +4618,7 @@
       </p:sp>
       <p:sp>
         <p:nvSpPr>
-          <p:cNvPr id="4" name="Slide Number Placeholder 3">
-            <a:extLst>
-              <a:ext uri="{FF2B5EF4-FFF2-40B4-BE49-F238E27FC236}">
-                <a16:creationId xmlns:a16="http://schemas.microsoft.com/office/drawing/2014/main" id="{01F9DA2F-72A6-41B7-8687-003204D8C161}"/>
-              </a:ext>
-            </a:extLst>
-          </p:cNvPr>
+          <p:cNvPr id="6" name="Slide Number Placeholder 3"/>
           <p:cNvSpPr>
             <a:spLocks noGrp="1"/>
           </p:cNvSpPr>
@@ -2147,7 +4642,7 @@
     </p:spTree>
     <p:extLst>
       <p:ext uri="{BB962C8B-B14F-4D97-AF65-F5344CB8AC3E}">
-        <p14:creationId xmlns:p14="http://schemas.microsoft.com/office/powerpoint/2010/main" val="1144898092"/>
+        <p14:creationId xmlns:p14="http://schemas.microsoft.com/office/powerpoint/2010/main" val="2016379403"/>
       </p:ext>
     </p:extLst>
   </p:cSld>
@@ -2176,13 +4671,7 @@
       </p:grpSpPr>
       <p:sp>
         <p:nvSpPr>
-          <p:cNvPr id="2" name="Title 1">
-            <a:extLst>
-              <a:ext uri="{FF2B5EF4-FFF2-40B4-BE49-F238E27FC236}">
-                <a16:creationId xmlns:a16="http://schemas.microsoft.com/office/drawing/2014/main" id="{EF4D56C0-347A-4A0C-A4E3-950BE589B348}"/>
-              </a:ext>
-            </a:extLst>
-          </p:cNvPr>
+          <p:cNvPr id="2" name="Title 1"/>
           <p:cNvSpPr>
             <a:spLocks noGrp="1"/>
           </p:cNvSpPr>
@@ -2192,15 +4681,15 @@
         </p:nvSpPr>
         <p:spPr>
           <a:xfrm>
-            <a:off x="839788" y="457200"/>
-            <a:ext cx="3932237" cy="1600200"/>
+            <a:off x="1154953" y="1447800"/>
+            <a:ext cx="3401064" cy="1447800"/>
           </a:xfrm>
         </p:spPr>
         <p:txBody>
           <a:bodyPr anchor="b"/>
           <a:lstStyle>
-            <a:lvl1pPr>
-              <a:defRPr sz="3200"/>
+            <a:lvl1pPr algn="l">
+              <a:defRPr sz="2400" b="0"/>
             </a:lvl1pPr>
           </a:lstStyle>
           <a:p>
@@ -2208,19 +4697,13 @@
               <a:rPr lang="en-US"/>
               <a:t>Click to edit Master title style</a:t>
             </a:r>
-            <a:endParaRPr lang="en-GB"/>
-          </a:p>
-        </p:txBody>
-      </p:sp>
-      <p:sp>
-        <p:nvSpPr>
-          <p:cNvPr id="3" name="Content Placeholder 2">
-            <a:extLst>
-              <a:ext uri="{FF2B5EF4-FFF2-40B4-BE49-F238E27FC236}">
-                <a16:creationId xmlns:a16="http://schemas.microsoft.com/office/drawing/2014/main" id="{9B347438-5970-4135-968F-4EB45A03E685}"/>
-              </a:ext>
-            </a:extLst>
-          </p:cNvPr>
+            <a:endParaRPr lang="en-US" dirty="0"/>
+          </a:p>
+        </p:txBody>
+      </p:sp>
+      <p:sp>
+        <p:nvSpPr>
+          <p:cNvPr id="3" name="Content Placeholder 2"/>
           <p:cNvSpPr>
             <a:spLocks noGrp="1"/>
           </p:cNvSpPr>
@@ -2230,39 +4713,41 @@
         </p:nvSpPr>
         <p:spPr>
           <a:xfrm>
-            <a:off x="5183188" y="987425"/>
-            <a:ext cx="6172200" cy="4873625"/>
-          </a:xfrm>
-        </p:spPr>
-        <p:txBody>
-          <a:bodyPr/>
+            <a:off x="4784616" y="1447800"/>
+            <a:ext cx="5195997" cy="4572000"/>
+          </a:xfrm>
+        </p:spPr>
+        <p:txBody>
+          <a:bodyPr anchor="ctr">
+            <a:normAutofit/>
+          </a:bodyPr>
           <a:lstStyle>
             <a:lvl1pPr>
-              <a:defRPr sz="3200"/>
+              <a:defRPr sz="2000"/>
             </a:lvl1pPr>
             <a:lvl2pPr>
-              <a:defRPr sz="2800"/>
+              <a:defRPr sz="1800"/>
             </a:lvl2pPr>
             <a:lvl3pPr>
-              <a:defRPr sz="2400"/>
+              <a:defRPr sz="1600"/>
             </a:lvl3pPr>
             <a:lvl4pPr>
-              <a:defRPr sz="2000"/>
+              <a:defRPr sz="1400"/>
             </a:lvl4pPr>
             <a:lvl5pPr>
-              <a:defRPr sz="2000"/>
+              <a:defRPr sz="1400"/>
             </a:lvl5pPr>
             <a:lvl6pPr>
-              <a:defRPr sz="2000"/>
+              <a:defRPr sz="1400"/>
             </a:lvl6pPr>
             <a:lvl7pPr>
-              <a:defRPr sz="2000"/>
+              <a:defRPr sz="1400"/>
             </a:lvl7pPr>
             <a:lvl8pPr>
-              <a:defRPr sz="2000"/>
+              <a:defRPr sz="1400"/>
             </a:lvl8pPr>
             <a:lvl9pPr>
-              <a:defRPr sz="2000"/>
+              <a:defRPr sz="1400"/>
             </a:lvl9pPr>
           </a:lstStyle>
           <a:p>
@@ -2299,19 +4784,13 @@
               <a:rPr lang="en-US"/>
               <a:t>Fifth level</a:t>
             </a:r>
-            <a:endParaRPr lang="en-GB"/>
-          </a:p>
-        </p:txBody>
-      </p:sp>
-      <p:sp>
-        <p:nvSpPr>
-          <p:cNvPr id="4" name="Text Placeholder 3">
-            <a:extLst>
-              <a:ext uri="{FF2B5EF4-FFF2-40B4-BE49-F238E27FC236}">
-                <a16:creationId xmlns:a16="http://schemas.microsoft.com/office/drawing/2014/main" id="{E11683ED-F0EA-4446-AF67-08F13FF6831F}"/>
-              </a:ext>
-            </a:extLst>
-          </p:cNvPr>
+            <a:endParaRPr lang="en-US" dirty="0"/>
+          </a:p>
+        </p:txBody>
+      </p:sp>
+      <p:sp>
+        <p:nvSpPr>
+          <p:cNvPr id="4" name="Text Placeholder 3"/>
           <p:cNvSpPr>
             <a:spLocks noGrp="1"/>
           </p:cNvSpPr>
@@ -2321,8 +4800,8 @@
         </p:nvSpPr>
         <p:spPr>
           <a:xfrm>
-            <a:off x="839788" y="2057400"/>
-            <a:ext cx="3932237" cy="3811588"/>
+            <a:off x="1154953" y="3129280"/>
+            <a:ext cx="3401063" cy="2895599"/>
           </a:xfrm>
         </p:spPr>
         <p:txBody>
@@ -2330,39 +4809,39 @@
           <a:lstStyle>
             <a:lvl1pPr marL="0" indent="0">
               <a:buNone/>
-              <a:defRPr sz="1600"/>
+              <a:defRPr sz="1400"/>
             </a:lvl1pPr>
             <a:lvl2pPr marL="457200" indent="0">
               <a:buNone/>
-              <a:defRPr sz="1400"/>
+              <a:defRPr sz="1200"/>
             </a:lvl2pPr>
             <a:lvl3pPr marL="914400" indent="0">
               <a:buNone/>
-              <a:defRPr sz="1200"/>
+              <a:defRPr sz="1000"/>
             </a:lvl3pPr>
             <a:lvl4pPr marL="1371600" indent="0">
               <a:buNone/>
-              <a:defRPr sz="1000"/>
+              <a:defRPr sz="900"/>
             </a:lvl4pPr>
             <a:lvl5pPr marL="1828800" indent="0">
               <a:buNone/>
-              <a:defRPr sz="1000"/>
+              <a:defRPr sz="900"/>
             </a:lvl5pPr>
             <a:lvl6pPr marL="2286000" indent="0">
               <a:buNone/>
-              <a:defRPr sz="1000"/>
+              <a:defRPr sz="900"/>
             </a:lvl6pPr>
             <a:lvl7pPr marL="2743200" indent="0">
               <a:buNone/>
-              <a:defRPr sz="1000"/>
+              <a:defRPr sz="900"/>
             </a:lvl7pPr>
             <a:lvl8pPr marL="3200400" indent="0">
               <a:buNone/>
-              <a:defRPr sz="1000"/>
+              <a:defRPr sz="900"/>
             </a:lvl8pPr>
             <a:lvl9pPr marL="3657600" indent="0">
               <a:buNone/>
-              <a:defRPr sz="1000"/>
+              <a:defRPr sz="900"/>
             </a:lvl9pPr>
           </a:lstStyle>
           <a:p>
@@ -2376,13 +4855,7 @@
       </p:sp>
       <p:sp>
         <p:nvSpPr>
-          <p:cNvPr id="5" name="Date Placeholder 4">
-            <a:extLst>
-              <a:ext uri="{FF2B5EF4-FFF2-40B4-BE49-F238E27FC236}">
-                <a16:creationId xmlns:a16="http://schemas.microsoft.com/office/drawing/2014/main" id="{FCCB2530-951F-4DB1-98A7-1F430E6CB3B1}"/>
-              </a:ext>
-            </a:extLst>
-          </p:cNvPr>
+          <p:cNvPr id="7" name="Date Placeholder 4"/>
           <p:cNvSpPr>
             <a:spLocks noGrp="1"/>
           </p:cNvSpPr>
@@ -2397,7 +4870,7 @@
           <a:p>
             <a:fld id="{75CBF9E7-8931-4FFA-8C8D-DFC5EDD38F3D}" type="datetimeFigureOut">
               <a:rPr lang="en-GB" smtClean="0"/>
-              <a:t>04/04/2018</a:t>
+              <a:t>22/05/2018</a:t>
             </a:fld>
             <a:endParaRPr lang="en-GB" dirty="0"/>
           </a:p>
@@ -2405,13 +4878,7 @@
       </p:sp>
       <p:sp>
         <p:nvSpPr>
-          <p:cNvPr id="6" name="Footer Placeholder 5">
-            <a:extLst>
-              <a:ext uri="{FF2B5EF4-FFF2-40B4-BE49-F238E27FC236}">
-                <a16:creationId xmlns:a16="http://schemas.microsoft.com/office/drawing/2014/main" id="{76C20244-4A78-463C-BDAE-A084B1FCB6B5}"/>
-              </a:ext>
-            </a:extLst>
-          </p:cNvPr>
+          <p:cNvPr id="5" name="Footer Placeholder 5"/>
           <p:cNvSpPr>
             <a:spLocks noGrp="1"/>
           </p:cNvSpPr>
@@ -2430,13 +4897,7 @@
       </p:sp>
       <p:sp>
         <p:nvSpPr>
-          <p:cNvPr id="7" name="Slide Number Placeholder 6">
-            <a:extLst>
-              <a:ext uri="{FF2B5EF4-FFF2-40B4-BE49-F238E27FC236}">
-                <a16:creationId xmlns:a16="http://schemas.microsoft.com/office/drawing/2014/main" id="{307CC884-40C3-4E9A-92F9-86EA1091650B}"/>
-              </a:ext>
-            </a:extLst>
-          </p:cNvPr>
+          <p:cNvPr id="6" name="Slide Number Placeholder 6"/>
           <p:cNvSpPr>
             <a:spLocks noGrp="1"/>
           </p:cNvSpPr>
@@ -2460,7 +4921,7 @@
     </p:spTree>
     <p:extLst>
       <p:ext uri="{BB962C8B-B14F-4D97-AF65-F5344CB8AC3E}">
-        <p14:creationId xmlns:p14="http://schemas.microsoft.com/office/powerpoint/2010/main" val="570873261"/>
+        <p14:creationId xmlns:p14="http://schemas.microsoft.com/office/powerpoint/2010/main" val="3105952193"/>
       </p:ext>
     </p:extLst>
   </p:cSld>
@@ -2489,13 +4950,7 @@
       </p:grpSpPr>
       <p:sp>
         <p:nvSpPr>
-          <p:cNvPr id="2" name="Title 1">
-            <a:extLst>
-              <a:ext uri="{FF2B5EF4-FFF2-40B4-BE49-F238E27FC236}">
-                <a16:creationId xmlns:a16="http://schemas.microsoft.com/office/drawing/2014/main" id="{95DAA98B-2380-4A33-9805-5394F63E2F37}"/>
-              </a:ext>
-            </a:extLst>
-          </p:cNvPr>
+          <p:cNvPr id="2" name="Title 1"/>
           <p:cNvSpPr>
             <a:spLocks noGrp="1"/>
           </p:cNvSpPr>
@@ -2505,15 +4960,17 @@
         </p:nvSpPr>
         <p:spPr>
           <a:xfrm>
-            <a:off x="839788" y="457200"/>
-            <a:ext cx="3932237" cy="1600200"/>
-          </a:xfrm>
-        </p:spPr>
-        <p:txBody>
-          <a:bodyPr anchor="b"/>
+            <a:off x="1153907" y="1854192"/>
+            <a:ext cx="5092906" cy="1574808"/>
+          </a:xfrm>
+        </p:spPr>
+        <p:txBody>
+          <a:bodyPr anchor="b">
+            <a:normAutofit/>
+          </a:bodyPr>
           <a:lstStyle>
-            <a:lvl1pPr>
-              <a:defRPr sz="3200"/>
+            <a:lvl1pPr algn="l">
+              <a:defRPr sz="3600" b="0"/>
             </a:lvl1pPr>
           </a:lstStyle>
           <a:p>
@@ -2521,21 +4978,15 @@
               <a:rPr lang="en-US"/>
               <a:t>Click to edit Master title style</a:t>
             </a:r>
-            <a:endParaRPr lang="en-GB"/>
-          </a:p>
-        </p:txBody>
-      </p:sp>
-      <p:sp>
-        <p:nvSpPr>
-          <p:cNvPr id="3" name="Picture Placeholder 2">
-            <a:extLst>
-              <a:ext uri="{FF2B5EF4-FFF2-40B4-BE49-F238E27FC236}">
-                <a16:creationId xmlns:a16="http://schemas.microsoft.com/office/drawing/2014/main" id="{00DA6C4A-791D-4F74-972D-B2F1F0AB755E}"/>
-              </a:ext>
-            </a:extLst>
-          </p:cNvPr>
-          <p:cNvSpPr>
-            <a:spLocks noGrp="1"/>
+            <a:endParaRPr lang="en-US" dirty="0"/>
+          </a:p>
+        </p:txBody>
+      </p:sp>
+      <p:sp>
+        <p:nvSpPr>
+          <p:cNvPr id="3" name="Picture Placeholder 2"/>
+          <p:cNvSpPr>
+            <a:spLocks noGrp="1" noChangeAspect="1"/>
           </p:cNvSpPr>
           <p:nvPr>
             <p:ph type="pic" idx="1"/>
@@ -2543,118 +4994,132 @@
         </p:nvSpPr>
         <p:spPr>
           <a:xfrm>
-            <a:off x="5183188" y="987425"/>
-            <a:ext cx="6172200" cy="4873625"/>
-          </a:xfrm>
-        </p:spPr>
-        <p:txBody>
-          <a:bodyPr/>
+            <a:off x="6949546" y="1143000"/>
+            <a:ext cx="3200400" cy="4572000"/>
+          </a:xfrm>
+          <a:prstGeom prst="roundRect">
+            <a:avLst>
+              <a:gd name="adj" fmla="val 1858"/>
+            </a:avLst>
+          </a:prstGeom>
+          <a:effectLst>
+            <a:outerShdw blurRad="50800" dist="50800" dir="5400000" algn="tl" rotWithShape="0">
+              <a:srgbClr val="000000">
+                <a:alpha val="43000"/>
+              </a:srgbClr>
+            </a:outerShdw>
+          </a:effectLst>
+        </p:spPr>
+        <p:txBody>
+          <a:bodyPr anchor="t">
+            <a:normAutofit/>
+          </a:bodyPr>
           <a:lstStyle>
-            <a:lvl1pPr marL="0" indent="0">
-              <a:buNone/>
-              <a:defRPr sz="3200"/>
-            </a:lvl1pPr>
-            <a:lvl2pPr marL="457200" indent="0">
-              <a:buNone/>
-              <a:defRPr sz="2800"/>
-            </a:lvl2pPr>
-            <a:lvl3pPr marL="914400" indent="0">
-              <a:buNone/>
-              <a:defRPr sz="2400"/>
-            </a:lvl3pPr>
-            <a:lvl4pPr marL="1371600" indent="0">
-              <a:buNone/>
-              <a:defRPr sz="2000"/>
-            </a:lvl4pPr>
-            <a:lvl5pPr marL="1828800" indent="0">
-              <a:buNone/>
-              <a:defRPr sz="2000"/>
-            </a:lvl5pPr>
-            <a:lvl6pPr marL="2286000" indent="0">
-              <a:buNone/>
-              <a:defRPr sz="2000"/>
-            </a:lvl6pPr>
-            <a:lvl7pPr marL="2743200" indent="0">
-              <a:buNone/>
-              <a:defRPr sz="2000"/>
-            </a:lvl7pPr>
-            <a:lvl8pPr marL="3200400" indent="0">
-              <a:buNone/>
-              <a:defRPr sz="2000"/>
-            </a:lvl8pPr>
-            <a:lvl9pPr marL="3657600" indent="0">
-              <a:buNone/>
-              <a:defRPr sz="2000"/>
-            </a:lvl9pPr>
-          </a:lstStyle>
-          <a:p>
-            <a:endParaRPr lang="en-GB" dirty="0"/>
-          </a:p>
-        </p:txBody>
-      </p:sp>
-      <p:sp>
-        <p:nvSpPr>
-          <p:cNvPr id="4" name="Text Placeholder 3">
-            <a:extLst>
-              <a:ext uri="{FF2B5EF4-FFF2-40B4-BE49-F238E27FC236}">
-                <a16:creationId xmlns:a16="http://schemas.microsoft.com/office/drawing/2014/main" id="{F2EB858B-F1E4-4AB1-8CBB-170AB5EE2A7E}"/>
-              </a:ext>
-            </a:extLst>
-          </p:cNvPr>
-          <p:cNvSpPr>
-            <a:spLocks noGrp="1"/>
-          </p:cNvSpPr>
-          <p:nvPr>
-            <p:ph type="body" sz="half" idx="2"/>
-          </p:nvPr>
-        </p:nvSpPr>
-        <p:spPr>
-          <a:xfrm>
-            <a:off x="839788" y="2057400"/>
-            <a:ext cx="3932237" cy="3811588"/>
-          </a:xfrm>
-        </p:spPr>
-        <p:txBody>
-          <a:bodyPr/>
-          <a:lstStyle>
-            <a:lvl1pPr marL="0" indent="0">
+            <a:lvl1pPr marL="0" indent="0" algn="ctr">
               <a:buNone/>
               <a:defRPr sz="1600"/>
             </a:lvl1pPr>
             <a:lvl2pPr marL="457200" indent="0">
               <a:buNone/>
-              <a:defRPr sz="1400"/>
+              <a:defRPr sz="1600"/>
             </a:lvl2pPr>
             <a:lvl3pPr marL="914400" indent="0">
               <a:buNone/>
-              <a:defRPr sz="1200"/>
+              <a:defRPr sz="1600"/>
             </a:lvl3pPr>
             <a:lvl4pPr marL="1371600" indent="0">
               <a:buNone/>
-              <a:defRPr sz="1000"/>
+              <a:defRPr sz="1600"/>
             </a:lvl4pPr>
             <a:lvl5pPr marL="1828800" indent="0">
               <a:buNone/>
-              <a:defRPr sz="1000"/>
+              <a:defRPr sz="1600"/>
             </a:lvl5pPr>
             <a:lvl6pPr marL="2286000" indent="0">
               <a:buNone/>
-              <a:defRPr sz="1000"/>
+              <a:defRPr sz="1600"/>
             </a:lvl6pPr>
             <a:lvl7pPr marL="2743200" indent="0">
               <a:buNone/>
-              <a:defRPr sz="1000"/>
+              <a:defRPr sz="1600"/>
             </a:lvl7pPr>
             <a:lvl8pPr marL="3200400" indent="0">
               <a:buNone/>
-              <a:defRPr sz="1000"/>
+              <a:defRPr sz="1600"/>
             </a:lvl8pPr>
             <a:lvl9pPr marL="3657600" indent="0">
               <a:buNone/>
-              <a:defRPr sz="1000"/>
+              <a:defRPr sz="1600"/>
             </a:lvl9pPr>
           </a:lstStyle>
           <a:p>
+            <a:r>
+              <a:rPr lang="en-US"/>
+              <a:t>Click icon to add picture</a:t>
+            </a:r>
+            <a:endParaRPr lang="en-US" dirty="0"/>
+          </a:p>
+        </p:txBody>
+      </p:sp>
+      <p:sp>
+        <p:nvSpPr>
+          <p:cNvPr id="4" name="Text Placeholder 3"/>
+          <p:cNvSpPr>
+            <a:spLocks noGrp="1"/>
+          </p:cNvSpPr>
+          <p:nvPr>
+            <p:ph type="body" sz="half" idx="2"/>
+          </p:nvPr>
+        </p:nvSpPr>
+        <p:spPr>
+          <a:xfrm>
+            <a:off x="1154954" y="3657600"/>
+            <a:ext cx="5084979" cy="1371600"/>
+          </a:xfrm>
+        </p:spPr>
+        <p:txBody>
+          <a:bodyPr>
+            <a:normAutofit/>
+          </a:bodyPr>
+          <a:lstStyle>
+            <a:lvl1pPr marL="0" indent="0">
+              <a:buNone/>
+              <a:defRPr sz="1400"/>
+            </a:lvl1pPr>
+            <a:lvl2pPr marL="457200" indent="0">
+              <a:buNone/>
+              <a:defRPr sz="1200"/>
+            </a:lvl2pPr>
+            <a:lvl3pPr marL="914400" indent="0">
+              <a:buNone/>
+              <a:defRPr sz="1000"/>
+            </a:lvl3pPr>
+            <a:lvl4pPr marL="1371600" indent="0">
+              <a:buNone/>
+              <a:defRPr sz="900"/>
+            </a:lvl4pPr>
+            <a:lvl5pPr marL="1828800" indent="0">
+              <a:buNone/>
+              <a:defRPr sz="900"/>
+            </a:lvl5pPr>
+            <a:lvl6pPr marL="2286000" indent="0">
+              <a:buNone/>
+              <a:defRPr sz="900"/>
+            </a:lvl6pPr>
+            <a:lvl7pPr marL="2743200" indent="0">
+              <a:buNone/>
+              <a:defRPr sz="900"/>
+            </a:lvl7pPr>
+            <a:lvl8pPr marL="3200400" indent="0">
+              <a:buNone/>
+              <a:defRPr sz="900"/>
+            </a:lvl8pPr>
+            <a:lvl9pPr marL="3657600" indent="0">
+              <a:buNone/>
+              <a:defRPr sz="900"/>
+            </a:lvl9pPr>
+          </a:lstStyle>
+          <a:p>
             <a:pPr lvl="0"/>
             <a:r>
               <a:rPr lang="en-US"/>
@@ -2665,13 +5130,7 @@
       </p:sp>
       <p:sp>
         <p:nvSpPr>
-          <p:cNvPr id="5" name="Date Placeholder 4">
-            <a:extLst>
-              <a:ext uri="{FF2B5EF4-FFF2-40B4-BE49-F238E27FC236}">
-                <a16:creationId xmlns:a16="http://schemas.microsoft.com/office/drawing/2014/main" id="{5690EC9A-4144-4431-9473-D3F156E503C5}"/>
-              </a:ext>
-            </a:extLst>
-          </p:cNvPr>
+          <p:cNvPr id="5" name="Date Placeholder 4"/>
           <p:cNvSpPr>
             <a:spLocks noGrp="1"/>
           </p:cNvSpPr>
@@ -2686,7 +5145,7 @@
           <a:p>
             <a:fld id="{75CBF9E7-8931-4FFA-8C8D-DFC5EDD38F3D}" type="datetimeFigureOut">
               <a:rPr lang="en-GB" smtClean="0"/>
-              <a:t>04/04/2018</a:t>
+              <a:t>22/05/2018</a:t>
             </a:fld>
             <a:endParaRPr lang="en-GB" dirty="0"/>
           </a:p>
@@ -2694,13 +5153,7 @@
       </p:sp>
       <p:sp>
         <p:nvSpPr>
-          <p:cNvPr id="6" name="Footer Placeholder 5">
-            <a:extLst>
-              <a:ext uri="{FF2B5EF4-FFF2-40B4-BE49-F238E27FC236}">
-                <a16:creationId xmlns:a16="http://schemas.microsoft.com/office/drawing/2014/main" id="{37BB643A-82FA-49A9-950A-8B6DF8BE208D}"/>
-              </a:ext>
-            </a:extLst>
-          </p:cNvPr>
+          <p:cNvPr id="6" name="Footer Placeholder 5"/>
           <p:cNvSpPr>
             <a:spLocks noGrp="1"/>
           </p:cNvSpPr>
@@ -2719,13 +5172,7 @@
       </p:sp>
       <p:sp>
         <p:nvSpPr>
-          <p:cNvPr id="7" name="Slide Number Placeholder 6">
-            <a:extLst>
-              <a:ext uri="{FF2B5EF4-FFF2-40B4-BE49-F238E27FC236}">
-                <a16:creationId xmlns:a16="http://schemas.microsoft.com/office/drawing/2014/main" id="{B95C5A48-AE84-47AB-9612-11555A1A3538}"/>
-              </a:ext>
-            </a:extLst>
-          </p:cNvPr>
+          <p:cNvPr id="7" name="Slide Number Placeholder 6"/>
           <p:cNvSpPr>
             <a:spLocks noGrp="1"/>
           </p:cNvSpPr>
@@ -2749,7 +5196,7 @@
     </p:spTree>
     <p:extLst>
       <p:ext uri="{BB962C8B-B14F-4D97-AF65-F5344CB8AC3E}">
-        <p14:creationId xmlns:p14="http://schemas.microsoft.com/office/powerpoint/2010/main" val="2375107756"/>
+        <p14:creationId xmlns:p14="http://schemas.microsoft.com/office/powerpoint/2010/main" val="3068934926"/>
       </p:ext>
     </p:extLst>
   </p:cSld>
@@ -2763,8 +5210,8 @@
 <p:sldMaster xmlns:a="http://schemas.openxmlformats.org/drawingml/2006/main" xmlns:r="http://schemas.openxmlformats.org/officeDocument/2006/relationships" xmlns:p="http://schemas.openxmlformats.org/presentationml/2006/main">
   <p:cSld>
     <p:bg>
-      <p:bgRef idx="1001">
-        <a:schemeClr val="bg1"/>
+      <p:bgRef idx="1003">
+        <a:schemeClr val="bg2"/>
       </p:bgRef>
     </p:bg>
     <p:spTree>
@@ -2781,70 +5228,273 @@
           <a:chExt cx="0" cy="0"/>
         </a:xfrm>
       </p:grpSpPr>
-      <p:sp>
-        <p:nvSpPr>
-          <p:cNvPr id="2" name="Title Placeholder 1">
+      <p:pic>
+        <p:nvPicPr>
+          <p:cNvPr id="8" name="Picture 7"/>
+          <p:cNvPicPr>
+            <a:picLocks noChangeAspect="1"/>
+          </p:cNvPicPr>
+          <p:nvPr/>
+        </p:nvPicPr>
+        <p:blipFill rotWithShape="1">
+          <a:blip r:embed="rId19">
             <a:extLst>
-              <a:ext uri="{FF2B5EF4-FFF2-40B4-BE49-F238E27FC236}">
-                <a16:creationId xmlns:a16="http://schemas.microsoft.com/office/drawing/2014/main" id="{02079DB3-CDCE-4F76-A64E-2A7D5B106A88}"/>
+              <a:ext uri="{28A0092B-C50C-407E-A947-70E740481C1C}">
+                <a14:useLocalDpi xmlns:a14="http://schemas.microsoft.com/office/drawing/2010/main" val="0"/>
               </a:ext>
             </a:extLst>
-          </p:cNvPr>
-          <p:cNvSpPr>
-            <a:spLocks noGrp="1"/>
-          </p:cNvSpPr>
-          <p:nvPr>
-            <p:ph type="title"/>
-          </p:nvPr>
-        </p:nvSpPr>
-        <p:spPr>
-          <a:xfrm>
-            <a:off x="838200" y="365125"/>
-            <a:ext cx="10515600" cy="1325563"/>
+          </a:blip>
+          <a:srcRect l="3613"/>
+          <a:stretch/>
+        </p:blipFill>
+        <p:spPr>
+          <a:xfrm>
+            <a:off x="0" y="2669685"/>
+            <a:ext cx="4037012" cy="4188315"/>
           </a:xfrm>
           <a:prstGeom prst="rect">
             <a:avLst/>
           </a:prstGeom>
         </p:spPr>
-        <p:txBody>
-          <a:bodyPr vert="horz" lIns="91440" tIns="45720" rIns="91440" bIns="45720" rtlCol="0" anchor="ctr">
-            <a:normAutofit/>
-          </a:bodyPr>
-          <a:lstStyle/>
-          <a:p>
-            <a:r>
-              <a:rPr lang="en-US"/>
-              <a:t>Click to edit Master title style</a:t>
-            </a:r>
-            <a:endParaRPr lang="en-GB"/>
-          </a:p>
-        </p:txBody>
-      </p:sp>
-      <p:sp>
-        <p:nvSpPr>
-          <p:cNvPr id="3" name="Text Placeholder 2">
+      </p:pic>
+      <p:pic>
+        <p:nvPicPr>
+          <p:cNvPr id="7" name="Picture 6"/>
+          <p:cNvPicPr>
+            <a:picLocks noChangeAspect="1"/>
+          </p:cNvPicPr>
+          <p:nvPr/>
+        </p:nvPicPr>
+        <p:blipFill rotWithShape="1">
+          <a:blip r:embed="rId20">
             <a:extLst>
-              <a:ext uri="{FF2B5EF4-FFF2-40B4-BE49-F238E27FC236}">
-                <a16:creationId xmlns:a16="http://schemas.microsoft.com/office/drawing/2014/main" id="{99EB7989-FB1D-4983-B3D5-68521ADC5BA8}"/>
+              <a:ext uri="{28A0092B-C50C-407E-A947-70E740481C1C}">
+                <a14:useLocalDpi xmlns:a14="http://schemas.microsoft.com/office/drawing/2010/main" val="0"/>
               </a:ext>
             </a:extLst>
-          </p:cNvPr>
-          <p:cNvSpPr>
-            <a:spLocks noGrp="1"/>
-          </p:cNvSpPr>
-          <p:nvPr>
-            <p:ph type="body" idx="1"/>
-          </p:nvPr>
-        </p:nvSpPr>
-        <p:spPr>
-          <a:xfrm>
-            <a:off x="838200" y="1825625"/>
-            <a:ext cx="10515600" cy="4351338"/>
+          </a:blip>
+          <a:srcRect l="35640"/>
+          <a:stretch/>
+        </p:blipFill>
+        <p:spPr>
+          <a:xfrm>
+            <a:off x="0" y="2892347"/>
+            <a:ext cx="1522412" cy="2365453"/>
           </a:xfrm>
           <a:prstGeom prst="rect">
             <a:avLst/>
           </a:prstGeom>
         </p:spPr>
+      </p:pic>
+      <p:sp>
+        <p:nvSpPr>
+          <p:cNvPr id="16" name="Oval 15"/>
+          <p:cNvSpPr/>
+          <p:nvPr/>
+        </p:nvSpPr>
+        <p:spPr>
+          <a:xfrm>
+            <a:off x="8609012" y="1676400"/>
+            <a:ext cx="2819400" cy="2819400"/>
+          </a:xfrm>
+          <a:prstGeom prst="ellipse">
+            <a:avLst/>
+          </a:prstGeom>
+          <a:gradFill flip="none" rotWithShape="1">
+            <a:gsLst>
+              <a:gs pos="0">
+                <a:schemeClr val="bg2">
+                  <a:lumMod val="60000"/>
+                  <a:lumOff val="40000"/>
+                  <a:alpha val="7000"/>
+                </a:schemeClr>
+              </a:gs>
+              <a:gs pos="69000">
+                <a:schemeClr val="bg2">
+                  <a:lumMod val="60000"/>
+                  <a:lumOff val="40000"/>
+                  <a:alpha val="0"/>
+                </a:schemeClr>
+              </a:gs>
+              <a:gs pos="36000">
+                <a:schemeClr val="bg2">
+                  <a:lumMod val="60000"/>
+                  <a:lumOff val="40000"/>
+                  <a:alpha val="6000"/>
+                </a:schemeClr>
+              </a:gs>
+            </a:gsLst>
+            <a:path path="circle">
+              <a:fillToRect l="50000" t="50000" r="50000" b="50000"/>
+            </a:path>
+            <a:tileRect/>
+          </a:gradFill>
+          <a:ln>
+            <a:noFill/>
+          </a:ln>
+          <a:effectLst/>
+        </p:spPr>
+        <p:style>
+          <a:lnRef idx="1">
+            <a:schemeClr val="accent1"/>
+          </a:lnRef>
+          <a:fillRef idx="3">
+            <a:schemeClr val="accent1"/>
+          </a:fillRef>
+          <a:effectRef idx="2">
+            <a:schemeClr val="accent1"/>
+          </a:effectRef>
+          <a:fontRef idx="minor">
+            <a:schemeClr val="lt1"/>
+          </a:fontRef>
+        </p:style>
+      </p:sp>
+      <p:pic>
+        <p:nvPicPr>
+          <p:cNvPr id="9" name="Picture 8"/>
+          <p:cNvPicPr>
+            <a:picLocks noChangeAspect="1"/>
+          </p:cNvPicPr>
+          <p:nvPr/>
+        </p:nvPicPr>
+        <p:blipFill rotWithShape="1">
+          <a:blip r:embed="rId21">
+            <a:extLst>
+              <a:ext uri="{28A0092B-C50C-407E-A947-70E740481C1C}">
+                <a14:useLocalDpi xmlns:a14="http://schemas.microsoft.com/office/drawing/2010/main" val="0"/>
+              </a:ext>
+            </a:extLst>
+          </a:blip>
+          <a:srcRect t="28813"/>
+          <a:stretch/>
+        </p:blipFill>
+        <p:spPr>
+          <a:xfrm>
+            <a:off x="7999412" y="0"/>
+            <a:ext cx="1603387" cy="1141407"/>
+          </a:xfrm>
+          <a:prstGeom prst="rect">
+            <a:avLst/>
+          </a:prstGeom>
+        </p:spPr>
+      </p:pic>
+      <p:pic>
+        <p:nvPicPr>
+          <p:cNvPr id="10" name="Picture 9"/>
+          <p:cNvPicPr>
+            <a:picLocks noChangeAspect="1"/>
+          </p:cNvPicPr>
+          <p:nvPr/>
+        </p:nvPicPr>
+        <p:blipFill rotWithShape="1">
+          <a:blip r:embed="rId22">
+            <a:extLst>
+              <a:ext uri="{28A0092B-C50C-407E-A947-70E740481C1C}">
+                <a14:useLocalDpi xmlns:a14="http://schemas.microsoft.com/office/drawing/2010/main" val="0"/>
+              </a:ext>
+            </a:extLst>
+          </a:blip>
+          <a:srcRect b="23320"/>
+          <a:stretch/>
+        </p:blipFill>
+        <p:spPr>
+          <a:xfrm>
+            <a:off x="8605878" y="6096000"/>
+            <a:ext cx="993734" cy="762000"/>
+          </a:xfrm>
+          <a:prstGeom prst="rect">
+            <a:avLst/>
+          </a:prstGeom>
+        </p:spPr>
+      </p:pic>
+      <p:sp>
+        <p:nvSpPr>
+          <p:cNvPr id="14" name="Rectangle 13"/>
+          <p:cNvSpPr/>
+          <p:nvPr/>
+        </p:nvSpPr>
+        <p:spPr>
+          <a:xfrm>
+            <a:off x="10437812" y="0"/>
+            <a:ext cx="685800" cy="1143000"/>
+          </a:xfrm>
+          <a:prstGeom prst="rect">
+            <a:avLst/>
+          </a:prstGeom>
+          <a:solidFill>
+            <a:schemeClr val="accent1"/>
+          </a:solidFill>
+          <a:ln>
+            <a:noFill/>
+          </a:ln>
+        </p:spPr>
+        <p:style>
+          <a:lnRef idx="1">
+            <a:schemeClr val="accent1"/>
+          </a:lnRef>
+          <a:fillRef idx="3">
+            <a:schemeClr val="accent1"/>
+          </a:fillRef>
+          <a:effectRef idx="2">
+            <a:schemeClr val="accent1"/>
+          </a:effectRef>
+          <a:fontRef idx="minor">
+            <a:schemeClr val="lt1"/>
+          </a:fontRef>
+        </p:style>
+      </p:sp>
+      <p:sp>
+        <p:nvSpPr>
+          <p:cNvPr id="2" name="Title Placeholder 1"/>
+          <p:cNvSpPr>
+            <a:spLocks noGrp="1"/>
+          </p:cNvSpPr>
+          <p:nvPr>
+            <p:ph type="title"/>
+          </p:nvPr>
+        </p:nvSpPr>
+        <p:spPr>
+          <a:xfrm>
+            <a:off x="646111" y="452718"/>
+            <a:ext cx="9404723" cy="1400530"/>
+          </a:xfrm>
+          <a:prstGeom prst="rect">
+            <a:avLst/>
+          </a:prstGeom>
+        </p:spPr>
+        <p:txBody>
+          <a:bodyPr vert="horz" lIns="91440" tIns="45720" rIns="91440" bIns="45720" rtlCol="0" anchor="t">
+            <a:noAutofit/>
+          </a:bodyPr>
+          <a:lstStyle/>
+          <a:p>
+            <a:r>
+              <a:rPr lang="en-US"/>
+              <a:t>Click to edit Master title style</a:t>
+            </a:r>
+            <a:endParaRPr lang="en-US" dirty="0"/>
+          </a:p>
+        </p:txBody>
+      </p:sp>
+      <p:sp>
+        <p:nvSpPr>
+          <p:cNvPr id="3" name="Text Placeholder 2"/>
+          <p:cNvSpPr>
+            <a:spLocks noGrp="1"/>
+          </p:cNvSpPr>
+          <p:nvPr>
+            <p:ph type="body" idx="1"/>
+          </p:nvPr>
+        </p:nvSpPr>
+        <p:spPr>
+          <a:xfrm>
+            <a:off x="1103312" y="2052918"/>
+            <a:ext cx="8946541" cy="4195481"/>
+          </a:xfrm>
+          <a:prstGeom prst="rect">
+            <a:avLst/>
+          </a:prstGeom>
+        </p:spPr>
         <p:txBody>
           <a:bodyPr vert="horz" lIns="91440" tIns="45720" rIns="91440" bIns="45720" rtlCol="0">
             <a:normAutofit/>
@@ -2884,19 +5534,13 @@
               <a:rPr lang="en-US"/>
               <a:t>Fifth level</a:t>
             </a:r>
-            <a:endParaRPr lang="en-GB"/>
-          </a:p>
-        </p:txBody>
-      </p:sp>
-      <p:sp>
-        <p:nvSpPr>
-          <p:cNvPr id="4" name="Date Placeholder 3">
-            <a:extLst>
-              <a:ext uri="{FF2B5EF4-FFF2-40B4-BE49-F238E27FC236}">
-                <a16:creationId xmlns:a16="http://schemas.microsoft.com/office/drawing/2014/main" id="{B99B2328-0A52-4BBF-B8F5-9FF168728E7E}"/>
-              </a:ext>
-            </a:extLst>
-          </p:cNvPr>
+            <a:endParaRPr lang="en-US" dirty="0"/>
+          </a:p>
+        </p:txBody>
+      </p:sp>
+      <p:sp>
+        <p:nvSpPr>
+          <p:cNvPr id="4" name="Date Placeholder 3"/>
           <p:cNvSpPr>
             <a:spLocks noGrp="1"/>
           </p:cNvSpPr>
@@ -2905,19 +5549,99 @@
           </p:nvPr>
         </p:nvSpPr>
         <p:spPr>
-          <a:xfrm>
-            <a:off x="838200" y="6356350"/>
-            <a:ext cx="2743200" cy="365125"/>
+          <a:xfrm rot="5400000">
+            <a:off x="10155639" y="1790701"/>
+            <a:ext cx="990599" cy="304799"/>
           </a:xfrm>
           <a:prstGeom prst="rect">
             <a:avLst/>
           </a:prstGeom>
         </p:spPr>
         <p:txBody>
-          <a:bodyPr vert="horz" lIns="91440" tIns="45720" rIns="91440" bIns="45720" rtlCol="0" anchor="ctr"/>
+          <a:bodyPr vert="horz" lIns="91440" tIns="45720" rIns="91440" bIns="45720" rtlCol="0" anchor="t"/>
           <a:lstStyle>
             <a:lvl1pPr algn="l">
-              <a:defRPr sz="1200">
+              <a:defRPr sz="1100" b="0" i="0">
+                <a:solidFill>
+                  <a:schemeClr val="tx1">
+                    <a:tint val="75000"/>
+                    <a:alpha val="60000"/>
+                  </a:schemeClr>
+                </a:solidFill>
+              </a:defRPr>
+            </a:lvl1pPr>
+          </a:lstStyle>
+          <a:p>
+            <a:fld id="{75CBF9E7-8931-4FFA-8C8D-DFC5EDD38F3D}" type="datetimeFigureOut">
+              <a:rPr lang="en-GB" smtClean="0"/>
+              <a:t>22/05/2018</a:t>
+            </a:fld>
+            <a:endParaRPr lang="en-GB" dirty="0"/>
+          </a:p>
+        </p:txBody>
+      </p:sp>
+      <p:sp>
+        <p:nvSpPr>
+          <p:cNvPr id="5" name="Footer Placeholder 4"/>
+          <p:cNvSpPr>
+            <a:spLocks noGrp="1"/>
+          </p:cNvSpPr>
+          <p:nvPr>
+            <p:ph type="ftr" sz="quarter" idx="3"/>
+          </p:nvPr>
+        </p:nvSpPr>
+        <p:spPr>
+          <a:xfrm rot="5400000">
+            <a:off x="8951573" y="3225297"/>
+            <a:ext cx="3859795" cy="304801"/>
+          </a:xfrm>
+          <a:prstGeom prst="rect">
+            <a:avLst/>
+          </a:prstGeom>
+        </p:spPr>
+        <p:txBody>
+          <a:bodyPr vert="horz" lIns="91440" tIns="45720" rIns="91440" bIns="45720" rtlCol="0" anchor="b"/>
+          <a:lstStyle>
+            <a:lvl1pPr algn="l">
+              <a:defRPr sz="1100" b="0" i="0">
+                <a:solidFill>
+                  <a:schemeClr val="tx1">
+                    <a:tint val="75000"/>
+                    <a:alpha val="60000"/>
+                  </a:schemeClr>
+                </a:solidFill>
+              </a:defRPr>
+            </a:lvl1pPr>
+          </a:lstStyle>
+          <a:p>
+            <a:endParaRPr lang="en-GB" dirty="0"/>
+          </a:p>
+        </p:txBody>
+      </p:sp>
+      <p:sp>
+        <p:nvSpPr>
+          <p:cNvPr id="6" name="Slide Number Placeholder 5"/>
+          <p:cNvSpPr>
+            <a:spLocks noGrp="1"/>
+          </p:cNvSpPr>
+          <p:nvPr>
+            <p:ph type="sldNum" sz="quarter" idx="4"/>
+          </p:nvPr>
+        </p:nvSpPr>
+        <p:spPr bwMode="gray">
+          <a:xfrm>
+            <a:off x="10352540" y="295729"/>
+            <a:ext cx="838199" cy="767687"/>
+          </a:xfrm>
+          <a:prstGeom prst="rect">
+            <a:avLst/>
+          </a:prstGeom>
+        </p:spPr>
+        <p:txBody>
+          <a:bodyPr vert="horz" lIns="91440" tIns="45720" rIns="91440" bIns="45720" rtlCol="0" anchor="b"/>
+          <a:lstStyle>
+            <a:lvl1pPr algn="ctr">
+              <a:defRPr sz="2800" b="0" i="0">
                 <a:solidFill>
                   <a:schemeClr val="tx1">
                     <a:tint val="75000"/>
@@ -2927,96 +5651,6 @@
             </a:lvl1pPr>
           </a:lstStyle>
           <a:p>
-            <a:fld id="{75CBF9E7-8931-4FFA-8C8D-DFC5EDD38F3D}" type="datetimeFigureOut">
-              <a:rPr lang="en-GB" smtClean="0"/>
-              <a:t>04/04/2018</a:t>
-            </a:fld>
-            <a:endParaRPr lang="en-GB" dirty="0"/>
-          </a:p>
-        </p:txBody>
-      </p:sp>
-      <p:sp>
-        <p:nvSpPr>
-          <p:cNvPr id="5" name="Footer Placeholder 4">
-            <a:extLst>
-              <a:ext uri="{FF2B5EF4-FFF2-40B4-BE49-F238E27FC236}">
-                <a16:creationId xmlns:a16="http://schemas.microsoft.com/office/drawing/2014/main" id="{CEF53D33-1790-4AE5-B324-9E43A15592E2}"/>
-              </a:ext>
-            </a:extLst>
-          </p:cNvPr>
-          <p:cNvSpPr>
-            <a:spLocks noGrp="1"/>
-          </p:cNvSpPr>
-          <p:nvPr>
-            <p:ph type="ftr" sz="quarter" idx="3"/>
-          </p:nvPr>
-        </p:nvSpPr>
-        <p:spPr>
-          <a:xfrm>
-            <a:off x="4038600" y="6356350"/>
-            <a:ext cx="4114800" cy="365125"/>
-          </a:xfrm>
-          <a:prstGeom prst="rect">
-            <a:avLst/>
-          </a:prstGeom>
-        </p:spPr>
-        <p:txBody>
-          <a:bodyPr vert="horz" lIns="91440" tIns="45720" rIns="91440" bIns="45720" rtlCol="0" anchor="ctr"/>
-          <a:lstStyle>
-            <a:lvl1pPr algn="ctr">
-              <a:defRPr sz="1200">
-                <a:solidFill>
-                  <a:schemeClr val="tx1">
-                    <a:tint val="75000"/>
-                  </a:schemeClr>
-                </a:solidFill>
-              </a:defRPr>
-            </a:lvl1pPr>
-          </a:lstStyle>
-          <a:p>
-            <a:endParaRPr lang="en-GB" dirty="0"/>
-          </a:p>
-        </p:txBody>
-      </p:sp>
-      <p:sp>
-        <p:nvSpPr>
-          <p:cNvPr id="6" name="Slide Number Placeholder 5">
-            <a:extLst>
-              <a:ext uri="{FF2B5EF4-FFF2-40B4-BE49-F238E27FC236}">
-                <a16:creationId xmlns:a16="http://schemas.microsoft.com/office/drawing/2014/main" id="{096D6E8C-84BC-4642-9345-0B5D8C49393A}"/>
-              </a:ext>
-            </a:extLst>
-          </p:cNvPr>
-          <p:cNvSpPr>
-            <a:spLocks noGrp="1"/>
-          </p:cNvSpPr>
-          <p:nvPr>
-            <p:ph type="sldNum" sz="quarter" idx="4"/>
-          </p:nvPr>
-        </p:nvSpPr>
-        <p:spPr>
-          <a:xfrm>
-            <a:off x="8610600" y="6356350"/>
-            <a:ext cx="2743200" cy="365125"/>
-          </a:xfrm>
-          <a:prstGeom prst="rect">
-            <a:avLst/>
-          </a:prstGeom>
-        </p:spPr>
-        <p:txBody>
-          <a:bodyPr vert="horz" lIns="91440" tIns="45720" rIns="91440" bIns="45720" rtlCol="0" anchor="ctr"/>
-          <a:lstStyle>
-            <a:lvl1pPr algn="r">
-              <a:defRPr sz="1200">
-                <a:solidFill>
-                  <a:schemeClr val="tx1">
-                    <a:tint val="75000"/>
-                  </a:schemeClr>
-                </a:solidFill>
-              </a:defRPr>
-            </a:lvl1pPr>
-          </a:lstStyle>
-          <a:p>
             <a:fld id="{DF36E190-966F-428A-AA12-2E3AD8A717B4}" type="slidenum">
               <a:rPr lang="en-GB" smtClean="0"/>
               <a:t>‹#›</a:t>
@@ -3028,35 +5662,121 @@
     </p:spTree>
     <p:extLst>
       <p:ext uri="{BB962C8B-B14F-4D97-AF65-F5344CB8AC3E}">
-        <p14:creationId xmlns:p14="http://schemas.microsoft.com/office/powerpoint/2010/main" val="3524065000"/>
+        <p14:creationId xmlns:p14="http://schemas.microsoft.com/office/powerpoint/2010/main" val="1719712399"/>
       </p:ext>
     </p:extLst>
   </p:cSld>
-  <p:clrMap bg1="lt1" tx1="dk1" bg2="lt2" tx2="dk2" accent1="accent1" accent2="accent2" accent3="accent3" accent4="accent4" accent5="accent5" accent6="accent6" hlink="hlink" folHlink="folHlink"/>
+  <p:clrMap bg1="dk1" tx1="lt1" bg2="dk2" tx2="lt2" accent1="accent1" accent2="accent2" accent3="accent3" accent4="accent4" accent5="accent5" accent6="accent6" hlink="hlink" folHlink="folHlink"/>
   <p:sldLayoutIdLst>
-    <p:sldLayoutId id="2147483649" r:id="rId1"/>
-    <p:sldLayoutId id="2147483650" r:id="rId2"/>
-    <p:sldLayoutId id="2147483651" r:id="rId3"/>
-    <p:sldLayoutId id="2147483652" r:id="rId4"/>
-    <p:sldLayoutId id="2147483653" r:id="rId5"/>
-    <p:sldLayoutId id="2147483654" r:id="rId6"/>
-    <p:sldLayoutId id="2147483655" r:id="rId7"/>
-    <p:sldLayoutId id="2147483656" r:id="rId8"/>
-    <p:sldLayoutId id="2147483657" r:id="rId9"/>
-    <p:sldLayoutId id="2147483658" r:id="rId10"/>
-    <p:sldLayoutId id="2147483659" r:id="rId11"/>
+    <p:sldLayoutId id="2147483661" r:id="rId1"/>
+    <p:sldLayoutId id="2147483662" r:id="rId2"/>
+    <p:sldLayoutId id="2147483663" r:id="rId3"/>
+    <p:sldLayoutId id="2147483664" r:id="rId4"/>
+    <p:sldLayoutId id="2147483665" r:id="rId5"/>
+    <p:sldLayoutId id="2147483666" r:id="rId6"/>
+    <p:sldLayoutId id="2147483667" r:id="rId7"/>
+    <p:sldLayoutId id="2147483668" r:id="rId8"/>
+    <p:sldLayoutId id="2147483669" r:id="rId9"/>
+    <p:sldLayoutId id="2147483670" r:id="rId10"/>
+    <p:sldLayoutId id="2147483671" r:id="rId11"/>
+    <p:sldLayoutId id="2147483672" r:id="rId12"/>
+    <p:sldLayoutId id="2147483673" r:id="rId13"/>
+    <p:sldLayoutId id="2147483674" r:id="rId14"/>
+    <p:sldLayoutId id="2147483675" r:id="rId15"/>
+    <p:sldLayoutId id="2147483676" r:id="rId16"/>
+    <p:sldLayoutId id="2147483677" r:id="rId17"/>
   </p:sldLayoutIdLst>
   <p:txStyles>
     <p:titleStyle>
-      <a:lvl1pPr algn="l" defTabSz="914400" rtl="0" eaLnBrk="1" latinLnBrk="0" hangingPunct="1">
-        <a:lnSpc>
-          <a:spcPct val="90000"/>
-        </a:lnSpc>
+      <a:lvl1pPr algn="l" defTabSz="457200" rtl="0" eaLnBrk="1" latinLnBrk="0" hangingPunct="1">
         <a:spcBef>
           <a:spcPct val="0"/>
         </a:spcBef>
         <a:buNone/>
-        <a:defRPr sz="4400" kern="1200">
+        <a:defRPr sz="4200" b="0" i="0" kern="1200">
+          <a:solidFill>
+            <a:schemeClr val="tx2"/>
+          </a:solidFill>
+          <a:latin typeface="+mj-lt"/>
+          <a:ea typeface="+mj-ea"/>
+          <a:cs typeface="+mj-cs"/>
+        </a:defRPr>
+      </a:lvl1pPr>
+      <a:lvl2pPr eaLnBrk="1" hangingPunct="1">
+        <a:defRPr>
+          <a:solidFill>
+            <a:schemeClr val="tx2"/>
+          </a:solidFill>
+        </a:defRPr>
+      </a:lvl2pPr>
+      <a:lvl3pPr eaLnBrk="1" hangingPunct="1">
+        <a:defRPr>
+          <a:solidFill>
+            <a:schemeClr val="tx2"/>
+          </a:solidFill>
+        </a:defRPr>
+      </a:lvl3pPr>
+      <a:lvl4pPr eaLnBrk="1" hangingPunct="1">
+        <a:defRPr>
+          <a:solidFill>
+            <a:schemeClr val="tx2"/>
+          </a:solidFill>
+        </a:defRPr>
+      </a:lvl4pPr>
+      <a:lvl5pPr eaLnBrk="1" hangingPunct="1">
+        <a:defRPr>
+          <a:solidFill>
+            <a:schemeClr val="tx2"/>
+          </a:solidFill>
+        </a:defRPr>
+      </a:lvl5pPr>
+      <a:lvl6pPr eaLnBrk="1" hangingPunct="1">
+        <a:defRPr>
+          <a:solidFill>
+            <a:schemeClr val="tx2"/>
+          </a:solidFill>
+        </a:defRPr>
+      </a:lvl6pPr>
+      <a:lvl7pPr eaLnBrk="1" hangingPunct="1">
+        <a:defRPr>
+          <a:solidFill>
+            <a:schemeClr val="tx2"/>
+          </a:solidFill>
+        </a:defRPr>
+      </a:lvl7pPr>
+      <a:lvl8pPr eaLnBrk="1" hangingPunct="1">
+        <a:defRPr>
+          <a:solidFill>
+            <a:schemeClr val="tx2"/>
+          </a:solidFill>
+        </a:defRPr>
+      </a:lvl8pPr>
+      <a:lvl9pPr eaLnBrk="1" hangingPunct="1">
+        <a:defRPr>
+          <a:solidFill>
+            <a:schemeClr val="tx2"/>
+          </a:solidFill>
+        </a:defRPr>
+      </a:lvl9pPr>
+    </p:titleStyle>
+    <p:bodyStyle>
+      <a:lvl1pPr marL="342900" indent="-342900" algn="l" defTabSz="457200" rtl="0" eaLnBrk="1" latinLnBrk="0" hangingPunct="1">
+        <a:spcBef>
+          <a:spcPts val="1000"/>
+        </a:spcBef>
+        <a:spcAft>
+          <a:spcPts val="0"/>
+        </a:spcAft>
+        <a:buClr>
+          <a:schemeClr val="bg2">
+            <a:lumMod val="40000"/>
+            <a:lumOff val="60000"/>
+          </a:schemeClr>
+        </a:buClr>
+        <a:buSzPct val="80000"/>
+        <a:buFont typeface="Wingdings 3" charset="2"/>
+        <a:buChar char=""/>
+        <a:defRPr sz="2000" b="0" i="0" kern="1200">
           <a:solidFill>
             <a:schemeClr val="tx1"/>
           </a:solidFill>
@@ -3065,18 +5785,213 @@
           <a:cs typeface="+mj-cs"/>
         </a:defRPr>
       </a:lvl1pPr>
-    </p:titleStyle>
-    <p:bodyStyle>
-      <a:lvl1pPr marL="228600" indent="-228600" algn="l" defTabSz="914400" rtl="0" eaLnBrk="1" latinLnBrk="0" hangingPunct="1">
-        <a:lnSpc>
-          <a:spcPct val="90000"/>
-        </a:lnSpc>
+      <a:lvl2pPr marL="742950" indent="-285750" algn="l" defTabSz="457200" rtl="0" eaLnBrk="1" latinLnBrk="0" hangingPunct="1">
         <a:spcBef>
           <a:spcPts val="1000"/>
         </a:spcBef>
-        <a:buFont typeface="Arial" panose="020B0604020202020204" pitchFamily="34" charset="0"/>
-        <a:buChar char="•"/>
-        <a:defRPr sz="2800" kern="1200">
+        <a:spcAft>
+          <a:spcPts val="0"/>
+        </a:spcAft>
+        <a:buClr>
+          <a:schemeClr val="bg2">
+            <a:lumMod val="40000"/>
+            <a:lumOff val="60000"/>
+          </a:schemeClr>
+        </a:buClr>
+        <a:buSzPct val="80000"/>
+        <a:buFont typeface="Wingdings 3" charset="2"/>
+        <a:buChar char=""/>
+        <a:defRPr sz="1800" b="0" i="0" kern="1200">
+          <a:solidFill>
+            <a:schemeClr val="tx1"/>
+          </a:solidFill>
+          <a:latin typeface="+mj-lt"/>
+          <a:ea typeface="+mj-ea"/>
+          <a:cs typeface="+mj-cs"/>
+        </a:defRPr>
+      </a:lvl2pPr>
+      <a:lvl3pPr marL="1143000" indent="-228600" algn="l" defTabSz="457200" rtl="0" eaLnBrk="1" latinLnBrk="0" hangingPunct="1">
+        <a:spcBef>
+          <a:spcPts val="1000"/>
+        </a:spcBef>
+        <a:spcAft>
+          <a:spcPts val="0"/>
+        </a:spcAft>
+        <a:buClr>
+          <a:schemeClr val="bg2">
+            <a:lumMod val="40000"/>
+            <a:lumOff val="60000"/>
+          </a:schemeClr>
+        </a:buClr>
+        <a:buSzPct val="80000"/>
+        <a:buFont typeface="Wingdings 3" charset="2"/>
+        <a:buChar char=""/>
+        <a:defRPr sz="1600" b="0" i="0" kern="1200">
+          <a:solidFill>
+            <a:schemeClr val="tx1"/>
+          </a:solidFill>
+          <a:latin typeface="+mj-lt"/>
+          <a:ea typeface="+mj-ea"/>
+          <a:cs typeface="+mj-cs"/>
+        </a:defRPr>
+      </a:lvl3pPr>
+      <a:lvl4pPr marL="1600200" indent="-228600" algn="l" defTabSz="457200" rtl="0" eaLnBrk="1" latinLnBrk="0" hangingPunct="1">
+        <a:spcBef>
+          <a:spcPts val="1000"/>
+        </a:spcBef>
+        <a:spcAft>
+          <a:spcPts val="0"/>
+        </a:spcAft>
+        <a:buClr>
+          <a:schemeClr val="bg2">
+            <a:lumMod val="40000"/>
+            <a:lumOff val="60000"/>
+          </a:schemeClr>
+        </a:buClr>
+        <a:buSzPct val="80000"/>
+        <a:buFont typeface="Wingdings 3" charset="2"/>
+        <a:buChar char=""/>
+        <a:defRPr sz="1400" b="0" i="0" kern="1200">
+          <a:solidFill>
+            <a:schemeClr val="tx1"/>
+          </a:solidFill>
+          <a:latin typeface="+mj-lt"/>
+          <a:ea typeface="+mj-ea"/>
+          <a:cs typeface="+mj-cs"/>
+        </a:defRPr>
+      </a:lvl4pPr>
+      <a:lvl5pPr marL="2057400" indent="-228600" algn="l" defTabSz="457200" rtl="0" eaLnBrk="1" latinLnBrk="0" hangingPunct="1">
+        <a:spcBef>
+          <a:spcPts val="1000"/>
+        </a:spcBef>
+        <a:spcAft>
+          <a:spcPts val="0"/>
+        </a:spcAft>
+        <a:buClr>
+          <a:schemeClr val="bg2">
+            <a:lumMod val="40000"/>
+            <a:lumOff val="60000"/>
+          </a:schemeClr>
+        </a:buClr>
+        <a:buSzPct val="80000"/>
+        <a:buFont typeface="Wingdings 3" charset="2"/>
+        <a:buChar char=""/>
+        <a:defRPr sz="1400" b="0" i="0" kern="1200">
+          <a:solidFill>
+            <a:schemeClr val="tx1"/>
+          </a:solidFill>
+          <a:latin typeface="+mj-lt"/>
+          <a:ea typeface="+mj-ea"/>
+          <a:cs typeface="+mj-cs"/>
+        </a:defRPr>
+      </a:lvl5pPr>
+      <a:lvl6pPr marL="2506000" indent="-228600" algn="l" defTabSz="457200" rtl="0" eaLnBrk="1" latinLnBrk="0" hangingPunct="1">
+        <a:spcBef>
+          <a:spcPts val="1000"/>
+        </a:spcBef>
+        <a:spcAft>
+          <a:spcPts val="0"/>
+        </a:spcAft>
+        <a:buClr>
+          <a:schemeClr val="bg2">
+            <a:lumMod val="40000"/>
+            <a:lumOff val="60000"/>
+          </a:schemeClr>
+        </a:buClr>
+        <a:buSzPct val="80000"/>
+        <a:buFont typeface="Wingdings 3" charset="2"/>
+        <a:buChar char=""/>
+        <a:defRPr sz="1400" b="0" i="0" kern="1200">
+          <a:solidFill>
+            <a:schemeClr val="tx1"/>
+          </a:solidFill>
+          <a:latin typeface="+mj-lt"/>
+          <a:ea typeface="+mj-ea"/>
+          <a:cs typeface="+mj-cs"/>
+        </a:defRPr>
+      </a:lvl6pPr>
+      <a:lvl7pPr marL="2971800" indent="-228600" algn="l" defTabSz="457200" rtl="0" eaLnBrk="1" latinLnBrk="0" hangingPunct="1">
+        <a:spcBef>
+          <a:spcPts val="1000"/>
+        </a:spcBef>
+        <a:spcAft>
+          <a:spcPts val="0"/>
+        </a:spcAft>
+        <a:buClr>
+          <a:schemeClr val="bg2">
+            <a:lumMod val="40000"/>
+            <a:lumOff val="60000"/>
+          </a:schemeClr>
+        </a:buClr>
+        <a:buSzPct val="80000"/>
+        <a:buFont typeface="Wingdings 3" charset="2"/>
+        <a:buChar char=""/>
+        <a:defRPr sz="1400" b="0" i="0" kern="1200">
+          <a:solidFill>
+            <a:schemeClr val="tx1"/>
+          </a:solidFill>
+          <a:latin typeface="+mj-lt"/>
+          <a:ea typeface="+mj-ea"/>
+          <a:cs typeface="+mj-cs"/>
+        </a:defRPr>
+      </a:lvl7pPr>
+      <a:lvl8pPr marL="3429000" indent="-228600" algn="l" defTabSz="457200" rtl="0" eaLnBrk="1" latinLnBrk="0" hangingPunct="1">
+        <a:spcBef>
+          <a:spcPts val="1000"/>
+        </a:spcBef>
+        <a:spcAft>
+          <a:spcPts val="0"/>
+        </a:spcAft>
+        <a:buClr>
+          <a:schemeClr val="bg2">
+            <a:lumMod val="40000"/>
+            <a:lumOff val="60000"/>
+          </a:schemeClr>
+        </a:buClr>
+        <a:buSzPct val="80000"/>
+        <a:buFont typeface="Wingdings 3" charset="2"/>
+        <a:buChar char=""/>
+        <a:defRPr sz="1400" b="0" i="0" kern="1200">
+          <a:solidFill>
+            <a:schemeClr val="tx1"/>
+          </a:solidFill>
+          <a:latin typeface="+mj-lt"/>
+          <a:ea typeface="+mj-ea"/>
+          <a:cs typeface="+mj-cs"/>
+        </a:defRPr>
+      </a:lvl8pPr>
+      <a:lvl9pPr marL="3886200" indent="-228600" algn="l" defTabSz="457200" rtl="0" eaLnBrk="1" latinLnBrk="0" hangingPunct="1">
+        <a:spcBef>
+          <a:spcPts val="1000"/>
+        </a:spcBef>
+        <a:spcAft>
+          <a:spcPts val="0"/>
+        </a:spcAft>
+        <a:buClr>
+          <a:schemeClr val="bg2">
+            <a:lumMod val="40000"/>
+            <a:lumOff val="60000"/>
+          </a:schemeClr>
+        </a:buClr>
+        <a:buSzPct val="80000"/>
+        <a:buFont typeface="Wingdings 3" charset="2"/>
+        <a:buChar char=""/>
+        <a:defRPr sz="1400" b="0" i="0" kern="1200">
+          <a:solidFill>
+            <a:schemeClr val="tx1"/>
+          </a:solidFill>
+          <a:latin typeface="+mj-lt"/>
+          <a:ea typeface="+mj-ea"/>
+          <a:cs typeface="+mj-cs"/>
+        </a:defRPr>
+      </a:lvl9pPr>
+    </p:bodyStyle>
+    <p:otherStyle>
+      <a:defPPr>
+        <a:defRPr lang="en-US"/>
+      </a:defPPr>
+      <a:lvl1pPr marL="0" algn="l" defTabSz="457200" rtl="0" eaLnBrk="1" latinLnBrk="0" hangingPunct="1">
+        <a:defRPr sz="1800" kern="1200">
           <a:solidFill>
             <a:schemeClr val="tx1"/>
           </a:solidFill>
@@ -3085,16 +6000,8 @@
           <a:cs typeface="+mn-cs"/>
         </a:defRPr>
       </a:lvl1pPr>
-      <a:lvl2pPr marL="685800" indent="-228600" algn="l" defTabSz="914400" rtl="0" eaLnBrk="1" latinLnBrk="0" hangingPunct="1">
-        <a:lnSpc>
-          <a:spcPct val="90000"/>
-        </a:lnSpc>
-        <a:spcBef>
-          <a:spcPts val="500"/>
-        </a:spcBef>
-        <a:buFont typeface="Arial" panose="020B0604020202020204" pitchFamily="34" charset="0"/>
-        <a:buChar char="•"/>
-        <a:defRPr sz="2400" kern="1200">
+      <a:lvl2pPr marL="457200" algn="l" defTabSz="457200" rtl="0" eaLnBrk="1" latinLnBrk="0" hangingPunct="1">
+        <a:defRPr sz="1800" kern="1200">
           <a:solidFill>
             <a:schemeClr val="tx1"/>
           </a:solidFill>
@@ -3103,16 +6010,8 @@
           <a:cs typeface="+mn-cs"/>
         </a:defRPr>
       </a:lvl2pPr>
-      <a:lvl3pPr marL="1143000" indent="-228600" algn="l" defTabSz="914400" rtl="0" eaLnBrk="1" latinLnBrk="0" hangingPunct="1">
-        <a:lnSpc>
-          <a:spcPct val="90000"/>
-        </a:lnSpc>
-        <a:spcBef>
-          <a:spcPts val="500"/>
-        </a:spcBef>
-        <a:buFont typeface="Arial" panose="020B0604020202020204" pitchFamily="34" charset="0"/>
-        <a:buChar char="•"/>
-        <a:defRPr sz="2000" kern="1200">
+      <a:lvl3pPr marL="914400" algn="l" defTabSz="457200" rtl="0" eaLnBrk="1" latinLnBrk="0" hangingPunct="1">
+        <a:defRPr sz="1800" kern="1200">
           <a:solidFill>
             <a:schemeClr val="tx1"/>
           </a:solidFill>
@@ -3121,15 +6020,7 @@
           <a:cs typeface="+mn-cs"/>
         </a:defRPr>
       </a:lvl3pPr>
-      <a:lvl4pPr marL="1600200" indent="-228600" algn="l" defTabSz="914400" rtl="0" eaLnBrk="1" latinLnBrk="0" hangingPunct="1">
-        <a:lnSpc>
-          <a:spcPct val="90000"/>
-        </a:lnSpc>
-        <a:spcBef>
-          <a:spcPts val="500"/>
-        </a:spcBef>
-        <a:buFont typeface="Arial" panose="020B0604020202020204" pitchFamily="34" charset="0"/>
-        <a:buChar char="•"/>
+      <a:lvl4pPr marL="1371600" algn="l" defTabSz="457200" rtl="0" eaLnBrk="1" latinLnBrk="0" hangingPunct="1">
         <a:defRPr sz="1800" kern="1200">
           <a:solidFill>
             <a:schemeClr val="tx1"/>
@@ -3139,15 +6030,7 @@
           <a:cs typeface="+mn-cs"/>
         </a:defRPr>
       </a:lvl4pPr>
-      <a:lvl5pPr marL="2057400" indent="-228600" algn="l" defTabSz="914400" rtl="0" eaLnBrk="1" latinLnBrk="0" hangingPunct="1">
-        <a:lnSpc>
-          <a:spcPct val="90000"/>
-        </a:lnSpc>
-        <a:spcBef>
-          <a:spcPts val="500"/>
-        </a:spcBef>
-        <a:buFont typeface="Arial" panose="020B0604020202020204" pitchFamily="34" charset="0"/>
-        <a:buChar char="•"/>
+      <a:lvl5pPr marL="1828800" algn="l" defTabSz="457200" rtl="0" eaLnBrk="1" latinLnBrk="0" hangingPunct="1">
         <a:defRPr sz="1800" kern="1200">
           <a:solidFill>
             <a:schemeClr val="tx1"/>
@@ -3157,15 +6040,7 @@
           <a:cs typeface="+mn-cs"/>
         </a:defRPr>
       </a:lvl5pPr>
-      <a:lvl6pPr marL="2514600" indent="-228600" algn="l" defTabSz="914400" rtl="0" eaLnBrk="1" latinLnBrk="0" hangingPunct="1">
-        <a:lnSpc>
-          <a:spcPct val="90000"/>
-        </a:lnSpc>
-        <a:spcBef>
-          <a:spcPts val="500"/>
-        </a:spcBef>
-        <a:buFont typeface="Arial" panose="020B0604020202020204" pitchFamily="34" charset="0"/>
-        <a:buChar char="•"/>
+      <a:lvl6pPr marL="2286000" algn="l" defTabSz="457200" rtl="0" eaLnBrk="1" latinLnBrk="0" hangingPunct="1">
         <a:defRPr sz="1800" kern="1200">
           <a:solidFill>
             <a:schemeClr val="tx1"/>
@@ -3175,15 +6050,7 @@
           <a:cs typeface="+mn-cs"/>
         </a:defRPr>
       </a:lvl6pPr>
-      <a:lvl7pPr marL="2971800" indent="-228600" algn="l" defTabSz="914400" rtl="0" eaLnBrk="1" latinLnBrk="0" hangingPunct="1">
-        <a:lnSpc>
-          <a:spcPct val="90000"/>
-        </a:lnSpc>
-        <a:spcBef>
-          <a:spcPts val="500"/>
-        </a:spcBef>
-        <a:buFont typeface="Arial" panose="020B0604020202020204" pitchFamily="34" charset="0"/>
-        <a:buChar char="•"/>
+      <a:lvl7pPr marL="2743200" algn="l" defTabSz="457200" rtl="0" eaLnBrk="1" latinLnBrk="0" hangingPunct="1">
         <a:defRPr sz="1800" kern="1200">
           <a:solidFill>
             <a:schemeClr val="tx1"/>
@@ -3193,15 +6060,7 @@
           <a:cs typeface="+mn-cs"/>
         </a:defRPr>
       </a:lvl7pPr>
-      <a:lvl8pPr marL="3429000" indent="-228600" algn="l" defTabSz="914400" rtl="0" eaLnBrk="1" latinLnBrk="0" hangingPunct="1">
-        <a:lnSpc>
-          <a:spcPct val="90000"/>
-        </a:lnSpc>
-        <a:spcBef>
-          <a:spcPts val="500"/>
-        </a:spcBef>
-        <a:buFont typeface="Arial" panose="020B0604020202020204" pitchFamily="34" charset="0"/>
-        <a:buChar char="•"/>
+      <a:lvl8pPr marL="3200400" algn="l" defTabSz="457200" rtl="0" eaLnBrk="1" latinLnBrk="0" hangingPunct="1">
         <a:defRPr sz="1800" kern="1200">
           <a:solidFill>
             <a:schemeClr val="tx1"/>
@@ -3211,110 +6070,7 @@
           <a:cs typeface="+mn-cs"/>
         </a:defRPr>
       </a:lvl8pPr>
-      <a:lvl9pPr marL="3886200" indent="-228600" algn="l" defTabSz="914400" rtl="0" eaLnBrk="1" latinLnBrk="0" hangingPunct="1">
-        <a:lnSpc>
-          <a:spcPct val="90000"/>
-        </a:lnSpc>
-        <a:spcBef>
-          <a:spcPts val="500"/>
-        </a:spcBef>
-        <a:buFont typeface="Arial" panose="020B0604020202020204" pitchFamily="34" charset="0"/>
-        <a:buChar char="•"/>
-        <a:defRPr sz="1800" kern="1200">
-          <a:solidFill>
-            <a:schemeClr val="tx1"/>
-          </a:solidFill>
-          <a:latin typeface="+mn-lt"/>
-          <a:ea typeface="+mn-ea"/>
-          <a:cs typeface="+mn-cs"/>
-        </a:defRPr>
-      </a:lvl9pPr>
-    </p:bodyStyle>
-    <p:otherStyle>
-      <a:defPPr>
-        <a:defRPr lang="en-US"/>
-      </a:defPPr>
-      <a:lvl1pPr marL="0" algn="l" defTabSz="914400" rtl="0" eaLnBrk="1" latinLnBrk="0" hangingPunct="1">
-        <a:defRPr sz="1800" kern="1200">
-          <a:solidFill>
-            <a:schemeClr val="tx1"/>
-          </a:solidFill>
-          <a:latin typeface="+mn-lt"/>
-          <a:ea typeface="+mn-ea"/>
-          <a:cs typeface="+mn-cs"/>
-        </a:defRPr>
-      </a:lvl1pPr>
-      <a:lvl2pPr marL="457200" algn="l" defTabSz="914400" rtl="0" eaLnBrk="1" latinLnBrk="0" hangingPunct="1">
-        <a:defRPr sz="1800" kern="1200">
-          <a:solidFill>
-            <a:schemeClr val="tx1"/>
-          </a:solidFill>
-          <a:latin typeface="+mn-lt"/>
-          <a:ea typeface="+mn-ea"/>
-          <a:cs typeface="+mn-cs"/>
-        </a:defRPr>
-      </a:lvl2pPr>
-      <a:lvl3pPr marL="914400" algn="l" defTabSz="914400" rtl="0" eaLnBrk="1" latinLnBrk="0" hangingPunct="1">
-        <a:defRPr sz="1800" kern="1200">
-          <a:solidFill>
-            <a:schemeClr val="tx1"/>
-          </a:solidFill>
-          <a:latin typeface="+mn-lt"/>
-          <a:ea typeface="+mn-ea"/>
-          <a:cs typeface="+mn-cs"/>
-        </a:defRPr>
-      </a:lvl3pPr>
-      <a:lvl4pPr marL="1371600" algn="l" defTabSz="914400" rtl="0" eaLnBrk="1" latinLnBrk="0" hangingPunct="1">
-        <a:defRPr sz="1800" kern="1200">
-          <a:solidFill>
-            <a:schemeClr val="tx1"/>
-          </a:solidFill>
-          <a:latin typeface="+mn-lt"/>
-          <a:ea typeface="+mn-ea"/>
-          <a:cs typeface="+mn-cs"/>
-        </a:defRPr>
-      </a:lvl4pPr>
-      <a:lvl5pPr marL="1828800" algn="l" defTabSz="914400" rtl="0" eaLnBrk="1" latinLnBrk="0" hangingPunct="1">
-        <a:defRPr sz="1800" kern="1200">
-          <a:solidFill>
-            <a:schemeClr val="tx1"/>
-          </a:solidFill>
-          <a:latin typeface="+mn-lt"/>
-          <a:ea typeface="+mn-ea"/>
-          <a:cs typeface="+mn-cs"/>
-        </a:defRPr>
-      </a:lvl5pPr>
-      <a:lvl6pPr marL="2286000" algn="l" defTabSz="914400" rtl="0" eaLnBrk="1" latinLnBrk="0" hangingPunct="1">
-        <a:defRPr sz="1800" kern="1200">
-          <a:solidFill>
-            <a:schemeClr val="tx1"/>
-          </a:solidFill>
-          <a:latin typeface="+mn-lt"/>
-          <a:ea typeface="+mn-ea"/>
-          <a:cs typeface="+mn-cs"/>
-        </a:defRPr>
-      </a:lvl6pPr>
-      <a:lvl7pPr marL="2743200" algn="l" defTabSz="914400" rtl="0" eaLnBrk="1" latinLnBrk="0" hangingPunct="1">
-        <a:defRPr sz="1800" kern="1200">
-          <a:solidFill>
-            <a:schemeClr val="tx1"/>
-          </a:solidFill>
-          <a:latin typeface="+mn-lt"/>
-          <a:ea typeface="+mn-ea"/>
-          <a:cs typeface="+mn-cs"/>
-        </a:defRPr>
-      </a:lvl7pPr>
-      <a:lvl8pPr marL="3200400" algn="l" defTabSz="914400" rtl="0" eaLnBrk="1" latinLnBrk="0" hangingPunct="1">
-        <a:defRPr sz="1800" kern="1200">
-          <a:solidFill>
-            <a:schemeClr val="tx1"/>
-          </a:solidFill>
-          <a:latin typeface="+mn-lt"/>
-          <a:ea typeface="+mn-ea"/>
-          <a:cs typeface="+mn-cs"/>
-        </a:defRPr>
-      </a:lvl8pPr>
-      <a:lvl9pPr marL="3657600" algn="l" defTabSz="914400" rtl="0" eaLnBrk="1" latinLnBrk="0" hangingPunct="1">
+      <a:lvl9pPr marL="3657600" algn="l" defTabSz="457200" rtl="0" eaLnBrk="1" latinLnBrk="0" hangingPunct="1">
         <a:defRPr sz="1800" kern="1200">
           <a:solidFill>
             <a:schemeClr val="tx1"/>
@@ -3415,6 +6171,352 @@
 </p:sld>
 </file>
 
+<file path=ppt/slides/slide10.xml><?xml version="1.0" encoding="utf-8"?>
+<p:sld xmlns:a="http://schemas.openxmlformats.org/drawingml/2006/main" xmlns:r="http://schemas.openxmlformats.org/officeDocument/2006/relationships" xmlns:p="http://schemas.openxmlformats.org/presentationml/2006/main">
+  <p:cSld>
+    <p:spTree>
+      <p:nvGrpSpPr>
+        <p:cNvPr id="1" name=""/>
+        <p:cNvGrpSpPr/>
+        <p:nvPr/>
+      </p:nvGrpSpPr>
+      <p:grpSpPr>
+        <a:xfrm>
+          <a:off x="0" y="0"/>
+          <a:ext cx="0" cy="0"/>
+          <a:chOff x="0" y="0"/>
+          <a:chExt cx="0" cy="0"/>
+        </a:xfrm>
+      </p:grpSpPr>
+      <p:sp>
+        <p:nvSpPr>
+          <p:cNvPr id="2" name="Title 1">
+            <a:extLst>
+              <a:ext uri="{FF2B5EF4-FFF2-40B4-BE49-F238E27FC236}">
+                <a16:creationId xmlns:a16="http://schemas.microsoft.com/office/drawing/2014/main" id="{3182A4C1-A9EA-4096-A47E-9DDC3C2949B6}"/>
+              </a:ext>
+            </a:extLst>
+          </p:cNvPr>
+          <p:cNvSpPr>
+            <a:spLocks noGrp="1"/>
+          </p:cNvSpPr>
+          <p:nvPr>
+            <p:ph type="title"/>
+          </p:nvPr>
+        </p:nvSpPr>
+        <p:spPr/>
+        <p:txBody>
+          <a:bodyPr/>
+          <a:lstStyle/>
+          <a:p>
+            <a:r>
+              <a:rPr lang="en-GB" dirty="0"/>
+              <a:t>Shape detection</a:t>
+            </a:r>
+          </a:p>
+        </p:txBody>
+      </p:sp>
+      <p:sp>
+        <p:nvSpPr>
+          <p:cNvPr id="3" name="Content Placeholder 2">
+            <a:extLst>
+              <a:ext uri="{FF2B5EF4-FFF2-40B4-BE49-F238E27FC236}">
+                <a16:creationId xmlns:a16="http://schemas.microsoft.com/office/drawing/2014/main" id="{6B16ECA2-59F7-4A15-8D83-B67FA8FEAFB3}"/>
+              </a:ext>
+            </a:extLst>
+          </p:cNvPr>
+          <p:cNvSpPr>
+            <a:spLocks noGrp="1"/>
+          </p:cNvSpPr>
+          <p:nvPr>
+            <p:ph idx="1"/>
+          </p:nvPr>
+        </p:nvSpPr>
+        <p:spPr/>
+        <p:txBody>
+          <a:bodyPr/>
+          <a:lstStyle/>
+          <a:p>
+            <a:r>
+              <a:rPr lang="en-GB" dirty="0"/>
+              <a:t>Until now only the </a:t>
+            </a:r>
+            <a:r>
+              <a:rPr lang="en-GB" dirty="0" err="1"/>
+              <a:t>color</a:t>
+            </a:r>
+            <a:r>
+              <a:rPr lang="en-GB" dirty="0"/>
+              <a:t> or area of the image interested us</a:t>
+            </a:r>
+          </a:p>
+          <a:p>
+            <a:r>
+              <a:rPr lang="en-GB" dirty="0"/>
+              <a:t>We cannot differentiate a red car from a red road sign.</a:t>
+            </a:r>
+          </a:p>
+          <a:p>
+            <a:pPr lvl="1"/>
+            <a:r>
+              <a:rPr lang="en-GB" dirty="0"/>
+              <a:t>We would like to detect two kinds of road signs:</a:t>
+            </a:r>
+          </a:p>
+          <a:p>
+            <a:pPr lvl="2"/>
+            <a:r>
+              <a:rPr lang="en-GB" dirty="0"/>
+              <a:t>Circular: detect using thinness ratio</a:t>
+            </a:r>
+          </a:p>
+          <a:p>
+            <a:pPr lvl="3"/>
+            <a:r>
+              <a:rPr lang="en-GB" dirty="0"/>
+              <a:t>If the thinness ratio is higher than a certain threshold we consider the object to be a circle</a:t>
+            </a:r>
+          </a:p>
+          <a:p>
+            <a:pPr lvl="2"/>
+            <a:r>
+              <a:rPr lang="en-GB" dirty="0"/>
+              <a:t>Triangular or Square: detect using number of lines needed to draw the contour.</a:t>
+            </a:r>
+          </a:p>
+          <a:p>
+            <a:pPr lvl="3"/>
+            <a:r>
+              <a:rPr lang="en-GB" dirty="0"/>
+              <a:t>First approximate the polygon needed to draw the shape, resulting in the approximation lines. </a:t>
+            </a:r>
+          </a:p>
+          <a:p>
+            <a:pPr lvl="3"/>
+            <a:r>
+              <a:rPr lang="en-GB" dirty="0"/>
+              <a:t>If the number of lines needed is smaller than a threshold, we consider it  to be an object of this type. </a:t>
+            </a:r>
+          </a:p>
+        </p:txBody>
+      </p:sp>
+    </p:spTree>
+    <p:extLst>
+      <p:ext uri="{BB962C8B-B14F-4D97-AF65-F5344CB8AC3E}">
+        <p14:creationId xmlns:p14="http://schemas.microsoft.com/office/powerpoint/2010/main" val="3912494250"/>
+      </p:ext>
+    </p:extLst>
+  </p:cSld>
+  <p:clrMapOvr>
+    <a:masterClrMapping/>
+  </p:clrMapOvr>
+</p:sld>
+</file>
+
+<file path=ppt/slides/slide11.xml><?xml version="1.0" encoding="utf-8"?>
+<p:sld xmlns:a="http://schemas.openxmlformats.org/drawingml/2006/main" xmlns:r="http://schemas.openxmlformats.org/officeDocument/2006/relationships" xmlns:p="http://schemas.openxmlformats.org/presentationml/2006/main">
+  <p:cSld>
+    <p:spTree>
+      <p:nvGrpSpPr>
+        <p:cNvPr id="1" name=""/>
+        <p:cNvGrpSpPr/>
+        <p:nvPr/>
+      </p:nvGrpSpPr>
+      <p:grpSpPr>
+        <a:xfrm>
+          <a:off x="0" y="0"/>
+          <a:ext cx="0" cy="0"/>
+          <a:chOff x="0" y="0"/>
+          <a:chExt cx="0" cy="0"/>
+        </a:xfrm>
+      </p:grpSpPr>
+      <p:sp>
+        <p:nvSpPr>
+          <p:cNvPr id="2" name="Title 1">
+            <a:extLst>
+              <a:ext uri="{FF2B5EF4-FFF2-40B4-BE49-F238E27FC236}">
+                <a16:creationId xmlns:a16="http://schemas.microsoft.com/office/drawing/2014/main" id="{A0632F8E-E98B-472A-A146-8400E3F32A0E}"/>
+              </a:ext>
+            </a:extLst>
+          </p:cNvPr>
+          <p:cNvSpPr>
+            <a:spLocks noGrp="1"/>
+          </p:cNvSpPr>
+          <p:nvPr>
+            <p:ph type="title"/>
+          </p:nvPr>
+        </p:nvSpPr>
+        <p:spPr>
+          <a:xfrm>
+            <a:off x="838200" y="365126"/>
+            <a:ext cx="10515600" cy="948286"/>
+          </a:xfrm>
+        </p:spPr>
+        <p:txBody>
+          <a:bodyPr/>
+          <a:lstStyle/>
+          <a:p>
+            <a:r>
+              <a:rPr lang="en-GB" dirty="0"/>
+              <a:t>Conclusion</a:t>
+            </a:r>
+          </a:p>
+        </p:txBody>
+      </p:sp>
+      <p:sp>
+        <p:nvSpPr>
+          <p:cNvPr id="6" name="Content Placeholder 5">
+            <a:extLst>
+              <a:ext uri="{FF2B5EF4-FFF2-40B4-BE49-F238E27FC236}">
+                <a16:creationId xmlns:a16="http://schemas.microsoft.com/office/drawing/2014/main" id="{3F35A8BC-7BB3-4CF3-8B18-D86253BB64D4}"/>
+              </a:ext>
+            </a:extLst>
+          </p:cNvPr>
+          <p:cNvSpPr>
+            <a:spLocks noGrp="1"/>
+          </p:cNvSpPr>
+          <p:nvPr>
+            <p:ph idx="1"/>
+          </p:nvPr>
+        </p:nvSpPr>
+        <p:spPr>
+          <a:xfrm>
+            <a:off x="838200" y="1479665"/>
+            <a:ext cx="10515600" cy="4697298"/>
+          </a:xfrm>
+        </p:spPr>
+        <p:txBody>
+          <a:bodyPr/>
+          <a:lstStyle/>
+          <a:p>
+            <a:r>
+              <a:rPr lang="en-GB" dirty="0"/>
+              <a:t>The system is able to detect road signs, although it is sometimes susceptible to noise. </a:t>
+            </a:r>
+          </a:p>
+          <a:p>
+            <a:endParaRPr lang="en-GB" dirty="0"/>
+          </a:p>
+        </p:txBody>
+      </p:sp>
+    </p:spTree>
+    <p:extLst>
+      <p:ext uri="{BB962C8B-B14F-4D97-AF65-F5344CB8AC3E}">
+        <p14:creationId xmlns:p14="http://schemas.microsoft.com/office/powerpoint/2010/main" val="1936511148"/>
+      </p:ext>
+    </p:extLst>
+  </p:cSld>
+  <p:clrMapOvr>
+    <a:masterClrMapping/>
+  </p:clrMapOvr>
+</p:sld>
+</file>
+
+<file path=ppt/slides/slide12.xml><?xml version="1.0" encoding="utf-8"?>
+<p:sld xmlns:a="http://schemas.openxmlformats.org/drawingml/2006/main" xmlns:r="http://schemas.openxmlformats.org/officeDocument/2006/relationships" xmlns:p="http://schemas.openxmlformats.org/presentationml/2006/main">
+  <p:cSld>
+    <p:spTree>
+      <p:nvGrpSpPr>
+        <p:cNvPr id="1" name=""/>
+        <p:cNvGrpSpPr/>
+        <p:nvPr/>
+      </p:nvGrpSpPr>
+      <p:grpSpPr>
+        <a:xfrm>
+          <a:off x="0" y="0"/>
+          <a:ext cx="0" cy="0"/>
+          <a:chOff x="0" y="0"/>
+          <a:chExt cx="0" cy="0"/>
+        </a:xfrm>
+      </p:grpSpPr>
+      <p:sp>
+        <p:nvSpPr>
+          <p:cNvPr id="2" name="Title 1">
+            <a:extLst>
+              <a:ext uri="{FF2B5EF4-FFF2-40B4-BE49-F238E27FC236}">
+                <a16:creationId xmlns:a16="http://schemas.microsoft.com/office/drawing/2014/main" id="{DF33C138-84A1-4603-B820-3641576CE380}"/>
+              </a:ext>
+            </a:extLst>
+          </p:cNvPr>
+          <p:cNvSpPr>
+            <a:spLocks noGrp="1"/>
+          </p:cNvSpPr>
+          <p:nvPr>
+            <p:ph type="title"/>
+          </p:nvPr>
+        </p:nvSpPr>
+        <p:spPr/>
+        <p:txBody>
+          <a:bodyPr/>
+          <a:lstStyle/>
+          <a:p>
+            <a:r>
+              <a:rPr lang="en-GB" dirty="0"/>
+              <a:t>References</a:t>
+            </a:r>
+          </a:p>
+        </p:txBody>
+      </p:sp>
+      <p:sp>
+        <p:nvSpPr>
+          <p:cNvPr id="6" name="Content Placeholder 5">
+            <a:extLst>
+              <a:ext uri="{FF2B5EF4-FFF2-40B4-BE49-F238E27FC236}">
+                <a16:creationId xmlns:a16="http://schemas.microsoft.com/office/drawing/2014/main" id="{84384C3B-013D-4334-BD74-BED0B13645F7}"/>
+              </a:ext>
+            </a:extLst>
+          </p:cNvPr>
+          <p:cNvSpPr>
+            <a:spLocks noGrp="1"/>
+          </p:cNvSpPr>
+          <p:nvPr>
+            <p:ph idx="1"/>
+          </p:nvPr>
+        </p:nvSpPr>
+        <p:spPr/>
+        <p:txBody>
+          <a:bodyPr/>
+          <a:lstStyle/>
+          <a:p>
+            <a:r>
+              <a:rPr lang="en-GB" dirty="0">
+                <a:hlinkClick r:id="rId2"/>
+              </a:rPr>
+              <a:t>Road sign recognition system: https://sites.google.com/site/mcvibot2011sep/Modules/PostProcessing</a:t>
+            </a:r>
+            <a:endParaRPr lang="en-GB" dirty="0"/>
+          </a:p>
+          <a:p>
+            <a:r>
+              <a:rPr lang="en-GB" dirty="0"/>
+              <a:t>ROAD AND TRAFFIC SIGN DETECTION AND RECOGNITION: </a:t>
+            </a:r>
+            <a:r>
+              <a:rPr lang="en-GB" dirty="0">
+                <a:hlinkClick r:id="rId3"/>
+              </a:rPr>
+              <a:t>http://www.iasi.cnr.it/ewgt/16conference/ID31.pdf</a:t>
+            </a:r>
+            <a:endParaRPr lang="en-GB" dirty="0"/>
+          </a:p>
+          <a:p>
+            <a:endParaRPr lang="en-GB" dirty="0"/>
+          </a:p>
+        </p:txBody>
+      </p:sp>
+    </p:spTree>
+    <p:extLst>
+      <p:ext uri="{BB962C8B-B14F-4D97-AF65-F5344CB8AC3E}">
+        <p14:creationId xmlns:p14="http://schemas.microsoft.com/office/powerpoint/2010/main" val="2450058272"/>
+      </p:ext>
+    </p:extLst>
+  </p:cSld>
+  <p:clrMapOvr>
+    <a:masterClrMapping/>
+  </p:clrMapOvr>
+</p:sld>
+</file>
+
 <file path=ppt/slides/slide2.xml><?xml version="1.0" encoding="utf-8"?>
 <p:sld xmlns:a="http://schemas.openxmlformats.org/drawingml/2006/main" xmlns:r="http://schemas.openxmlformats.org/officeDocument/2006/relationships" xmlns:p="http://schemas.openxmlformats.org/presentationml/2006/main">
   <p:cSld>
@@ -3476,7 +6578,12 @@
             <p:ph idx="1"/>
           </p:nvPr>
         </p:nvSpPr>
-        <p:spPr/>
+        <p:spPr>
+          <a:xfrm>
+            <a:off x="838200" y="1825625"/>
+            <a:ext cx="10515600" cy="1603375"/>
+          </a:xfrm>
+        </p:spPr>
         <p:txBody>
           <a:bodyPr/>
           <a:lstStyle/>
@@ -3705,23 +6812,51 @@
           <a:p>
             <a:r>
               <a:rPr lang="en-GB" dirty="0"/>
+              <a:t>Pre-process the image</a:t>
+            </a:r>
+          </a:p>
+          <a:p>
+            <a:r>
+              <a:rPr lang="en-GB" dirty="0"/>
+              <a:t>Image segmentation based on </a:t>
+            </a:r>
+            <a:r>
+              <a:rPr lang="en-GB" dirty="0" err="1"/>
+              <a:t>color</a:t>
+            </a:r>
+            <a:r>
+              <a:rPr lang="en-GB" dirty="0"/>
+              <a:t> </a:t>
+            </a:r>
+          </a:p>
+          <a:p>
+            <a:r>
+              <a:rPr lang="en-GB" dirty="0"/>
+              <a:t>Noise removal</a:t>
+            </a:r>
+          </a:p>
+          <a:p>
+            <a:r>
+              <a:rPr lang="en-GB" dirty="0"/>
+              <a:t>Convex hull</a:t>
+            </a:r>
+          </a:p>
+          <a:p>
+            <a:r>
+              <a:rPr lang="en-GB" dirty="0"/>
+              <a:t>Filter objects by area</a:t>
+            </a:r>
+          </a:p>
+          <a:p>
+            <a:r>
+              <a:rPr lang="en-GB" dirty="0"/>
               <a:t>Shape detection</a:t>
             </a:r>
           </a:p>
           <a:p>
             <a:r>
-              <a:rPr lang="en-GB" dirty="0" err="1"/>
-              <a:t>Color</a:t>
-            </a:r>
-            <a:r>
               <a:rPr lang="en-GB" dirty="0"/>
-              <a:t> detection</a:t>
-            </a:r>
-          </a:p>
-          <a:p>
-            <a:r>
-              <a:rPr lang="en-GB" dirty="0"/>
-              <a:t>Identify the road sign by combing the two</a:t>
+              <a:t>At this point we should only remain with the desired road signs</a:t>
             </a:r>
           </a:p>
         </p:txBody>
@@ -3761,6 +6896,234 @@
           <p:cNvPr id="2" name="Title 1">
             <a:extLst>
               <a:ext uri="{FF2B5EF4-FFF2-40B4-BE49-F238E27FC236}">
+                <a16:creationId xmlns:a16="http://schemas.microsoft.com/office/drawing/2014/main" id="{810A6711-8B63-4E13-BA0B-9C4F12C260A6}"/>
+              </a:ext>
+            </a:extLst>
+          </p:cNvPr>
+          <p:cNvSpPr>
+            <a:spLocks noGrp="1"/>
+          </p:cNvSpPr>
+          <p:nvPr>
+            <p:ph type="title"/>
+          </p:nvPr>
+        </p:nvSpPr>
+        <p:spPr>
+          <a:xfrm>
+            <a:off x="1113904" y="365126"/>
+            <a:ext cx="10239895" cy="913450"/>
+          </a:xfrm>
+        </p:spPr>
+        <p:txBody>
+          <a:bodyPr/>
+          <a:lstStyle/>
+          <a:p>
+            <a:r>
+              <a:rPr lang="en-GB" dirty="0"/>
+              <a:t>Pre-process the image</a:t>
+            </a:r>
+          </a:p>
+        </p:txBody>
+      </p:sp>
+      <p:sp>
+        <p:nvSpPr>
+          <p:cNvPr id="3" name="Content Placeholder 2">
+            <a:extLst>
+              <a:ext uri="{FF2B5EF4-FFF2-40B4-BE49-F238E27FC236}">
+                <a16:creationId xmlns:a16="http://schemas.microsoft.com/office/drawing/2014/main" id="{026F03B7-76F4-4A1E-922F-40BF4E3CE95A}"/>
+              </a:ext>
+            </a:extLst>
+          </p:cNvPr>
+          <p:cNvSpPr>
+            <a:spLocks noGrp="1"/>
+          </p:cNvSpPr>
+          <p:nvPr>
+            <p:ph idx="1"/>
+          </p:nvPr>
+        </p:nvSpPr>
+        <p:spPr>
+          <a:xfrm>
+            <a:off x="838200" y="1459865"/>
+            <a:ext cx="10515600" cy="2422179"/>
+          </a:xfrm>
+        </p:spPr>
+        <p:txBody>
+          <a:bodyPr>
+            <a:normAutofit/>
+          </a:bodyPr>
+          <a:lstStyle/>
+          <a:p>
+            <a:r>
+              <a:rPr lang="en-GB" dirty="0"/>
+              <a:t>Using a bilateral filter to smooth the image but preserve edges.</a:t>
+            </a:r>
+          </a:p>
+          <a:p>
+            <a:pPr lvl="1"/>
+            <a:r>
+              <a:rPr lang="en-GB" dirty="0"/>
+              <a:t>A bilateral filter uses a weighed average to compute the resulting intensity value, it takes into account the </a:t>
+            </a:r>
+            <a:r>
+              <a:rPr lang="en-GB" i="1" dirty="0"/>
+              <a:t>differences </a:t>
+            </a:r>
+            <a:r>
+              <a:rPr lang="en-GB" dirty="0"/>
+              <a:t>between pixel </a:t>
+            </a:r>
+            <a:r>
+              <a:rPr lang="en-GB" i="1" dirty="0"/>
+              <a:t>values</a:t>
+            </a:r>
+            <a:r>
+              <a:rPr lang="en-GB" dirty="0"/>
+              <a:t>.</a:t>
+            </a:r>
+          </a:p>
+          <a:p>
+            <a:r>
+              <a:rPr lang="en-GB" dirty="0"/>
+              <a:t>Histogram equalization on </a:t>
+            </a:r>
+            <a:r>
+              <a:rPr lang="en-GB" dirty="0" err="1"/>
+              <a:t>YCrCb</a:t>
+            </a:r>
+            <a:r>
+              <a:rPr lang="en-GB" dirty="0"/>
+              <a:t> </a:t>
+            </a:r>
+            <a:r>
+              <a:rPr lang="en-GB" dirty="0" err="1"/>
+              <a:t>color</a:t>
+            </a:r>
+            <a:r>
+              <a:rPr lang="en-GB" dirty="0"/>
+              <a:t> space</a:t>
+            </a:r>
+          </a:p>
+          <a:p>
+            <a:pPr lvl="1"/>
+            <a:r>
+              <a:rPr lang="en-GB" dirty="0"/>
+              <a:t>The Y component (luminance) is equalized -&gt; lighting conditions are improved for subsequent operations</a:t>
+            </a:r>
+          </a:p>
+          <a:p>
+            <a:pPr marL="0" indent="0">
+              <a:buNone/>
+            </a:pPr>
+            <a:endParaRPr lang="en-GB" dirty="0"/>
+          </a:p>
+        </p:txBody>
+      </p:sp>
+      <p:pic>
+        <p:nvPicPr>
+          <p:cNvPr id="4" name="Picture 3">
+            <a:extLst>
+              <a:ext uri="{FF2B5EF4-FFF2-40B4-BE49-F238E27FC236}">
+                <a16:creationId xmlns:a16="http://schemas.microsoft.com/office/drawing/2014/main" id="{0222D443-E66C-4FEA-9FD4-12A438D49A56}"/>
+              </a:ext>
+            </a:extLst>
+          </p:cNvPr>
+          <p:cNvPicPr>
+            <a:picLocks noChangeAspect="1"/>
+          </p:cNvPicPr>
+          <p:nvPr/>
+        </p:nvPicPr>
+        <p:blipFill>
+          <a:blip r:embed="rId2">
+            <a:extLst>
+              <a:ext uri="{28A0092B-C50C-407E-A947-70E740481C1C}">
+                <a14:useLocalDpi xmlns:a14="http://schemas.microsoft.com/office/drawing/2010/main" val="0"/>
+              </a:ext>
+            </a:extLst>
+          </a:blip>
+          <a:stretch>
+            <a:fillRect/>
+          </a:stretch>
+        </p:blipFill>
+        <p:spPr>
+          <a:xfrm>
+            <a:off x="209114" y="4063333"/>
+            <a:ext cx="5845756" cy="2422179"/>
+          </a:xfrm>
+          <a:prstGeom prst="rect">
+            <a:avLst/>
+          </a:prstGeom>
+        </p:spPr>
+      </p:pic>
+      <p:pic>
+        <p:nvPicPr>
+          <p:cNvPr id="5" name="Picture 4">
+            <a:extLst>
+              <a:ext uri="{FF2B5EF4-FFF2-40B4-BE49-F238E27FC236}">
+                <a16:creationId xmlns:a16="http://schemas.microsoft.com/office/drawing/2014/main" id="{F59BD40F-AED9-4804-AD0F-68B8ACB016D0}"/>
+              </a:ext>
+            </a:extLst>
+          </p:cNvPr>
+          <p:cNvPicPr>
+            <a:picLocks noChangeAspect="1"/>
+          </p:cNvPicPr>
+          <p:nvPr/>
+        </p:nvPicPr>
+        <p:blipFill>
+          <a:blip r:embed="rId3">
+            <a:extLst>
+              <a:ext uri="{28A0092B-C50C-407E-A947-70E740481C1C}">
+                <a14:useLocalDpi xmlns:a14="http://schemas.microsoft.com/office/drawing/2010/main" val="0"/>
+              </a:ext>
+            </a:extLst>
+          </a:blip>
+          <a:stretch>
+            <a:fillRect/>
+          </a:stretch>
+        </p:blipFill>
+        <p:spPr>
+          <a:xfrm>
+            <a:off x="6080912" y="4063333"/>
+            <a:ext cx="5863523" cy="2429541"/>
+          </a:xfrm>
+          <a:prstGeom prst="rect">
+            <a:avLst/>
+          </a:prstGeom>
+        </p:spPr>
+      </p:pic>
+    </p:spTree>
+    <p:extLst>
+      <p:ext uri="{BB962C8B-B14F-4D97-AF65-F5344CB8AC3E}">
+        <p14:creationId xmlns:p14="http://schemas.microsoft.com/office/powerpoint/2010/main" val="2300718671"/>
+      </p:ext>
+    </p:extLst>
+  </p:cSld>
+  <p:clrMapOvr>
+    <a:masterClrMapping/>
+  </p:clrMapOvr>
+</p:sld>
+</file>
+
+<file path=ppt/slides/slide5.xml><?xml version="1.0" encoding="utf-8"?>
+<p:sld xmlns:a="http://schemas.openxmlformats.org/drawingml/2006/main" xmlns:r="http://schemas.openxmlformats.org/officeDocument/2006/relationships" xmlns:p="http://schemas.openxmlformats.org/presentationml/2006/main">
+  <p:cSld>
+    <p:spTree>
+      <p:nvGrpSpPr>
+        <p:cNvPr id="1" name=""/>
+        <p:cNvGrpSpPr/>
+        <p:nvPr/>
+      </p:nvGrpSpPr>
+      <p:grpSpPr>
+        <a:xfrm>
+          <a:off x="0" y="0"/>
+          <a:ext cx="0" cy="0"/>
+          <a:chOff x="0" y="0"/>
+          <a:chExt cx="0" cy="0"/>
+        </a:xfrm>
+      </p:grpSpPr>
+      <p:sp>
+        <p:nvSpPr>
+          <p:cNvPr id="2" name="Title 1">
+            <a:extLst>
+              <a:ext uri="{FF2B5EF4-FFF2-40B4-BE49-F238E27FC236}">
                 <a16:creationId xmlns:a16="http://schemas.microsoft.com/office/drawing/2014/main" id="{CBD26108-D97C-4712-A393-8B9C17C7063B}"/>
               </a:ext>
             </a:extLst>
@@ -3804,7 +7167,12 @@
             <p:ph idx="1"/>
           </p:nvPr>
         </p:nvSpPr>
-        <p:spPr/>
+        <p:spPr>
+          <a:xfrm>
+            <a:off x="838200" y="1825625"/>
+            <a:ext cx="10515600" cy="492328"/>
+          </a:xfrm>
+        </p:spPr>
         <p:txBody>
           <a:bodyPr/>
           <a:lstStyle/>
@@ -3876,7 +7244,7 @@
 </p:sld>
 </file>
 
-<file path=ppt/slides/slide5.xml><?xml version="1.0" encoding="utf-8"?>
+<file path=ppt/slides/slide6.xml><?xml version="1.0" encoding="utf-8"?>
 <p:sld xmlns:a="http://schemas.openxmlformats.org/drawingml/2006/main" xmlns:r="http://schemas.openxmlformats.org/officeDocument/2006/relationships" xmlns:p="http://schemas.openxmlformats.org/presentationml/2006/main">
   <p:cSld>
     <p:spTree>
@@ -3909,7 +7277,12 @@
             <p:ph type="title"/>
           </p:nvPr>
         </p:nvSpPr>
-        <p:spPr/>
+        <p:spPr>
+          <a:xfrm>
+            <a:off x="838200" y="365126"/>
+            <a:ext cx="10515600" cy="972062"/>
+          </a:xfrm>
+        </p:spPr>
         <p:txBody>
           <a:bodyPr/>
           <a:lstStyle/>
@@ -3941,9 +7314,16 @@
             <p:ph idx="1"/>
           </p:nvPr>
         </p:nvSpPr>
-        <p:spPr/>
-        <p:txBody>
-          <a:bodyPr/>
+        <p:spPr>
+          <a:xfrm>
+            <a:off x="838200" y="1337188"/>
+            <a:ext cx="10515600" cy="2261418"/>
+          </a:xfrm>
+        </p:spPr>
+        <p:txBody>
+          <a:bodyPr>
+            <a:normAutofit fontScale="85000" lnSpcReduction="10000"/>
+          </a:bodyPr>
           <a:lstStyle/>
           <a:p>
             <a:r>
@@ -3985,7 +7365,7 @@
             <a:pPr lvl="1"/>
             <a:r>
               <a:rPr lang="en-GB" sz="2000" dirty="0"/>
-              <a:t>Value: lightness (we can mostly ignore it if it is high enough)</a:t>
+              <a:t>Value: lightness – varies greatly depending on light</a:t>
             </a:r>
           </a:p>
           <a:p>
@@ -4002,8 +7382,80 @@
               <a:t> is detected despite lighting conditions.</a:t>
             </a:r>
           </a:p>
-        </p:txBody>
-      </p:sp>
+          <a:p>
+            <a:r>
+              <a:rPr lang="en-GB" dirty="0"/>
+              <a:t>Here we are trying to detect blue road signs:</a:t>
+            </a:r>
+          </a:p>
+        </p:txBody>
+      </p:sp>
+      <p:pic>
+        <p:nvPicPr>
+          <p:cNvPr id="5" name="Picture 4">
+            <a:extLst>
+              <a:ext uri="{FF2B5EF4-FFF2-40B4-BE49-F238E27FC236}">
+                <a16:creationId xmlns:a16="http://schemas.microsoft.com/office/drawing/2014/main" id="{84FB14A3-655D-4F7F-8F61-5001FC1CBC78}"/>
+              </a:ext>
+            </a:extLst>
+          </p:cNvPr>
+          <p:cNvPicPr>
+            <a:picLocks noChangeAspect="1"/>
+          </p:cNvPicPr>
+          <p:nvPr/>
+        </p:nvPicPr>
+        <p:blipFill>
+          <a:blip r:embed="rId2">
+            <a:extLst>
+              <a:ext uri="{28A0092B-C50C-407E-A947-70E740481C1C}">
+                <a14:useLocalDpi xmlns:a14="http://schemas.microsoft.com/office/drawing/2010/main" val="0"/>
+              </a:ext>
+            </a:extLst>
+          </a:blip>
+          <a:stretch>
+            <a:fillRect/>
+          </a:stretch>
+        </p:blipFill>
+        <p:spPr>
+          <a:xfrm>
+            <a:off x="6024806" y="3791455"/>
+            <a:ext cx="6167194" cy="2695575"/>
+          </a:xfrm>
+          <a:prstGeom prst="rect">
+            <a:avLst/>
+          </a:prstGeom>
+        </p:spPr>
+      </p:pic>
+      <p:pic>
+        <p:nvPicPr>
+          <p:cNvPr id="6" name="Picture 5">
+            <a:extLst>
+              <a:ext uri="{FF2B5EF4-FFF2-40B4-BE49-F238E27FC236}">
+                <a16:creationId xmlns:a16="http://schemas.microsoft.com/office/drawing/2014/main" id="{C25C6C97-DD61-417A-B2E3-1794FB267E4E}"/>
+              </a:ext>
+            </a:extLst>
+          </p:cNvPr>
+          <p:cNvPicPr>
+            <a:picLocks noChangeAspect="1"/>
+          </p:cNvPicPr>
+          <p:nvPr/>
+        </p:nvPicPr>
+        <p:blipFill>
+          <a:blip r:embed="rId3"/>
+          <a:stretch>
+            <a:fillRect/>
+          </a:stretch>
+        </p:blipFill>
+        <p:spPr>
+          <a:xfrm>
+            <a:off x="98323" y="3791455"/>
+            <a:ext cx="5840362" cy="2695575"/>
+          </a:xfrm>
+          <a:prstGeom prst="rect">
+            <a:avLst/>
+          </a:prstGeom>
+        </p:spPr>
+      </p:pic>
     </p:spTree>
     <p:extLst>
       <p:ext uri="{BB962C8B-B14F-4D97-AF65-F5344CB8AC3E}">
@@ -4017,10 +7469,540 @@
 </p:sld>
 </file>
 
+<file path=ppt/slides/slide7.xml><?xml version="1.0" encoding="utf-8"?>
+<p:sld xmlns:a="http://schemas.openxmlformats.org/drawingml/2006/main" xmlns:r="http://schemas.openxmlformats.org/officeDocument/2006/relationships" xmlns:p="http://schemas.openxmlformats.org/presentationml/2006/main">
+  <p:cSld>
+    <p:spTree>
+      <p:nvGrpSpPr>
+        <p:cNvPr id="1" name=""/>
+        <p:cNvGrpSpPr/>
+        <p:nvPr/>
+      </p:nvGrpSpPr>
+      <p:grpSpPr>
+        <a:xfrm>
+          <a:off x="0" y="0"/>
+          <a:ext cx="0" cy="0"/>
+          <a:chOff x="0" y="0"/>
+          <a:chExt cx="0" cy="0"/>
+        </a:xfrm>
+      </p:grpSpPr>
+      <p:sp>
+        <p:nvSpPr>
+          <p:cNvPr id="2" name="Title 1">
+            <a:extLst>
+              <a:ext uri="{FF2B5EF4-FFF2-40B4-BE49-F238E27FC236}">
+                <a16:creationId xmlns:a16="http://schemas.microsoft.com/office/drawing/2014/main" id="{52999DE1-AA0F-4B29-8706-E45F21D8AEC5}"/>
+              </a:ext>
+            </a:extLst>
+          </p:cNvPr>
+          <p:cNvSpPr>
+            <a:spLocks noGrp="1"/>
+          </p:cNvSpPr>
+          <p:nvPr>
+            <p:ph type="title"/>
+          </p:nvPr>
+        </p:nvSpPr>
+        <p:spPr>
+          <a:xfrm>
+            <a:off x="838200" y="365125"/>
+            <a:ext cx="10515600" cy="1011391"/>
+          </a:xfrm>
+        </p:spPr>
+        <p:txBody>
+          <a:bodyPr/>
+          <a:lstStyle/>
+          <a:p>
+            <a:r>
+              <a:rPr lang="en-GB" dirty="0"/>
+              <a:t>Post processing</a:t>
+            </a:r>
+          </a:p>
+        </p:txBody>
+      </p:sp>
+      <p:sp>
+        <p:nvSpPr>
+          <p:cNvPr id="3" name="Content Placeholder 2">
+            <a:extLst>
+              <a:ext uri="{FF2B5EF4-FFF2-40B4-BE49-F238E27FC236}">
+                <a16:creationId xmlns:a16="http://schemas.microsoft.com/office/drawing/2014/main" id="{FDDEB63D-40A4-4906-B328-6B739C1D486D}"/>
+              </a:ext>
+            </a:extLst>
+          </p:cNvPr>
+          <p:cNvSpPr>
+            <a:spLocks noGrp="1"/>
+          </p:cNvSpPr>
+          <p:nvPr>
+            <p:ph idx="1"/>
+          </p:nvPr>
+        </p:nvSpPr>
+        <p:spPr>
+          <a:xfrm>
+            <a:off x="838200" y="1455174"/>
+            <a:ext cx="10515600" cy="2182761"/>
+          </a:xfrm>
+        </p:spPr>
+        <p:txBody>
+          <a:bodyPr/>
+          <a:lstStyle/>
+          <a:p>
+            <a:r>
+              <a:rPr lang="en-GB" dirty="0"/>
+              <a:t>You may have observed on the previous picture, that there was some noise, remaining from the sky, we will try to remove it in the next step.</a:t>
+            </a:r>
+          </a:p>
+          <a:p>
+            <a:pPr lvl="1"/>
+            <a:r>
+              <a:rPr lang="en-GB" dirty="0"/>
+              <a:t>Apply a median filter</a:t>
+            </a:r>
+          </a:p>
+          <a:p>
+            <a:pPr lvl="1"/>
+            <a:r>
+              <a:rPr lang="en-GB" dirty="0"/>
+              <a:t>Apply the opening morphological operation</a:t>
+            </a:r>
+          </a:p>
+        </p:txBody>
+      </p:sp>
+      <p:pic>
+        <p:nvPicPr>
+          <p:cNvPr id="4" name="Picture 3">
+            <a:extLst>
+              <a:ext uri="{FF2B5EF4-FFF2-40B4-BE49-F238E27FC236}">
+                <a16:creationId xmlns:a16="http://schemas.microsoft.com/office/drawing/2014/main" id="{67B2C188-5990-4903-A727-FDD020025ADF}"/>
+              </a:ext>
+            </a:extLst>
+          </p:cNvPr>
+          <p:cNvPicPr>
+            <a:picLocks noChangeAspect="1"/>
+          </p:cNvPicPr>
+          <p:nvPr/>
+        </p:nvPicPr>
+        <p:blipFill>
+          <a:blip r:embed="rId2"/>
+          <a:stretch>
+            <a:fillRect/>
+          </a:stretch>
+        </p:blipFill>
+        <p:spPr>
+          <a:xfrm>
+            <a:off x="119677" y="3816068"/>
+            <a:ext cx="5976323" cy="2695575"/>
+          </a:xfrm>
+          <a:prstGeom prst="rect">
+            <a:avLst/>
+          </a:prstGeom>
+        </p:spPr>
+      </p:pic>
+      <p:pic>
+        <p:nvPicPr>
+          <p:cNvPr id="5" name="Picture 4">
+            <a:extLst>
+              <a:ext uri="{FF2B5EF4-FFF2-40B4-BE49-F238E27FC236}">
+                <a16:creationId xmlns:a16="http://schemas.microsoft.com/office/drawing/2014/main" id="{D4FEEEDF-156A-47D9-B872-141B6E171157}"/>
+              </a:ext>
+            </a:extLst>
+          </p:cNvPr>
+          <p:cNvPicPr>
+            <a:picLocks noChangeAspect="1"/>
+          </p:cNvPicPr>
+          <p:nvPr/>
+        </p:nvPicPr>
+        <p:blipFill>
+          <a:blip r:embed="rId3"/>
+          <a:stretch>
+            <a:fillRect/>
+          </a:stretch>
+        </p:blipFill>
+        <p:spPr>
+          <a:xfrm>
+            <a:off x="6215678" y="3816068"/>
+            <a:ext cx="5887684" cy="2676807"/>
+          </a:xfrm>
+          <a:prstGeom prst="rect">
+            <a:avLst/>
+          </a:prstGeom>
+        </p:spPr>
+      </p:pic>
+    </p:spTree>
+    <p:extLst>
+      <p:ext uri="{BB962C8B-B14F-4D97-AF65-F5344CB8AC3E}">
+        <p14:creationId xmlns:p14="http://schemas.microsoft.com/office/powerpoint/2010/main" val="329201062"/>
+      </p:ext>
+    </p:extLst>
+  </p:cSld>
+  <p:clrMapOvr>
+    <a:masterClrMapping/>
+  </p:clrMapOvr>
+</p:sld>
+</file>
+
+<file path=ppt/slides/slide8.xml><?xml version="1.0" encoding="utf-8"?>
+<p:sld xmlns:a="http://schemas.openxmlformats.org/drawingml/2006/main" xmlns:r="http://schemas.openxmlformats.org/officeDocument/2006/relationships" xmlns:p="http://schemas.openxmlformats.org/presentationml/2006/main">
+  <p:cSld>
+    <p:spTree>
+      <p:nvGrpSpPr>
+        <p:cNvPr id="1" name=""/>
+        <p:cNvGrpSpPr/>
+        <p:nvPr/>
+      </p:nvGrpSpPr>
+      <p:grpSpPr>
+        <a:xfrm>
+          <a:off x="0" y="0"/>
+          <a:ext cx="0" cy="0"/>
+          <a:chOff x="0" y="0"/>
+          <a:chExt cx="0" cy="0"/>
+        </a:xfrm>
+      </p:grpSpPr>
+      <p:sp>
+        <p:nvSpPr>
+          <p:cNvPr id="2" name="Title 1">
+            <a:extLst>
+              <a:ext uri="{FF2B5EF4-FFF2-40B4-BE49-F238E27FC236}">
+                <a16:creationId xmlns:a16="http://schemas.microsoft.com/office/drawing/2014/main" id="{CC484350-7839-44AB-9D55-A1DFC2B9EB43}"/>
+              </a:ext>
+            </a:extLst>
+          </p:cNvPr>
+          <p:cNvSpPr>
+            <a:spLocks noGrp="1"/>
+          </p:cNvSpPr>
+          <p:nvPr>
+            <p:ph type="title"/>
+          </p:nvPr>
+        </p:nvSpPr>
+        <p:spPr>
+          <a:xfrm>
+            <a:off x="838200" y="365126"/>
+            <a:ext cx="10515600" cy="815282"/>
+          </a:xfrm>
+        </p:spPr>
+        <p:txBody>
+          <a:bodyPr/>
+          <a:lstStyle/>
+          <a:p>
+            <a:r>
+              <a:rPr lang="en-GB" dirty="0"/>
+              <a:t>Convex hull</a:t>
+            </a:r>
+          </a:p>
+        </p:txBody>
+      </p:sp>
+      <p:sp>
+        <p:nvSpPr>
+          <p:cNvPr id="3" name="Content Placeholder 2">
+            <a:extLst>
+              <a:ext uri="{FF2B5EF4-FFF2-40B4-BE49-F238E27FC236}">
+                <a16:creationId xmlns:a16="http://schemas.microsoft.com/office/drawing/2014/main" id="{CF253767-BADC-4075-900D-CC8113FDA4F3}"/>
+              </a:ext>
+            </a:extLst>
+          </p:cNvPr>
+          <p:cNvSpPr>
+            <a:spLocks noGrp="1"/>
+          </p:cNvSpPr>
+          <p:nvPr>
+            <p:ph idx="1"/>
+          </p:nvPr>
+        </p:nvSpPr>
+        <p:spPr>
+          <a:xfrm>
+            <a:off x="838200" y="1463041"/>
+            <a:ext cx="10515600" cy="2286000"/>
+          </a:xfrm>
+        </p:spPr>
+        <p:txBody>
+          <a:bodyPr>
+            <a:normAutofit lnSpcReduction="10000"/>
+          </a:bodyPr>
+          <a:lstStyle/>
+          <a:p>
+            <a:r>
+              <a:rPr lang="en-GB" dirty="0"/>
+              <a:t>Using the objects we found until now, we would like to prepare for the next step: shape detection. </a:t>
+            </a:r>
+          </a:p>
+          <a:p>
+            <a:r>
+              <a:rPr lang="en-GB" dirty="0"/>
+              <a:t>To calculate the area of a road sign, we need to have an object that is filled (we usually detect the outer part of a road sign, where it is </a:t>
+            </a:r>
+            <a:r>
+              <a:rPr lang="en-GB" dirty="0" err="1"/>
+              <a:t>colored</a:t>
+            </a:r>
+            <a:r>
+              <a:rPr lang="en-GB" dirty="0"/>
+              <a:t>)</a:t>
+            </a:r>
+          </a:p>
+          <a:p>
+            <a:r>
+              <a:rPr lang="en-GB" dirty="0"/>
+              <a:t>Solution: calculate the convex hull of the object. </a:t>
+            </a:r>
+          </a:p>
+          <a:p>
+            <a:r>
+              <a:rPr lang="en-GB" dirty="0"/>
+              <a:t>A drawback is that is amplifies noise in the image.</a:t>
+            </a:r>
+          </a:p>
+        </p:txBody>
+      </p:sp>
+      <p:pic>
+        <p:nvPicPr>
+          <p:cNvPr id="4" name="Picture 3">
+            <a:extLst>
+              <a:ext uri="{FF2B5EF4-FFF2-40B4-BE49-F238E27FC236}">
+                <a16:creationId xmlns:a16="http://schemas.microsoft.com/office/drawing/2014/main" id="{703AC51C-D695-4CCD-AB7C-7278C1AB56BF}"/>
+              </a:ext>
+            </a:extLst>
+          </p:cNvPr>
+          <p:cNvPicPr>
+            <a:picLocks noChangeAspect="1"/>
+          </p:cNvPicPr>
+          <p:nvPr/>
+        </p:nvPicPr>
+        <p:blipFill>
+          <a:blip r:embed="rId2"/>
+          <a:stretch>
+            <a:fillRect/>
+          </a:stretch>
+        </p:blipFill>
+        <p:spPr>
+          <a:xfrm>
+            <a:off x="100013" y="3797299"/>
+            <a:ext cx="5995988" cy="2695575"/>
+          </a:xfrm>
+          <a:prstGeom prst="rect">
+            <a:avLst/>
+          </a:prstGeom>
+        </p:spPr>
+      </p:pic>
+      <p:pic>
+        <p:nvPicPr>
+          <p:cNvPr id="5" name="Picture 4">
+            <a:extLst>
+              <a:ext uri="{FF2B5EF4-FFF2-40B4-BE49-F238E27FC236}">
+                <a16:creationId xmlns:a16="http://schemas.microsoft.com/office/drawing/2014/main" id="{13AE649F-78D6-47CE-9004-145738324579}"/>
+              </a:ext>
+            </a:extLst>
+          </p:cNvPr>
+          <p:cNvPicPr>
+            <a:picLocks noChangeAspect="1"/>
+          </p:cNvPicPr>
+          <p:nvPr/>
+        </p:nvPicPr>
+        <p:blipFill>
+          <a:blip r:embed="rId3"/>
+          <a:stretch>
+            <a:fillRect/>
+          </a:stretch>
+        </p:blipFill>
+        <p:spPr>
+          <a:xfrm>
+            <a:off x="6176348" y="3797299"/>
+            <a:ext cx="5809176" cy="2695575"/>
+          </a:xfrm>
+          <a:prstGeom prst="rect">
+            <a:avLst/>
+          </a:prstGeom>
+        </p:spPr>
+      </p:pic>
+    </p:spTree>
+    <p:extLst>
+      <p:ext uri="{BB962C8B-B14F-4D97-AF65-F5344CB8AC3E}">
+        <p14:creationId xmlns:p14="http://schemas.microsoft.com/office/powerpoint/2010/main" val="63652586"/>
+      </p:ext>
+    </p:extLst>
+  </p:cSld>
+  <p:clrMapOvr>
+    <a:masterClrMapping/>
+  </p:clrMapOvr>
+</p:sld>
+</file>
+
+<file path=ppt/slides/slide9.xml><?xml version="1.0" encoding="utf-8"?>
+<p:sld xmlns:a="http://schemas.openxmlformats.org/drawingml/2006/main" xmlns:r="http://schemas.openxmlformats.org/officeDocument/2006/relationships" xmlns:p="http://schemas.openxmlformats.org/presentationml/2006/main">
+  <p:cSld>
+    <p:spTree>
+      <p:nvGrpSpPr>
+        <p:cNvPr id="1" name=""/>
+        <p:cNvGrpSpPr/>
+        <p:nvPr/>
+      </p:nvGrpSpPr>
+      <p:grpSpPr>
+        <a:xfrm>
+          <a:off x="0" y="0"/>
+          <a:ext cx="0" cy="0"/>
+          <a:chOff x="0" y="0"/>
+          <a:chExt cx="0" cy="0"/>
+        </a:xfrm>
+      </p:grpSpPr>
+      <p:sp>
+        <p:nvSpPr>
+          <p:cNvPr id="2" name="Title 1">
+            <a:extLst>
+              <a:ext uri="{FF2B5EF4-FFF2-40B4-BE49-F238E27FC236}">
+                <a16:creationId xmlns:a16="http://schemas.microsoft.com/office/drawing/2014/main" id="{EDACBC08-520C-43BE-8FBE-E38E662D434C}"/>
+              </a:ext>
+            </a:extLst>
+          </p:cNvPr>
+          <p:cNvSpPr>
+            <a:spLocks noGrp="1"/>
+          </p:cNvSpPr>
+          <p:nvPr>
+            <p:ph type="title"/>
+          </p:nvPr>
+        </p:nvSpPr>
+        <p:spPr>
+          <a:xfrm>
+            <a:off x="838200" y="365125"/>
+            <a:ext cx="10515600" cy="964911"/>
+          </a:xfrm>
+        </p:spPr>
+        <p:txBody>
+          <a:bodyPr/>
+          <a:lstStyle/>
+          <a:p>
+            <a:r>
+              <a:rPr lang="en-GB" dirty="0"/>
+              <a:t>Filter objects by area</a:t>
+            </a:r>
+          </a:p>
+        </p:txBody>
+      </p:sp>
+      <p:sp>
+        <p:nvSpPr>
+          <p:cNvPr id="3" name="Content Placeholder 2">
+            <a:extLst>
+              <a:ext uri="{FF2B5EF4-FFF2-40B4-BE49-F238E27FC236}">
+                <a16:creationId xmlns:a16="http://schemas.microsoft.com/office/drawing/2014/main" id="{B71C1637-202B-4F88-BD8C-07B7191DBDD4}"/>
+              </a:ext>
+            </a:extLst>
+          </p:cNvPr>
+          <p:cNvSpPr>
+            <a:spLocks noGrp="1"/>
+          </p:cNvSpPr>
+          <p:nvPr>
+            <p:ph idx="1"/>
+          </p:nvPr>
+        </p:nvSpPr>
+        <p:spPr>
+          <a:xfrm>
+            <a:off x="838200" y="1524000"/>
+            <a:ext cx="10515600" cy="2172929"/>
+          </a:xfrm>
+        </p:spPr>
+        <p:txBody>
+          <a:bodyPr>
+            <a:normAutofit/>
+          </a:bodyPr>
+          <a:lstStyle/>
+          <a:p>
+            <a:r>
+              <a:rPr lang="en-GB" dirty="0"/>
+              <a:t>Using the area of the object we may filter object which are too small to be considered significant or are too large to be a road sign.</a:t>
+            </a:r>
+          </a:p>
+          <a:p>
+            <a:r>
+              <a:rPr lang="en-GB" dirty="0"/>
+              <a:t>Area is calculated as a percentage of the total image size.</a:t>
+            </a:r>
+          </a:p>
+          <a:p>
+            <a:r>
+              <a:rPr lang="en-GB" dirty="0"/>
+              <a:t>In this example all object smaller than 1% of the total image area are discarded.</a:t>
+            </a:r>
+          </a:p>
+          <a:p>
+            <a:pPr marL="0" indent="0">
+              <a:buNone/>
+            </a:pPr>
+            <a:endParaRPr lang="en-GB" dirty="0"/>
+          </a:p>
+        </p:txBody>
+      </p:sp>
+      <p:pic>
+        <p:nvPicPr>
+          <p:cNvPr id="4" name="Picture 3">
+            <a:extLst>
+              <a:ext uri="{FF2B5EF4-FFF2-40B4-BE49-F238E27FC236}">
+                <a16:creationId xmlns:a16="http://schemas.microsoft.com/office/drawing/2014/main" id="{B8D44776-665C-4AAA-9672-576235E9D2A3}"/>
+              </a:ext>
+            </a:extLst>
+          </p:cNvPr>
+          <p:cNvPicPr>
+            <a:picLocks noChangeAspect="1"/>
+          </p:cNvPicPr>
+          <p:nvPr/>
+        </p:nvPicPr>
+        <p:blipFill>
+          <a:blip r:embed="rId2"/>
+          <a:stretch>
+            <a:fillRect/>
+          </a:stretch>
+        </p:blipFill>
+        <p:spPr>
+          <a:xfrm>
+            <a:off x="257329" y="3797300"/>
+            <a:ext cx="5838671" cy="2695575"/>
+          </a:xfrm>
+          <a:prstGeom prst="rect">
+            <a:avLst/>
+          </a:prstGeom>
+        </p:spPr>
+      </p:pic>
+      <p:pic>
+        <p:nvPicPr>
+          <p:cNvPr id="5" name="Picture 4">
+            <a:extLst>
+              <a:ext uri="{FF2B5EF4-FFF2-40B4-BE49-F238E27FC236}">
+                <a16:creationId xmlns:a16="http://schemas.microsoft.com/office/drawing/2014/main" id="{2D9F7B90-5169-4108-8A63-AD044F24A9B8}"/>
+              </a:ext>
+            </a:extLst>
+          </p:cNvPr>
+          <p:cNvPicPr>
+            <a:picLocks noChangeAspect="1"/>
+          </p:cNvPicPr>
+          <p:nvPr/>
+        </p:nvPicPr>
+        <p:blipFill>
+          <a:blip r:embed="rId3"/>
+          <a:stretch>
+            <a:fillRect/>
+          </a:stretch>
+        </p:blipFill>
+        <p:spPr>
+          <a:xfrm>
+            <a:off x="6145161" y="3797300"/>
+            <a:ext cx="5838671" cy="2695575"/>
+          </a:xfrm>
+          <a:prstGeom prst="rect">
+            <a:avLst/>
+          </a:prstGeom>
+        </p:spPr>
+      </p:pic>
+    </p:spTree>
+    <p:extLst>
+      <p:ext uri="{BB962C8B-B14F-4D97-AF65-F5344CB8AC3E}">
+        <p14:creationId xmlns:p14="http://schemas.microsoft.com/office/powerpoint/2010/main" val="2238740958"/>
+      </p:ext>
+    </p:extLst>
+  </p:cSld>
+  <p:clrMapOvr>
+    <a:masterClrMapping/>
+  </p:clrMapOvr>
+</p:sld>
+</file>
+
 <file path=ppt/theme/theme1.xml><?xml version="1.0" encoding="utf-8"?>
-<a:theme xmlns:a="http://schemas.openxmlformats.org/drawingml/2006/main" name="Office Theme">
+<a:theme xmlns:a="http://schemas.openxmlformats.org/drawingml/2006/main" name="Ion">
   <a:themeElements>
-    <a:clrScheme name="Office">
+    <a:clrScheme name="Ion">
       <a:dk1>
         <a:sysClr val="windowText" lastClr="000000"/>
       </a:dk1>
@@ -4028,44 +8010,44 @@
         <a:sysClr val="window" lastClr="FFFFFF"/>
       </a:lt1>
       <a:dk2>
-        <a:srgbClr val="44546A"/>
+        <a:srgbClr val="1E5155"/>
       </a:dk2>
       <a:lt2>
-        <a:srgbClr val="E7E6E6"/>
+        <a:srgbClr val="EBEBEB"/>
       </a:lt2>
       <a:accent1>
-        <a:srgbClr val="4472C4"/>
+        <a:srgbClr val="B01513"/>
       </a:accent1>
       <a:accent2>
-        <a:srgbClr val="ED7D31"/>
+        <a:srgbClr val="EA6312"/>
       </a:accent2>
       <a:accent3>
-        <a:srgbClr val="A5A5A5"/>
+        <a:srgbClr val="E6B729"/>
       </a:accent3>
       <a:accent4>
-        <a:srgbClr val="FFC000"/>
+        <a:srgbClr val="6AAC90"/>
       </a:accent4>
       <a:accent5>
-        <a:srgbClr val="5B9BD5"/>
+        <a:srgbClr val="54849A"/>
       </a:accent5>
       <a:accent6>
-        <a:srgbClr val="70AD47"/>
+        <a:srgbClr val="9E5E9B"/>
       </a:accent6>
       <a:hlink>
-        <a:srgbClr val="0563C1"/>
+        <a:srgbClr val="58C1BA"/>
       </a:hlink>
       <a:folHlink>
-        <a:srgbClr val="954F72"/>
+        <a:srgbClr val="9DFFCB"/>
       </a:folHlink>
     </a:clrScheme>
-    <a:fontScheme name="Office">
+    <a:fontScheme name="Ion">
       <a:majorFont>
-        <a:latin typeface="Calibri Light" panose="020F0302020204030204"/>
+        <a:latin typeface="Century Gothic" panose="020B0502020202020204"/>
         <a:ea typeface=""/>
         <a:cs typeface=""/>
-        <a:font script="Jpan" typeface="游ゴシック Light"/>
+        <a:font script="Jpan" typeface="メイリオ"/>
         <a:font script="Hang" typeface="맑은 고딕"/>
-        <a:font script="Hans" typeface="等线 Light"/>
+        <a:font script="Hans" typeface="宋体"/>
         <a:font script="Hant" typeface="新細明體"/>
         <a:font script="Arab" typeface="Times New Roman"/>
         <a:font script="Hebr" typeface="Times New Roman"/>
@@ -4093,31 +8075,14 @@
         <a:font script="Viet" typeface="Times New Roman"/>
         <a:font script="Uigh" typeface="Microsoft Uighur"/>
         <a:font script="Geor" typeface="Sylfaen"/>
-        <a:font script="Armn" typeface="Arial"/>
-        <a:font script="Bugi" typeface="Leelawadee UI"/>
-        <a:font script="Bopo" typeface="Microsoft JhengHei"/>
-        <a:font script="Java" typeface="Javanese Text"/>
-        <a:font script="Lisu" typeface="Segoe UI"/>
-        <a:font script="Mymr" typeface="Myanmar Text"/>
-        <a:font script="Nkoo" typeface="Ebrima"/>
-        <a:font script="Olck" typeface="Nirmala UI"/>
-        <a:font script="Osma" typeface="Ebrima"/>
-        <a:font script="Phag" typeface="Phagspa"/>
-        <a:font script="Syrn" typeface="Estrangelo Edessa"/>
-        <a:font script="Syrj" typeface="Estrangelo Edessa"/>
-        <a:font script="Syre" typeface="Estrangelo Edessa"/>
-        <a:font script="Sora" typeface="Nirmala UI"/>
-        <a:font script="Tale" typeface="Microsoft Tai Le"/>
-        <a:font script="Talu" typeface="Microsoft New Tai Lue"/>
-        <a:font script="Tfng" typeface="Ebrima"/>
       </a:majorFont>
       <a:minorFont>
-        <a:latin typeface="Calibri" panose="020F0502020204030204"/>
+        <a:latin typeface="Century Gothic" panose="020B0502020202020204"/>
         <a:ea typeface=""/>
         <a:cs typeface=""/>
-        <a:font script="Jpan" typeface="游ゴシック"/>
+        <a:font script="Jpan" typeface="メイリオ"/>
         <a:font script="Hang" typeface="맑은 고딕"/>
-        <a:font script="Hans" typeface="等线"/>
+        <a:font script="Hans" typeface="宋体"/>
         <a:font script="Hant" typeface="新細明體"/>
         <a:font script="Arab" typeface="Arial"/>
         <a:font script="Hebr" typeface="Arial"/>
@@ -4145,26 +8110,9 @@
         <a:font script="Viet" typeface="Arial"/>
         <a:font script="Uigh" typeface="Microsoft Uighur"/>
         <a:font script="Geor" typeface="Sylfaen"/>
-        <a:font script="Armn" typeface="Arial"/>
-        <a:font script="Bugi" typeface="Leelawadee UI"/>
-        <a:font script="Bopo" typeface="Microsoft JhengHei"/>
-        <a:font script="Java" typeface="Javanese Text"/>
-        <a:font script="Lisu" typeface="Segoe UI"/>
-        <a:font script="Mymr" typeface="Myanmar Text"/>
-        <a:font script="Nkoo" typeface="Ebrima"/>
-        <a:font script="Olck" typeface="Nirmala UI"/>
-        <a:font script="Osma" typeface="Ebrima"/>
-        <a:font script="Phag" typeface="Phagspa"/>
-        <a:font script="Syrn" typeface="Estrangelo Edessa"/>
-        <a:font script="Syrj" typeface="Estrangelo Edessa"/>
-        <a:font script="Syre" typeface="Estrangelo Edessa"/>
-        <a:font script="Sora" typeface="Nirmala UI"/>
-        <a:font script="Tale" typeface="Microsoft Tai Le"/>
-        <a:font script="Talu" typeface="Microsoft New Tai Lue"/>
-        <a:font script="Tfng" typeface="Ebrima"/>
       </a:minorFont>
     </a:fontScheme>
-    <a:fmtScheme name="Office">
+    <a:fmtScheme name="Ion">
       <a:fillStyleLst>
         <a:solidFill>
           <a:schemeClr val="phClr"/>
@@ -4173,23 +8121,15 @@
           <a:gsLst>
             <a:gs pos="0">
               <a:schemeClr val="phClr">
-                <a:lumMod val="110000"/>
-                <a:satMod val="105000"/>
-                <a:tint val="67000"/>
-              </a:schemeClr>
-            </a:gs>
-            <a:gs pos="50000">
-              <a:schemeClr val="phClr">
-                <a:lumMod val="105000"/>
-                <a:satMod val="103000"/>
-                <a:tint val="73000"/>
+                <a:tint val="64000"/>
+                <a:lumMod val="118000"/>
               </a:schemeClr>
             </a:gs>
             <a:gs pos="100000">
               <a:schemeClr val="phClr">
-                <a:lumMod val="105000"/>
-                <a:satMod val="109000"/>
-                <a:tint val="81000"/>
+                <a:tint val="92000"/>
+                <a:alpha val="100000"/>
+                <a:lumMod val="110000"/>
               </a:schemeClr>
             </a:gs>
           </a:gsLst>
@@ -4199,23 +8139,14 @@
           <a:gsLst>
             <a:gs pos="0">
               <a:schemeClr val="phClr">
-                <a:satMod val="103000"/>
-                <a:lumMod val="102000"/>
-                <a:tint val="94000"/>
-              </a:schemeClr>
-            </a:gs>
-            <a:gs pos="50000">
-              <a:schemeClr val="phClr">
-                <a:satMod val="110000"/>
-                <a:lumMod val="100000"/>
-                <a:shade val="100000"/>
+                <a:tint val="98000"/>
+                <a:lumMod val="114000"/>
               </a:schemeClr>
             </a:gs>
             <a:gs pos="100000">
               <a:schemeClr val="phClr">
-                <a:lumMod val="99000"/>
-                <a:satMod val="120000"/>
-                <a:shade val="78000"/>
+                <a:shade val="90000"/>
+                <a:lumMod val="84000"/>
               </a:schemeClr>
             </a:gs>
           </a:gsLst>
@@ -4223,26 +8154,23 @@
         </a:gradFill>
       </a:fillStyleLst>
       <a:lnStyleLst>
-        <a:ln w="6350" cap="flat" cmpd="sng" algn="ctr">
+        <a:ln w="9525" cap="rnd" cmpd="sng" algn="ctr">
           <a:solidFill>
             <a:schemeClr val="phClr"/>
           </a:solidFill>
           <a:prstDash val="solid"/>
-          <a:miter lim="800000"/>
         </a:ln>
-        <a:ln w="12700" cap="flat" cmpd="sng" algn="ctr">
+        <a:ln w="19050" cap="rnd" cmpd="sng" algn="ctr">
           <a:solidFill>
             <a:schemeClr val="phClr"/>
           </a:solidFill>
           <a:prstDash val="solid"/>
-          <a:miter lim="800000"/>
         </a:ln>
-        <a:ln w="19050" cap="flat" cmpd="sng" algn="ctr">
+        <a:ln w="28575" cap="rnd" cmpd="sng" algn="ctr">
           <a:solidFill>
             <a:schemeClr val="phClr"/>
           </a:solidFill>
           <a:prstDash val="solid"/>
-          <a:miter lim="800000"/>
         </a:ln>
       </a:lnStyleLst>
       <a:effectStyleLst>
@@ -4250,55 +8178,80 @@
           <a:effectLst/>
         </a:effectStyle>
         <a:effectStyle>
-          <a:effectLst/>
+          <a:effectLst>
+            <a:outerShdw blurRad="38100" dist="25400" dir="5400000" rotWithShape="0">
+              <a:srgbClr val="000000">
+                <a:alpha val="45000"/>
+              </a:srgbClr>
+            </a:outerShdw>
+          </a:effectLst>
         </a:effectStyle>
         <a:effectStyle>
           <a:effectLst>
-            <a:outerShdw blurRad="57150" dist="19050" dir="5400000" algn="ctr" rotWithShape="0">
+            <a:outerShdw blurRad="63500" dist="38100" dir="5400000" rotWithShape="0">
               <a:srgbClr val="000000">
-                <a:alpha val="63000"/>
+                <a:alpha val="60000"/>
               </a:srgbClr>
             </a:outerShdw>
           </a:effectLst>
+          <a:scene3d>
+            <a:camera prst="orthographicFront">
+              <a:rot lat="0" lon="0" rev="0"/>
+            </a:camera>
+            <a:lightRig rig="threePt" dir="tl"/>
+          </a:scene3d>
+          <a:sp3d prstMaterial="plastic">
+            <a:bevelT w="0" h="0"/>
+          </a:sp3d>
         </a:effectStyle>
       </a:effectStyleLst>
       <a:bgFillStyleLst>
         <a:solidFill>
           <a:schemeClr val="phClr"/>
         </a:solidFill>
-        <a:solidFill>
-          <a:schemeClr val="phClr">
-            <a:tint val="95000"/>
-            <a:satMod val="170000"/>
-          </a:schemeClr>
-        </a:solidFill>
         <a:gradFill rotWithShape="1">
           <a:gsLst>
             <a:gs pos="0">
               <a:schemeClr val="phClr">
-                <a:tint val="93000"/>
-                <a:satMod val="150000"/>
-                <a:shade val="98000"/>
-                <a:lumMod val="102000"/>
-              </a:schemeClr>
-            </a:gs>
-            <a:gs pos="50000">
-              <a:schemeClr val="phClr">
-                <a:tint val="98000"/>
+                <a:tint val="97000"/>
+                <a:hueMod val="88000"/>
                 <a:satMod val="130000"/>
-                <a:shade val="90000"/>
-                <a:lumMod val="103000"/>
+                <a:lumMod val="124000"/>
               </a:schemeClr>
             </a:gs>
             <a:gs pos="100000">
               <a:schemeClr val="phClr">
-                <a:shade val="63000"/>
-                <a:satMod val="120000"/>
+                <a:tint val="96000"/>
+                <a:shade val="88000"/>
+                <a:hueMod val="108000"/>
+                <a:satMod val="164000"/>
+                <a:lumMod val="76000"/>
               </a:schemeClr>
             </a:gs>
           </a:gsLst>
-          <a:lin ang="5400000" scaled="0"/>
+          <a:path path="circle">
+            <a:fillToRect l="45000" t="65000" r="125000" b="100000"/>
+          </a:path>
         </a:gradFill>
+        <a:blipFill rotWithShape="1">
+          <a:blip xmlns:r="http://schemas.openxmlformats.org/officeDocument/2006/relationships" r:embed="rId1">
+            <a:duotone>
+              <a:schemeClr val="phClr">
+                <a:shade val="69000"/>
+                <a:hueMod val="108000"/>
+                <a:satMod val="164000"/>
+                <a:lumMod val="74000"/>
+              </a:schemeClr>
+              <a:schemeClr val="phClr">
+                <a:tint val="96000"/>
+                <a:hueMod val="88000"/>
+                <a:satMod val="140000"/>
+                <a:lumMod val="132000"/>
+              </a:schemeClr>
+            </a:duotone>
+          </a:blip>
+          <a:stretch/>
+        </a:blipFill>
       </a:bgFillStyleLst>
     </a:fmtScheme>
   </a:themeElements>
@@ -4306,7 +8259,7 @@
   <a:extraClrSchemeLst/>
   <a:extLst>
     <a:ext uri="{05A4C25C-085E-4340-85A3-A5531E510DB2}">
-      <thm15:themeFamily xmlns:thm15="http://schemas.microsoft.com/office/thememl/2012/main" name="Office Theme" id="{62F939B6-93AF-4DB8-9C6B-D6C7DFDC589F}" vid="{4A3C46E8-61CC-4603-A589-7422A47A8E4A}"/>
+      <thm15:themeFamily xmlns:thm15="http://schemas.microsoft.com/office/thememl/2012/main" name="Ion" id="{B8441ADB-2E43-4AF7-B97A-BD870242C6A8}" vid="{292E63A9-BB86-4E3D-B92A-7223C6510D2E}"/>
     </a:ext>
   </a:extLst>
 </a:theme>
